--- a/Topology.pptx
+++ b/Topology.pptx
@@ -6,6 +6,7 @@
   </p:sldMasterIdLst>
   <p:sldIdLst>
     <p:sldId id="256" r:id="rId2"/>
+    <p:sldId id="258" r:id="rId3"/>
   </p:sldIdLst>
   <p:sldSz cx="12192000" cy="6858000"/>
   <p:notesSz cx="6858000" cy="9144000"/>
@@ -104,10 +105,762 @@
       </a:defRPr>
     </a:lvl9pPr>
   </p:defaultTextStyle>
+  <p:extLst>
+    <p:ext uri="{EFAFB233-063F-42B5-8137-9DF3F51BA10A}">
+      <p15:sldGuideLst xmlns:p15="http://schemas.microsoft.com/office/powerpoint/2012/main"/>
+    </p:ext>
+  </p:extLst>
 </p:presentation>
 </file>
 
 <file path=ppt/diagrams/colors1.xml><?xml version="1.0" encoding="utf-8"?>
+<dgm:colorsDef xmlns:dgm="http://schemas.openxmlformats.org/drawingml/2006/diagram" xmlns:a="http://schemas.openxmlformats.org/drawingml/2006/main" uniqueId="urn:microsoft.com/office/officeart/2005/8/colors/accent1_2">
+  <dgm:title val=""/>
+  <dgm:desc val=""/>
+  <dgm:catLst>
+    <dgm:cat type="accent1" pri="11200"/>
+  </dgm:catLst>
+  <dgm:styleLbl name="node0">
+    <dgm:fillClrLst meth="repeat">
+      <a:schemeClr val="accent1"/>
+    </dgm:fillClrLst>
+    <dgm:linClrLst meth="repeat">
+      <a:schemeClr val="lt1"/>
+    </dgm:linClrLst>
+    <dgm:effectClrLst/>
+    <dgm:txLinClrLst/>
+    <dgm:txFillClrLst/>
+    <dgm:txEffectClrLst/>
+  </dgm:styleLbl>
+  <dgm:styleLbl name="alignNode1">
+    <dgm:fillClrLst meth="repeat">
+      <a:schemeClr val="accent1"/>
+    </dgm:fillClrLst>
+    <dgm:linClrLst meth="repeat">
+      <a:schemeClr val="accent1"/>
+    </dgm:linClrLst>
+    <dgm:effectClrLst/>
+    <dgm:txLinClrLst/>
+    <dgm:txFillClrLst/>
+    <dgm:txEffectClrLst/>
+  </dgm:styleLbl>
+  <dgm:styleLbl name="node1">
+    <dgm:fillClrLst meth="repeat">
+      <a:schemeClr val="accent1"/>
+    </dgm:fillClrLst>
+    <dgm:linClrLst meth="repeat">
+      <a:schemeClr val="lt1"/>
+    </dgm:linClrLst>
+    <dgm:effectClrLst/>
+    <dgm:txLinClrLst/>
+    <dgm:txFillClrLst/>
+    <dgm:txEffectClrLst/>
+  </dgm:styleLbl>
+  <dgm:styleLbl name="lnNode1">
+    <dgm:fillClrLst meth="repeat">
+      <a:schemeClr val="accent1"/>
+    </dgm:fillClrLst>
+    <dgm:linClrLst meth="repeat">
+      <a:schemeClr val="lt1"/>
+    </dgm:linClrLst>
+    <dgm:effectClrLst/>
+    <dgm:txLinClrLst/>
+    <dgm:txFillClrLst/>
+    <dgm:txEffectClrLst/>
+  </dgm:styleLbl>
+  <dgm:styleLbl name="vennNode1">
+    <dgm:fillClrLst meth="repeat">
+      <a:schemeClr val="accent1">
+        <a:alpha val="50000"/>
+      </a:schemeClr>
+    </dgm:fillClrLst>
+    <dgm:linClrLst meth="repeat">
+      <a:schemeClr val="lt1"/>
+    </dgm:linClrLst>
+    <dgm:effectClrLst/>
+    <dgm:txLinClrLst/>
+    <dgm:txFillClrLst/>
+    <dgm:txEffectClrLst/>
+  </dgm:styleLbl>
+  <dgm:styleLbl name="node2">
+    <dgm:fillClrLst meth="repeat">
+      <a:schemeClr val="accent1"/>
+    </dgm:fillClrLst>
+    <dgm:linClrLst meth="repeat">
+      <a:schemeClr val="lt1"/>
+    </dgm:linClrLst>
+    <dgm:effectClrLst/>
+    <dgm:txLinClrLst/>
+    <dgm:txFillClrLst/>
+    <dgm:txEffectClrLst/>
+  </dgm:styleLbl>
+  <dgm:styleLbl name="node3">
+    <dgm:fillClrLst meth="repeat">
+      <a:schemeClr val="accent1"/>
+    </dgm:fillClrLst>
+    <dgm:linClrLst meth="repeat">
+      <a:schemeClr val="lt1"/>
+    </dgm:linClrLst>
+    <dgm:effectClrLst/>
+    <dgm:txLinClrLst/>
+    <dgm:txFillClrLst/>
+    <dgm:txEffectClrLst/>
+  </dgm:styleLbl>
+  <dgm:styleLbl name="node4">
+    <dgm:fillClrLst meth="repeat">
+      <a:schemeClr val="accent1"/>
+    </dgm:fillClrLst>
+    <dgm:linClrLst meth="repeat">
+      <a:schemeClr val="lt1"/>
+    </dgm:linClrLst>
+    <dgm:effectClrLst/>
+    <dgm:txLinClrLst/>
+    <dgm:txFillClrLst/>
+    <dgm:txEffectClrLst/>
+  </dgm:styleLbl>
+  <dgm:styleLbl name="fgImgPlace1">
+    <dgm:fillClrLst meth="repeat">
+      <a:schemeClr val="accent1">
+        <a:tint val="50000"/>
+      </a:schemeClr>
+    </dgm:fillClrLst>
+    <dgm:linClrLst meth="repeat">
+      <a:schemeClr val="lt1"/>
+    </dgm:linClrLst>
+    <dgm:effectClrLst/>
+    <dgm:txLinClrLst/>
+    <dgm:txFillClrLst meth="repeat">
+      <a:schemeClr val="lt1"/>
+    </dgm:txFillClrLst>
+    <dgm:txEffectClrLst/>
+  </dgm:styleLbl>
+  <dgm:styleLbl name="alignImgPlace1">
+    <dgm:fillClrLst meth="repeat">
+      <a:schemeClr val="accent1">
+        <a:tint val="50000"/>
+      </a:schemeClr>
+    </dgm:fillClrLst>
+    <dgm:linClrLst meth="repeat">
+      <a:schemeClr val="lt1"/>
+    </dgm:linClrLst>
+    <dgm:effectClrLst/>
+    <dgm:txLinClrLst/>
+    <dgm:txFillClrLst meth="repeat">
+      <a:schemeClr val="lt1"/>
+    </dgm:txFillClrLst>
+    <dgm:txEffectClrLst/>
+  </dgm:styleLbl>
+  <dgm:styleLbl name="bgImgPlace1">
+    <dgm:fillClrLst meth="repeat">
+      <a:schemeClr val="accent1">
+        <a:tint val="50000"/>
+      </a:schemeClr>
+    </dgm:fillClrLst>
+    <dgm:linClrLst meth="repeat">
+      <a:schemeClr val="lt1"/>
+    </dgm:linClrLst>
+    <dgm:effectClrLst/>
+    <dgm:txLinClrLst/>
+    <dgm:txFillClrLst meth="repeat">
+      <a:schemeClr val="lt1"/>
+    </dgm:txFillClrLst>
+    <dgm:txEffectClrLst/>
+  </dgm:styleLbl>
+  <dgm:styleLbl name="sibTrans2D1">
+    <dgm:fillClrLst meth="repeat">
+      <a:schemeClr val="accent1">
+        <a:tint val="60000"/>
+      </a:schemeClr>
+    </dgm:fillClrLst>
+    <dgm:linClrLst meth="repeat">
+      <a:schemeClr val="accent1">
+        <a:tint val="60000"/>
+      </a:schemeClr>
+    </dgm:linClrLst>
+    <dgm:effectClrLst/>
+    <dgm:txLinClrLst/>
+    <dgm:txFillClrLst/>
+    <dgm:txEffectClrLst/>
+  </dgm:styleLbl>
+  <dgm:styleLbl name="fgSibTrans2D1">
+    <dgm:fillClrLst meth="repeat">
+      <a:schemeClr val="accent1">
+        <a:tint val="60000"/>
+      </a:schemeClr>
+    </dgm:fillClrLst>
+    <dgm:linClrLst meth="repeat">
+      <a:schemeClr val="accent1">
+        <a:tint val="60000"/>
+      </a:schemeClr>
+    </dgm:linClrLst>
+    <dgm:effectClrLst/>
+    <dgm:txLinClrLst/>
+    <dgm:txFillClrLst/>
+    <dgm:txEffectClrLst/>
+  </dgm:styleLbl>
+  <dgm:styleLbl name="bgSibTrans2D1">
+    <dgm:fillClrLst meth="repeat">
+      <a:schemeClr val="accent1">
+        <a:tint val="60000"/>
+      </a:schemeClr>
+    </dgm:fillClrLst>
+    <dgm:linClrLst meth="repeat">
+      <a:schemeClr val="accent1">
+        <a:tint val="60000"/>
+      </a:schemeClr>
+    </dgm:linClrLst>
+    <dgm:effectClrLst/>
+    <dgm:txLinClrLst/>
+    <dgm:txFillClrLst/>
+    <dgm:txEffectClrLst/>
+  </dgm:styleLbl>
+  <dgm:styleLbl name="sibTrans1D1">
+    <dgm:fillClrLst meth="repeat">
+      <a:schemeClr val="accent1"/>
+    </dgm:fillClrLst>
+    <dgm:linClrLst meth="repeat">
+      <a:schemeClr val="accent1"/>
+    </dgm:linClrLst>
+    <dgm:effectClrLst/>
+    <dgm:txLinClrLst/>
+    <dgm:txFillClrLst meth="repeat">
+      <a:schemeClr val="tx1"/>
+    </dgm:txFillClrLst>
+    <dgm:txEffectClrLst/>
+  </dgm:styleLbl>
+  <dgm:styleLbl name="callout">
+    <dgm:fillClrLst meth="repeat">
+      <a:schemeClr val="accent1"/>
+    </dgm:fillClrLst>
+    <dgm:linClrLst meth="repeat">
+      <a:schemeClr val="accent1">
+        <a:tint val="50000"/>
+      </a:schemeClr>
+    </dgm:linClrLst>
+    <dgm:effectClrLst/>
+    <dgm:txLinClrLst/>
+    <dgm:txFillClrLst meth="repeat">
+      <a:schemeClr val="tx1"/>
+    </dgm:txFillClrLst>
+    <dgm:txEffectClrLst/>
+  </dgm:styleLbl>
+  <dgm:styleLbl name="asst0">
+    <dgm:fillClrLst meth="repeat">
+      <a:schemeClr val="accent1"/>
+    </dgm:fillClrLst>
+    <dgm:linClrLst meth="repeat">
+      <a:schemeClr val="lt1"/>
+    </dgm:linClrLst>
+    <dgm:effectClrLst/>
+    <dgm:txLinClrLst/>
+    <dgm:txFillClrLst/>
+    <dgm:txEffectClrLst/>
+  </dgm:styleLbl>
+  <dgm:styleLbl name="asst1">
+    <dgm:fillClrLst meth="repeat">
+      <a:schemeClr val="accent1"/>
+    </dgm:fillClrLst>
+    <dgm:linClrLst meth="repeat">
+      <a:schemeClr val="lt1"/>
+    </dgm:linClrLst>
+    <dgm:effectClrLst/>
+    <dgm:txLinClrLst/>
+    <dgm:txFillClrLst/>
+    <dgm:txEffectClrLst/>
+  </dgm:styleLbl>
+  <dgm:styleLbl name="asst2">
+    <dgm:fillClrLst meth="repeat">
+      <a:schemeClr val="accent1"/>
+    </dgm:fillClrLst>
+    <dgm:linClrLst meth="repeat">
+      <a:schemeClr val="lt1"/>
+    </dgm:linClrLst>
+    <dgm:effectClrLst/>
+    <dgm:txLinClrLst/>
+    <dgm:txFillClrLst/>
+    <dgm:txEffectClrLst/>
+  </dgm:styleLbl>
+  <dgm:styleLbl name="asst3">
+    <dgm:fillClrLst meth="repeat">
+      <a:schemeClr val="accent1"/>
+    </dgm:fillClrLst>
+    <dgm:linClrLst meth="repeat">
+      <a:schemeClr val="lt1"/>
+    </dgm:linClrLst>
+    <dgm:effectClrLst/>
+    <dgm:txLinClrLst/>
+    <dgm:txFillClrLst/>
+    <dgm:txEffectClrLst/>
+  </dgm:styleLbl>
+  <dgm:styleLbl name="asst4">
+    <dgm:fillClrLst meth="repeat">
+      <a:schemeClr val="accent1"/>
+    </dgm:fillClrLst>
+    <dgm:linClrLst meth="repeat">
+      <a:schemeClr val="lt1"/>
+    </dgm:linClrLst>
+    <dgm:effectClrLst/>
+    <dgm:txLinClrLst/>
+    <dgm:txFillClrLst/>
+    <dgm:txEffectClrLst/>
+  </dgm:styleLbl>
+  <dgm:styleLbl name="parChTrans2D1">
+    <dgm:fillClrLst meth="repeat">
+      <a:schemeClr val="accent1">
+        <a:tint val="60000"/>
+      </a:schemeClr>
+    </dgm:fillClrLst>
+    <dgm:linClrLst meth="repeat">
+      <a:schemeClr val="accent1">
+        <a:tint val="60000"/>
+      </a:schemeClr>
+    </dgm:linClrLst>
+    <dgm:effectClrLst/>
+    <dgm:txLinClrLst/>
+    <dgm:txFillClrLst meth="repeat">
+      <a:schemeClr val="lt1"/>
+    </dgm:txFillClrLst>
+    <dgm:txEffectClrLst/>
+  </dgm:styleLbl>
+  <dgm:styleLbl name="parChTrans2D2">
+    <dgm:fillClrLst meth="repeat">
+      <a:schemeClr val="accent1"/>
+    </dgm:fillClrLst>
+    <dgm:linClrLst meth="repeat">
+      <a:schemeClr val="accent1"/>
+    </dgm:linClrLst>
+    <dgm:effectClrLst/>
+    <dgm:txLinClrLst/>
+    <dgm:txFillClrLst meth="repeat">
+      <a:schemeClr val="lt1"/>
+    </dgm:txFillClrLst>
+    <dgm:txEffectClrLst/>
+  </dgm:styleLbl>
+  <dgm:styleLbl name="parChTrans2D3">
+    <dgm:fillClrLst meth="repeat">
+      <a:schemeClr val="accent1"/>
+    </dgm:fillClrLst>
+    <dgm:linClrLst meth="repeat">
+      <a:schemeClr val="accent1"/>
+    </dgm:linClrLst>
+    <dgm:effectClrLst/>
+    <dgm:txLinClrLst/>
+    <dgm:txFillClrLst meth="repeat">
+      <a:schemeClr val="lt1"/>
+    </dgm:txFillClrLst>
+    <dgm:txEffectClrLst/>
+  </dgm:styleLbl>
+  <dgm:styleLbl name="parChTrans2D4">
+    <dgm:fillClrLst meth="repeat">
+      <a:schemeClr val="accent1"/>
+    </dgm:fillClrLst>
+    <dgm:linClrLst meth="repeat">
+      <a:schemeClr val="accent1"/>
+    </dgm:linClrLst>
+    <dgm:effectClrLst/>
+    <dgm:txLinClrLst/>
+    <dgm:txFillClrLst meth="repeat">
+      <a:schemeClr val="lt1"/>
+    </dgm:txFillClrLst>
+    <dgm:txEffectClrLst/>
+  </dgm:styleLbl>
+  <dgm:styleLbl name="parChTrans1D1">
+    <dgm:fillClrLst meth="repeat">
+      <a:schemeClr val="accent1"/>
+    </dgm:fillClrLst>
+    <dgm:linClrLst meth="repeat">
+      <a:schemeClr val="accent1">
+        <a:shade val="60000"/>
+      </a:schemeClr>
+    </dgm:linClrLst>
+    <dgm:effectClrLst/>
+    <dgm:txLinClrLst/>
+    <dgm:txFillClrLst meth="repeat">
+      <a:schemeClr val="tx1"/>
+    </dgm:txFillClrLst>
+    <dgm:txEffectClrLst/>
+  </dgm:styleLbl>
+  <dgm:styleLbl name="parChTrans1D2">
+    <dgm:fillClrLst meth="repeat">
+      <a:schemeClr val="accent1"/>
+    </dgm:fillClrLst>
+    <dgm:linClrLst meth="repeat">
+      <a:schemeClr val="accent1">
+        <a:shade val="60000"/>
+      </a:schemeClr>
+    </dgm:linClrLst>
+    <dgm:effectClrLst/>
+    <dgm:txLinClrLst/>
+    <dgm:txFillClrLst meth="repeat">
+      <a:schemeClr val="tx1"/>
+    </dgm:txFillClrLst>
+    <dgm:txEffectClrLst/>
+  </dgm:styleLbl>
+  <dgm:styleLbl name="parChTrans1D3">
+    <dgm:fillClrLst meth="repeat">
+      <a:schemeClr val="accent1"/>
+    </dgm:fillClrLst>
+    <dgm:linClrLst meth="repeat">
+      <a:schemeClr val="accent1">
+        <a:shade val="80000"/>
+      </a:schemeClr>
+    </dgm:linClrLst>
+    <dgm:effectClrLst/>
+    <dgm:txLinClrLst/>
+    <dgm:txFillClrLst meth="repeat">
+      <a:schemeClr val="tx1"/>
+    </dgm:txFillClrLst>
+    <dgm:txEffectClrLst/>
+  </dgm:styleLbl>
+  <dgm:styleLbl name="parChTrans1D4">
+    <dgm:fillClrLst meth="repeat">
+      <a:schemeClr val="accent1"/>
+    </dgm:fillClrLst>
+    <dgm:linClrLst meth="repeat">
+      <a:schemeClr val="accent1">
+        <a:shade val="80000"/>
+      </a:schemeClr>
+    </dgm:linClrLst>
+    <dgm:effectClrLst/>
+    <dgm:txLinClrLst/>
+    <dgm:txFillClrLst meth="repeat">
+      <a:schemeClr val="tx1"/>
+    </dgm:txFillClrLst>
+    <dgm:txEffectClrLst/>
+  </dgm:styleLbl>
+  <dgm:styleLbl name="fgAcc1">
+    <dgm:fillClrLst meth="repeat">
+      <a:schemeClr val="lt1">
+        <a:alpha val="90000"/>
+      </a:schemeClr>
+    </dgm:fillClrLst>
+    <dgm:linClrLst meth="repeat">
+      <a:schemeClr val="accent1"/>
+    </dgm:linClrLst>
+    <dgm:effectClrLst/>
+    <dgm:txLinClrLst/>
+    <dgm:txFillClrLst meth="repeat">
+      <a:schemeClr val="dk1"/>
+    </dgm:txFillClrLst>
+    <dgm:txEffectClrLst/>
+  </dgm:styleLbl>
+  <dgm:styleLbl name="conFgAcc1">
+    <dgm:fillClrLst meth="repeat">
+      <a:schemeClr val="lt1">
+        <a:alpha val="90000"/>
+      </a:schemeClr>
+    </dgm:fillClrLst>
+    <dgm:linClrLst meth="repeat">
+      <a:schemeClr val="accent1"/>
+    </dgm:linClrLst>
+    <dgm:effectClrLst/>
+    <dgm:txLinClrLst/>
+    <dgm:txFillClrLst meth="repeat">
+      <a:schemeClr val="dk1"/>
+    </dgm:txFillClrLst>
+    <dgm:txEffectClrLst/>
+  </dgm:styleLbl>
+  <dgm:styleLbl name="alignAcc1">
+    <dgm:fillClrLst meth="repeat">
+      <a:schemeClr val="lt1">
+        <a:alpha val="90000"/>
+      </a:schemeClr>
+    </dgm:fillClrLst>
+    <dgm:linClrLst meth="repeat">
+      <a:schemeClr val="accent1"/>
+    </dgm:linClrLst>
+    <dgm:effectClrLst/>
+    <dgm:txLinClrLst/>
+    <dgm:txFillClrLst meth="repeat">
+      <a:schemeClr val="dk1"/>
+    </dgm:txFillClrLst>
+    <dgm:txEffectClrLst/>
+  </dgm:styleLbl>
+  <dgm:styleLbl name="trAlignAcc1">
+    <dgm:fillClrLst meth="repeat">
+      <a:schemeClr val="lt1">
+        <a:alpha val="40000"/>
+      </a:schemeClr>
+    </dgm:fillClrLst>
+    <dgm:linClrLst meth="repeat">
+      <a:schemeClr val="accent1"/>
+    </dgm:linClrLst>
+    <dgm:effectClrLst/>
+    <dgm:txLinClrLst/>
+    <dgm:txFillClrLst meth="repeat">
+      <a:schemeClr val="dk1"/>
+    </dgm:txFillClrLst>
+    <dgm:txEffectClrLst/>
+  </dgm:styleLbl>
+  <dgm:styleLbl name="bgAcc1">
+    <dgm:fillClrLst meth="repeat">
+      <a:schemeClr val="lt1">
+        <a:alpha val="90000"/>
+      </a:schemeClr>
+    </dgm:fillClrLst>
+    <dgm:linClrLst meth="repeat">
+      <a:schemeClr val="accent1"/>
+    </dgm:linClrLst>
+    <dgm:effectClrLst/>
+    <dgm:txLinClrLst/>
+    <dgm:txFillClrLst meth="repeat">
+      <a:schemeClr val="dk1"/>
+    </dgm:txFillClrLst>
+    <dgm:txEffectClrLst/>
+  </dgm:styleLbl>
+  <dgm:styleLbl name="solidFgAcc1">
+    <dgm:fillClrLst meth="repeat">
+      <a:schemeClr val="lt1"/>
+    </dgm:fillClrLst>
+    <dgm:linClrLst meth="repeat">
+      <a:schemeClr val="accent1"/>
+    </dgm:linClrLst>
+    <dgm:effectClrLst/>
+    <dgm:txLinClrLst/>
+    <dgm:txFillClrLst meth="repeat">
+      <a:schemeClr val="dk1"/>
+    </dgm:txFillClrLst>
+    <dgm:txEffectClrLst/>
+  </dgm:styleLbl>
+  <dgm:styleLbl name="solidAlignAcc1">
+    <dgm:fillClrLst meth="repeat">
+      <a:schemeClr val="lt1"/>
+    </dgm:fillClrLst>
+    <dgm:linClrLst meth="repeat">
+      <a:schemeClr val="accent1"/>
+    </dgm:linClrLst>
+    <dgm:effectClrLst/>
+    <dgm:txLinClrLst/>
+    <dgm:txFillClrLst meth="repeat">
+      <a:schemeClr val="dk1"/>
+    </dgm:txFillClrLst>
+    <dgm:txEffectClrLst/>
+  </dgm:styleLbl>
+  <dgm:styleLbl name="solidBgAcc1">
+    <dgm:fillClrLst meth="repeat">
+      <a:schemeClr val="lt1"/>
+    </dgm:fillClrLst>
+    <dgm:linClrLst meth="repeat">
+      <a:schemeClr val="accent1"/>
+    </dgm:linClrLst>
+    <dgm:effectClrLst/>
+    <dgm:txLinClrLst/>
+    <dgm:txFillClrLst meth="repeat">
+      <a:schemeClr val="dk1"/>
+    </dgm:txFillClrLst>
+    <dgm:txEffectClrLst/>
+  </dgm:styleLbl>
+  <dgm:styleLbl name="fgAccFollowNode1">
+    <dgm:fillClrLst meth="repeat">
+      <a:schemeClr val="accent1">
+        <a:alpha val="90000"/>
+        <a:tint val="40000"/>
+      </a:schemeClr>
+    </dgm:fillClrLst>
+    <dgm:linClrLst meth="repeat">
+      <a:schemeClr val="accent1">
+        <a:alpha val="90000"/>
+        <a:tint val="40000"/>
+      </a:schemeClr>
+    </dgm:linClrLst>
+    <dgm:effectClrLst/>
+    <dgm:txLinClrLst/>
+    <dgm:txFillClrLst meth="repeat">
+      <a:schemeClr val="dk1"/>
+    </dgm:txFillClrLst>
+    <dgm:txEffectClrLst/>
+  </dgm:styleLbl>
+  <dgm:styleLbl name="alignAccFollowNode1">
+    <dgm:fillClrLst meth="repeat">
+      <a:schemeClr val="accent1">
+        <a:alpha val="90000"/>
+        <a:tint val="40000"/>
+      </a:schemeClr>
+    </dgm:fillClrLst>
+    <dgm:linClrLst meth="repeat">
+      <a:schemeClr val="accent1">
+        <a:alpha val="90000"/>
+        <a:tint val="40000"/>
+      </a:schemeClr>
+    </dgm:linClrLst>
+    <dgm:effectClrLst/>
+    <dgm:txLinClrLst/>
+    <dgm:txFillClrLst meth="repeat">
+      <a:schemeClr val="dk1"/>
+    </dgm:txFillClrLst>
+    <dgm:txEffectClrLst/>
+  </dgm:styleLbl>
+  <dgm:styleLbl name="bgAccFollowNode1">
+    <dgm:fillClrLst meth="repeat">
+      <a:schemeClr val="accent1">
+        <a:alpha val="90000"/>
+        <a:tint val="40000"/>
+      </a:schemeClr>
+    </dgm:fillClrLst>
+    <dgm:linClrLst meth="repeat">
+      <a:schemeClr val="accent1">
+        <a:alpha val="90000"/>
+        <a:tint val="40000"/>
+      </a:schemeClr>
+    </dgm:linClrLst>
+    <dgm:effectClrLst/>
+    <dgm:txLinClrLst/>
+    <dgm:txFillClrLst meth="repeat">
+      <a:schemeClr val="dk1"/>
+    </dgm:txFillClrLst>
+    <dgm:txEffectClrLst/>
+  </dgm:styleLbl>
+  <dgm:styleLbl name="fgAcc0">
+    <dgm:fillClrLst meth="repeat">
+      <a:schemeClr val="lt1">
+        <a:alpha val="90000"/>
+      </a:schemeClr>
+    </dgm:fillClrLst>
+    <dgm:linClrLst meth="repeat">
+      <a:schemeClr val="accent1"/>
+    </dgm:linClrLst>
+    <dgm:effectClrLst/>
+    <dgm:txLinClrLst/>
+    <dgm:txFillClrLst meth="repeat">
+      <a:schemeClr val="dk1"/>
+    </dgm:txFillClrLst>
+    <dgm:txEffectClrLst/>
+  </dgm:styleLbl>
+  <dgm:styleLbl name="fgAcc2">
+    <dgm:fillClrLst meth="repeat">
+      <a:schemeClr val="lt1">
+        <a:alpha val="90000"/>
+      </a:schemeClr>
+    </dgm:fillClrLst>
+    <dgm:linClrLst meth="repeat">
+      <a:schemeClr val="accent1"/>
+    </dgm:linClrLst>
+    <dgm:effectClrLst/>
+    <dgm:txLinClrLst/>
+    <dgm:txFillClrLst meth="repeat">
+      <a:schemeClr val="dk1"/>
+    </dgm:txFillClrLst>
+    <dgm:txEffectClrLst/>
+  </dgm:styleLbl>
+  <dgm:styleLbl name="fgAcc3">
+    <dgm:fillClrLst meth="repeat">
+      <a:schemeClr val="lt1">
+        <a:alpha val="90000"/>
+      </a:schemeClr>
+    </dgm:fillClrLst>
+    <dgm:linClrLst meth="repeat">
+      <a:schemeClr val="accent1"/>
+    </dgm:linClrLst>
+    <dgm:effectClrLst/>
+    <dgm:txLinClrLst/>
+    <dgm:txFillClrLst meth="repeat">
+      <a:schemeClr val="dk1"/>
+    </dgm:txFillClrLst>
+    <dgm:txEffectClrLst/>
+  </dgm:styleLbl>
+  <dgm:styleLbl name="fgAcc4">
+    <dgm:fillClrLst meth="repeat">
+      <a:schemeClr val="lt1">
+        <a:alpha val="90000"/>
+      </a:schemeClr>
+    </dgm:fillClrLst>
+    <dgm:linClrLst meth="repeat">
+      <a:schemeClr val="accent1"/>
+    </dgm:linClrLst>
+    <dgm:effectClrLst/>
+    <dgm:txLinClrLst/>
+    <dgm:txFillClrLst meth="repeat">
+      <a:schemeClr val="dk1"/>
+    </dgm:txFillClrLst>
+    <dgm:txEffectClrLst/>
+  </dgm:styleLbl>
+  <dgm:styleLbl name="bgShp">
+    <dgm:fillClrLst meth="repeat">
+      <a:schemeClr val="accent1">
+        <a:tint val="40000"/>
+      </a:schemeClr>
+    </dgm:fillClrLst>
+    <dgm:linClrLst meth="repeat">
+      <a:schemeClr val="accent1"/>
+    </dgm:linClrLst>
+    <dgm:effectClrLst/>
+    <dgm:txLinClrLst/>
+    <dgm:txFillClrLst meth="repeat">
+      <a:schemeClr val="dk1"/>
+    </dgm:txFillClrLst>
+    <dgm:txEffectClrLst/>
+  </dgm:styleLbl>
+  <dgm:styleLbl name="dkBgShp">
+    <dgm:fillClrLst meth="repeat">
+      <a:schemeClr val="accent1">
+        <a:shade val="80000"/>
+      </a:schemeClr>
+    </dgm:fillClrLst>
+    <dgm:linClrLst meth="repeat">
+      <a:schemeClr val="accent1"/>
+    </dgm:linClrLst>
+    <dgm:effectClrLst/>
+    <dgm:txLinClrLst/>
+    <dgm:txFillClrLst meth="repeat">
+      <a:schemeClr val="lt1"/>
+    </dgm:txFillClrLst>
+    <dgm:txEffectClrLst/>
+  </dgm:styleLbl>
+  <dgm:styleLbl name="trBgShp">
+    <dgm:fillClrLst meth="repeat">
+      <a:schemeClr val="accent1">
+        <a:tint val="50000"/>
+        <a:alpha val="40000"/>
+      </a:schemeClr>
+    </dgm:fillClrLst>
+    <dgm:linClrLst meth="repeat">
+      <a:schemeClr val="accent1"/>
+    </dgm:linClrLst>
+    <dgm:effectClrLst/>
+    <dgm:txLinClrLst/>
+    <dgm:txFillClrLst meth="repeat">
+      <a:schemeClr val="lt1"/>
+    </dgm:txFillClrLst>
+    <dgm:txEffectClrLst/>
+  </dgm:styleLbl>
+  <dgm:styleLbl name="fgShp">
+    <dgm:fillClrLst meth="repeat">
+      <a:schemeClr val="accent1">
+        <a:tint val="60000"/>
+      </a:schemeClr>
+    </dgm:fillClrLst>
+    <dgm:linClrLst meth="repeat">
+      <a:schemeClr val="lt1"/>
+    </dgm:linClrLst>
+    <dgm:effectClrLst/>
+    <dgm:txLinClrLst/>
+    <dgm:txFillClrLst meth="repeat">
+      <a:schemeClr val="dk1"/>
+    </dgm:txFillClrLst>
+    <dgm:txEffectClrLst/>
+  </dgm:styleLbl>
+  <dgm:styleLbl name="revTx">
+    <dgm:fillClrLst meth="repeat">
+      <a:schemeClr val="lt1">
+        <a:alpha val="0"/>
+      </a:schemeClr>
+    </dgm:fillClrLst>
+    <dgm:linClrLst meth="repeat">
+      <a:schemeClr val="dk1">
+        <a:alpha val="0"/>
+      </a:schemeClr>
+    </dgm:linClrLst>
+    <dgm:effectClrLst/>
+    <dgm:txLinClrLst/>
+    <dgm:txFillClrLst meth="repeat">
+      <a:schemeClr val="tx1"/>
+    </dgm:txFillClrLst>
+    <dgm:txEffectClrLst/>
+  </dgm:styleLbl>
+</dgm:colorsDef>
+</file>
+
+<file path=ppt/diagrams/colors2.xml><?xml version="1.0" encoding="utf-8"?>
 <dgm:colorsDef xmlns:dgm="http://schemas.openxmlformats.org/drawingml/2006/diagram" xmlns:a="http://schemas.openxmlformats.org/drawingml/2006/main" uniqueId="urn:microsoft.com/office/officeart/2005/8/colors/accent1_2">
   <dgm:title val=""/>
   <dgm:desc val=""/>
@@ -2356,6 +3109,1233 @@
     <dgm:cxn modelId="{EA178EC5-E12F-470F-B127-EF1776167383}" type="presParOf" srcId="{F27F1FA3-F61B-47E3-8A4A-E18491E9A745}" destId="{8B0A6FF8-72A0-44D2-8F4E-D86666B06941}" srcOrd="2" destOrd="0" presId="urn:microsoft.com/office/officeart/2005/8/layout/orgChart1"/>
     <dgm:cxn modelId="{2D7404FA-13FF-42F1-A5D2-8FC0674D5B54}" type="presParOf" srcId="{EDD71824-4127-4CB0-8A91-A2E8D0E5E662}" destId="{A3D20A28-4E8C-4D57-A3B5-0862A60B7B25}" srcOrd="2" destOrd="0" presId="urn:microsoft.com/office/officeart/2005/8/layout/orgChart1"/>
     <dgm:cxn modelId="{9E7C38F6-72C0-4F2A-8983-F2586100426E}" type="presParOf" srcId="{F5147DD7-9168-4B84-B515-F2FF42F1D695}" destId="{6D95F4BB-8C8B-47D5-AC53-7ACC37BCA080}" srcOrd="2" destOrd="0" presId="urn:microsoft.com/office/officeart/2005/8/layout/orgChart1"/>
+  </dgm:cxnLst>
+  <dgm:bg/>
+  <dgm:whole/>
+  <dgm:extLst>
+    <a:ext uri="http://schemas.microsoft.com/office/drawing/2008/diagram">
+      <dsp:dataModelExt xmlns:dsp="http://schemas.microsoft.com/office/drawing/2008/diagram" relId="rId6" minVer="http://schemas.openxmlformats.org/drawingml/2006/diagram"/>
+    </a:ext>
+  </dgm:extLst>
+</dgm:dataModel>
+</file>
+
+<file path=ppt/diagrams/data2.xml><?xml version="1.0" encoding="utf-8"?>
+<dgm:dataModel xmlns:dgm="http://schemas.openxmlformats.org/drawingml/2006/diagram" xmlns:a="http://schemas.openxmlformats.org/drawingml/2006/main">
+  <dgm:ptLst>
+    <dgm:pt modelId="{37BD702E-660E-4277-8183-4DD6AE9D2A57}" type="doc">
+      <dgm:prSet loTypeId="urn:microsoft.com/office/officeart/2005/8/layout/orgChart1" loCatId="hierarchy" qsTypeId="urn:microsoft.com/office/officeart/2005/8/quickstyle/simple1" qsCatId="simple" csTypeId="urn:microsoft.com/office/officeart/2005/8/colors/accent1_2" csCatId="accent1" phldr="1"/>
+      <dgm:spPr/>
+      <dgm:t>
+        <a:bodyPr/>
+        <a:lstStyle/>
+        <a:p>
+          <a:endParaRPr lang="en-US"/>
+        </a:p>
+      </dgm:t>
+    </dgm:pt>
+    <dgm:pt modelId="{E07F6448-8900-4AC5-A46C-B58AF4266010}">
+      <dgm:prSet phldrT="[Text]">
+        <dgm:style>
+          <a:lnRef idx="2">
+            <a:schemeClr val="accent2">
+              <a:shade val="50000"/>
+            </a:schemeClr>
+          </a:lnRef>
+          <a:fillRef idx="1">
+            <a:schemeClr val="accent2"/>
+          </a:fillRef>
+          <a:effectRef idx="0">
+            <a:schemeClr val="accent2"/>
+          </a:effectRef>
+          <a:fontRef idx="minor">
+            <a:schemeClr val="lt1"/>
+          </a:fontRef>
+        </dgm:style>
+      </dgm:prSet>
+      <dgm:spPr/>
+      <dgm:t>
+        <a:bodyPr/>
+        <a:lstStyle/>
+        <a:p>
+          <a:r>
+            <a:rPr lang="en-US" dirty="0"/>
+            <a:t>Genome</a:t>
+          </a:r>
+        </a:p>
+      </dgm:t>
+    </dgm:pt>
+    <dgm:pt modelId="{991CA309-93EE-4443-B27A-BE85E58236D6}" type="parTrans" cxnId="{C0369263-A5AF-4A38-9830-762E2897672A}">
+      <dgm:prSet/>
+      <dgm:spPr/>
+      <dgm:t>
+        <a:bodyPr/>
+        <a:lstStyle/>
+        <a:p>
+          <a:endParaRPr lang="en-US"/>
+        </a:p>
+      </dgm:t>
+    </dgm:pt>
+    <dgm:pt modelId="{EE7E490B-6FEA-4587-8FF2-84870701CFD1}" type="sibTrans" cxnId="{C0369263-A5AF-4A38-9830-762E2897672A}">
+      <dgm:prSet/>
+      <dgm:spPr/>
+      <dgm:t>
+        <a:bodyPr/>
+        <a:lstStyle/>
+        <a:p>
+          <a:endParaRPr lang="en-US"/>
+        </a:p>
+      </dgm:t>
+    </dgm:pt>
+    <dgm:pt modelId="{F40F37A4-E834-421F-B37A-B06D1A2A609D}">
+      <dgm:prSet phldrT="[Text]">
+        <dgm:style>
+          <a:lnRef idx="3">
+            <a:schemeClr val="lt1"/>
+          </a:lnRef>
+          <a:fillRef idx="1">
+            <a:schemeClr val="accent1"/>
+          </a:fillRef>
+          <a:effectRef idx="1">
+            <a:schemeClr val="accent1"/>
+          </a:effectRef>
+          <a:fontRef idx="minor">
+            <a:schemeClr val="lt1"/>
+          </a:fontRef>
+        </dgm:style>
+      </dgm:prSet>
+      <dgm:spPr/>
+      <dgm:t>
+        <a:bodyPr/>
+        <a:lstStyle/>
+        <a:p>
+          <a:r>
+            <a:rPr lang="en-US" dirty="0"/>
+            <a:t>Neat</a:t>
+          </a:r>
+        </a:p>
+      </dgm:t>
+    </dgm:pt>
+    <dgm:pt modelId="{32059DA7-F49A-4E3F-870B-AC3CE0F102E7}" type="parTrans" cxnId="{87D24612-27B7-43F1-91E3-91E9A9453C80}">
+      <dgm:prSet/>
+      <dgm:spPr/>
+      <dgm:t>
+        <a:bodyPr/>
+        <a:lstStyle/>
+        <a:p>
+          <a:endParaRPr lang="en-US"/>
+        </a:p>
+      </dgm:t>
+    </dgm:pt>
+    <dgm:pt modelId="{44D88DBE-C92B-46BF-95A9-D674A2CFE7B3}" type="sibTrans" cxnId="{87D24612-27B7-43F1-91E3-91E9A9453C80}">
+      <dgm:prSet/>
+      <dgm:spPr/>
+      <dgm:t>
+        <a:bodyPr/>
+        <a:lstStyle/>
+        <a:p>
+          <a:endParaRPr lang="en-US"/>
+        </a:p>
+      </dgm:t>
+    </dgm:pt>
+    <dgm:pt modelId="{E675E2EE-8FD6-476B-822F-5D9D06608ED4}">
+      <dgm:prSet phldrT="[Text]"/>
+      <dgm:spPr/>
+      <dgm:t>
+        <a:bodyPr/>
+        <a:lstStyle/>
+        <a:p>
+          <a:r>
+            <a:rPr lang="en-US" dirty="0"/>
+            <a:t>Nodes</a:t>
+          </a:r>
+        </a:p>
+      </dgm:t>
+    </dgm:pt>
+    <dgm:pt modelId="{9BA6D5BB-12C8-4E41-B5BF-3D15C0EA204C}" type="parTrans" cxnId="{18C12B60-B09E-49F4-8663-CCA3341DAD67}">
+      <dgm:prSet/>
+      <dgm:spPr/>
+      <dgm:t>
+        <a:bodyPr/>
+        <a:lstStyle/>
+        <a:p>
+          <a:endParaRPr lang="en-US"/>
+        </a:p>
+      </dgm:t>
+    </dgm:pt>
+    <dgm:pt modelId="{FC8F17E5-1C04-4D8A-B997-628E1E601F8F}" type="sibTrans" cxnId="{18C12B60-B09E-49F4-8663-CCA3341DAD67}">
+      <dgm:prSet/>
+      <dgm:spPr/>
+      <dgm:t>
+        <a:bodyPr/>
+        <a:lstStyle/>
+        <a:p>
+          <a:endParaRPr lang="en-US"/>
+        </a:p>
+      </dgm:t>
+    </dgm:pt>
+    <dgm:pt modelId="{3DDFE6A6-9495-4A58-A54C-769DE0AC01D3}">
+      <dgm:prSet phldrT="[Text]"/>
+      <dgm:spPr/>
+      <dgm:t>
+        <a:bodyPr/>
+        <a:lstStyle/>
+        <a:p>
+          <a:r>
+            <a:rPr lang="en-US" dirty="0"/>
+            <a:t>Connections</a:t>
+          </a:r>
+        </a:p>
+      </dgm:t>
+    </dgm:pt>
+    <dgm:pt modelId="{7CF83EAE-65EC-4242-8737-6C9E0CA36CF5}" type="parTrans" cxnId="{3075F7DD-0C3C-4B57-B42E-C30FFEB6D224}">
+      <dgm:prSet/>
+      <dgm:spPr/>
+      <dgm:t>
+        <a:bodyPr/>
+        <a:lstStyle/>
+        <a:p>
+          <a:endParaRPr lang="en-US"/>
+        </a:p>
+      </dgm:t>
+    </dgm:pt>
+    <dgm:pt modelId="{4179F2A4-E039-4DC6-9FDA-4A5F2BD84472}" type="sibTrans" cxnId="{3075F7DD-0C3C-4B57-B42E-C30FFEB6D224}">
+      <dgm:prSet/>
+      <dgm:spPr/>
+      <dgm:t>
+        <a:bodyPr/>
+        <a:lstStyle/>
+        <a:p>
+          <a:endParaRPr lang="en-US"/>
+        </a:p>
+      </dgm:t>
+    </dgm:pt>
+    <dgm:pt modelId="{479C5ADC-02C3-43F8-A7BF-2D70E50216E1}">
+      <dgm:prSet phldrT="[Text]"/>
+      <dgm:spPr/>
+      <dgm:t>
+        <a:bodyPr/>
+        <a:lstStyle/>
+        <a:p>
+          <a:r>
+            <a:rPr lang="en-US" dirty="0"/>
+            <a:t>From</a:t>
+          </a:r>
+        </a:p>
+      </dgm:t>
+    </dgm:pt>
+    <dgm:pt modelId="{81E97124-5E29-4B8F-B72E-0FB42EB221B8}" type="parTrans" cxnId="{E94964C2-3E34-4B37-95FB-0867D0A7247F}">
+      <dgm:prSet/>
+      <dgm:spPr/>
+      <dgm:t>
+        <a:bodyPr/>
+        <a:lstStyle/>
+        <a:p>
+          <a:endParaRPr lang="en-US"/>
+        </a:p>
+      </dgm:t>
+    </dgm:pt>
+    <dgm:pt modelId="{FF9DC315-0A0B-4ADB-9FC1-00664668182C}" type="sibTrans" cxnId="{E94964C2-3E34-4B37-95FB-0867D0A7247F}">
+      <dgm:prSet/>
+      <dgm:spPr/>
+      <dgm:t>
+        <a:bodyPr/>
+        <a:lstStyle/>
+        <a:p>
+          <a:endParaRPr lang="en-US"/>
+        </a:p>
+      </dgm:t>
+    </dgm:pt>
+    <dgm:pt modelId="{85EC1DB4-DAE0-469F-BD3A-7027D9ED8C94}">
+      <dgm:prSet phldrT="[Text]"/>
+      <dgm:spPr/>
+      <dgm:t>
+        <a:bodyPr/>
+        <a:lstStyle/>
+        <a:p>
+          <a:r>
+            <a:rPr lang="en-US" dirty="0"/>
+            <a:t>To</a:t>
+          </a:r>
+        </a:p>
+      </dgm:t>
+    </dgm:pt>
+    <dgm:pt modelId="{5347BAC4-D5FA-459D-AAEB-D8E23E949A0C}" type="parTrans" cxnId="{AF0C2BE9-35B5-410D-A4FB-ABD4F8D3F223}">
+      <dgm:prSet/>
+      <dgm:spPr/>
+      <dgm:t>
+        <a:bodyPr/>
+        <a:lstStyle/>
+        <a:p>
+          <a:endParaRPr lang="en-US"/>
+        </a:p>
+      </dgm:t>
+    </dgm:pt>
+    <dgm:pt modelId="{9BC6318B-656D-4693-9949-D7CFB76EF3AD}" type="sibTrans" cxnId="{AF0C2BE9-35B5-410D-A4FB-ABD4F8D3F223}">
+      <dgm:prSet/>
+      <dgm:spPr/>
+      <dgm:t>
+        <a:bodyPr/>
+        <a:lstStyle/>
+        <a:p>
+          <a:endParaRPr lang="en-US"/>
+        </a:p>
+      </dgm:t>
+    </dgm:pt>
+    <dgm:pt modelId="{0C7190CD-B68D-4FB4-BFFC-3E6EBEE642CC}">
+      <dgm:prSet phldrT="[Text]"/>
+      <dgm:spPr/>
+      <dgm:t>
+        <a:bodyPr/>
+        <a:lstStyle/>
+        <a:p>
+          <a:r>
+            <a:rPr lang="en-US" dirty="0"/>
+            <a:t>Weight</a:t>
+          </a:r>
+        </a:p>
+      </dgm:t>
+    </dgm:pt>
+    <dgm:pt modelId="{DE0B6D90-D678-4B97-964D-149FD0F25122}" type="parTrans" cxnId="{8B78B761-94BD-435F-A213-ABCC14A95067}">
+      <dgm:prSet/>
+      <dgm:spPr/>
+      <dgm:t>
+        <a:bodyPr/>
+        <a:lstStyle/>
+        <a:p>
+          <a:endParaRPr lang="en-US"/>
+        </a:p>
+      </dgm:t>
+    </dgm:pt>
+    <dgm:pt modelId="{D302B0DF-89E1-4D0E-A3DB-11D7709CA015}" type="sibTrans" cxnId="{8B78B761-94BD-435F-A213-ABCC14A95067}">
+      <dgm:prSet/>
+      <dgm:spPr/>
+      <dgm:t>
+        <a:bodyPr/>
+        <a:lstStyle/>
+        <a:p>
+          <a:endParaRPr lang="en-US"/>
+        </a:p>
+      </dgm:t>
+    </dgm:pt>
+    <dgm:pt modelId="{B6E7A50B-1706-4C4A-A689-A952F09B11F3}">
+      <dgm:prSet phldrT="[Text]"/>
+      <dgm:spPr/>
+      <dgm:t>
+        <a:bodyPr/>
+        <a:lstStyle/>
+        <a:p>
+          <a:r>
+            <a:rPr lang="en-US" dirty="0"/>
+            <a:t>Innovation Number</a:t>
+          </a:r>
+        </a:p>
+      </dgm:t>
+    </dgm:pt>
+    <dgm:pt modelId="{66BED8D8-A980-4160-BF52-FACD71E1F8B3}" type="parTrans" cxnId="{7817C531-9D7C-4C0E-B322-5253DA389B7D}">
+      <dgm:prSet/>
+      <dgm:spPr/>
+      <dgm:t>
+        <a:bodyPr/>
+        <a:lstStyle/>
+        <a:p>
+          <a:endParaRPr lang="en-US"/>
+        </a:p>
+      </dgm:t>
+    </dgm:pt>
+    <dgm:pt modelId="{2736B5D7-AA3B-4FA4-B3CA-0871E014D363}" type="sibTrans" cxnId="{7817C531-9D7C-4C0E-B322-5253DA389B7D}">
+      <dgm:prSet/>
+      <dgm:spPr/>
+      <dgm:t>
+        <a:bodyPr/>
+        <a:lstStyle/>
+        <a:p>
+          <a:endParaRPr lang="en-US"/>
+        </a:p>
+      </dgm:t>
+    </dgm:pt>
+    <dgm:pt modelId="{EC7E22AD-8497-4271-A094-EB855CAF8D03}">
+      <dgm:prSet phldrT="[Text]">
+        <dgm:style>
+          <a:lnRef idx="3">
+            <a:schemeClr val="lt1"/>
+          </a:lnRef>
+          <a:fillRef idx="1">
+            <a:schemeClr val="accent1"/>
+          </a:fillRef>
+          <a:effectRef idx="1">
+            <a:schemeClr val="accent1"/>
+          </a:effectRef>
+          <a:fontRef idx="minor">
+            <a:schemeClr val="lt1"/>
+          </a:fontRef>
+        </dgm:style>
+      </dgm:prSet>
+      <dgm:spPr/>
+      <dgm:t>
+        <a:bodyPr/>
+        <a:lstStyle/>
+        <a:p>
+          <a:r>
+            <a:rPr lang="en-US" dirty="0"/>
+            <a:t>Score</a:t>
+          </a:r>
+        </a:p>
+      </dgm:t>
+    </dgm:pt>
+    <dgm:pt modelId="{27163995-E443-4CF5-ADCB-5DC780AC490A}" type="parTrans" cxnId="{F103CCB4-A396-4F1B-AA6B-5E3CD1BF9707}">
+      <dgm:prSet/>
+      <dgm:spPr/>
+      <dgm:t>
+        <a:bodyPr/>
+        <a:lstStyle/>
+        <a:p>
+          <a:endParaRPr lang="en-US"/>
+        </a:p>
+      </dgm:t>
+    </dgm:pt>
+    <dgm:pt modelId="{6B1897A4-862B-48DD-8464-8EDC4F074F29}" type="sibTrans" cxnId="{F103CCB4-A396-4F1B-AA6B-5E3CD1BF9707}">
+      <dgm:prSet/>
+      <dgm:spPr/>
+      <dgm:t>
+        <a:bodyPr/>
+        <a:lstStyle/>
+        <a:p>
+          <a:endParaRPr lang="en-US"/>
+        </a:p>
+      </dgm:t>
+    </dgm:pt>
+    <dgm:pt modelId="{054378D9-2749-49D1-A461-37C6B2A4F149}">
+      <dgm:prSet phldrT="[Text]">
+        <dgm:style>
+          <a:lnRef idx="2">
+            <a:schemeClr val="accent6">
+              <a:shade val="50000"/>
+            </a:schemeClr>
+          </a:lnRef>
+          <a:fillRef idx="1">
+            <a:schemeClr val="accent6"/>
+          </a:fillRef>
+          <a:effectRef idx="0">
+            <a:schemeClr val="accent6"/>
+          </a:effectRef>
+          <a:fontRef idx="minor">
+            <a:schemeClr val="lt1"/>
+          </a:fontRef>
+        </dgm:style>
+      </dgm:prSet>
+      <dgm:spPr/>
+      <dgm:t>
+        <a:bodyPr/>
+        <a:lstStyle/>
+        <a:p>
+          <a:r>
+            <a:rPr lang="en-US" dirty="0"/>
+            <a:t>Clients/Population</a:t>
+          </a:r>
+        </a:p>
+      </dgm:t>
+    </dgm:pt>
+    <dgm:pt modelId="{259D8CF3-64D7-4D83-B9DD-2DC13AB66FB8}" type="parTrans" cxnId="{6718052F-AA91-4768-8DB1-1E8ACDE05112}">
+      <dgm:prSet/>
+      <dgm:spPr/>
+      <dgm:t>
+        <a:bodyPr/>
+        <a:lstStyle/>
+        <a:p>
+          <a:endParaRPr lang="en-US"/>
+        </a:p>
+      </dgm:t>
+    </dgm:pt>
+    <dgm:pt modelId="{D4853387-648A-4DF7-9090-F8433906A8D7}" type="sibTrans" cxnId="{6718052F-AA91-4768-8DB1-1E8ACDE05112}">
+      <dgm:prSet/>
+      <dgm:spPr/>
+      <dgm:t>
+        <a:bodyPr/>
+        <a:lstStyle/>
+        <a:p>
+          <a:endParaRPr lang="en-US"/>
+        </a:p>
+      </dgm:t>
+    </dgm:pt>
+    <dgm:pt modelId="{AF8F4353-BDE9-435C-9401-1037751CC43C}">
+      <dgm:prSet phldrT="[Text]">
+        <dgm:style>
+          <a:lnRef idx="2">
+            <a:schemeClr val="accent1">
+              <a:shade val="50000"/>
+            </a:schemeClr>
+          </a:lnRef>
+          <a:fillRef idx="1">
+            <a:schemeClr val="accent1"/>
+          </a:fillRef>
+          <a:effectRef idx="0">
+            <a:schemeClr val="accent1"/>
+          </a:effectRef>
+          <a:fontRef idx="minor">
+            <a:schemeClr val="lt1"/>
+          </a:fontRef>
+        </dgm:style>
+      </dgm:prSet>
+      <dgm:spPr/>
+      <dgm:t>
+        <a:bodyPr/>
+        <a:lstStyle/>
+        <a:p>
+          <a:r>
+            <a:rPr lang="en-US" dirty="0"/>
+            <a:t>Calculator</a:t>
+          </a:r>
+        </a:p>
+      </dgm:t>
+    </dgm:pt>
+    <dgm:pt modelId="{B8D6C74F-94DF-4627-B8A6-43F11E525A72}" type="parTrans" cxnId="{DD4E7437-782A-46D3-A153-079AF1F1A33A}">
+      <dgm:prSet/>
+      <dgm:spPr/>
+      <dgm:t>
+        <a:bodyPr/>
+        <a:lstStyle/>
+        <a:p>
+          <a:endParaRPr lang="en-US"/>
+        </a:p>
+      </dgm:t>
+    </dgm:pt>
+    <dgm:pt modelId="{8869AD8C-D0EE-4FB4-83DB-4A91A7CAECD0}" type="sibTrans" cxnId="{DD4E7437-782A-46D3-A153-079AF1F1A33A}">
+      <dgm:prSet/>
+      <dgm:spPr/>
+      <dgm:t>
+        <a:bodyPr/>
+        <a:lstStyle/>
+        <a:p>
+          <a:endParaRPr lang="en-US"/>
+        </a:p>
+      </dgm:t>
+    </dgm:pt>
+    <dgm:pt modelId="{6F25421D-FE4E-4EF4-831F-7D9FBCF8D5C1}">
+      <dgm:prSet phldrT="[Text]">
+        <dgm:style>
+          <a:lnRef idx="2">
+            <a:schemeClr val="accent4">
+              <a:shade val="50000"/>
+            </a:schemeClr>
+          </a:lnRef>
+          <a:fillRef idx="1">
+            <a:schemeClr val="accent4"/>
+          </a:fillRef>
+          <a:effectRef idx="0">
+            <a:schemeClr val="accent4"/>
+          </a:effectRef>
+          <a:fontRef idx="minor">
+            <a:schemeClr val="lt1"/>
+          </a:fontRef>
+        </dgm:style>
+      </dgm:prSet>
+      <dgm:spPr/>
+      <dgm:t>
+        <a:bodyPr/>
+        <a:lstStyle/>
+        <a:p>
+          <a:r>
+            <a:rPr lang="en-US" dirty="0"/>
+            <a:t>Species</a:t>
+          </a:r>
+        </a:p>
+      </dgm:t>
+    </dgm:pt>
+    <dgm:pt modelId="{767B0127-3FB7-49C0-941C-7FC559308A72}" type="parTrans" cxnId="{87CDC757-9A42-457E-8F83-104DCCE519DA}">
+      <dgm:prSet/>
+      <dgm:spPr/>
+      <dgm:t>
+        <a:bodyPr/>
+        <a:lstStyle/>
+        <a:p>
+          <a:endParaRPr lang="en-US"/>
+        </a:p>
+      </dgm:t>
+    </dgm:pt>
+    <dgm:pt modelId="{AEA97A94-36AC-4054-B671-173FFB244580}" type="sibTrans" cxnId="{87CDC757-9A42-457E-8F83-104DCCE519DA}">
+      <dgm:prSet/>
+      <dgm:spPr/>
+      <dgm:t>
+        <a:bodyPr/>
+        <a:lstStyle/>
+        <a:p>
+          <a:endParaRPr lang="en-US"/>
+        </a:p>
+      </dgm:t>
+    </dgm:pt>
+    <dgm:pt modelId="{95F08D92-BBB8-4924-AB52-E913F8087AF7}">
+      <dgm:prSet phldrT="[Text]">
+        <dgm:style>
+          <a:lnRef idx="3">
+            <a:schemeClr val="lt1"/>
+          </a:lnRef>
+          <a:fillRef idx="1">
+            <a:schemeClr val="accent1"/>
+          </a:fillRef>
+          <a:effectRef idx="1">
+            <a:schemeClr val="accent1"/>
+          </a:effectRef>
+          <a:fontRef idx="minor">
+            <a:schemeClr val="lt1"/>
+          </a:fontRef>
+        </dgm:style>
+      </dgm:prSet>
+      <dgm:spPr/>
+      <dgm:t>
+        <a:bodyPr/>
+        <a:lstStyle/>
+        <a:p>
+          <a:r>
+            <a:rPr lang="en-US" dirty="0"/>
+            <a:t>Representative</a:t>
+          </a:r>
+        </a:p>
+      </dgm:t>
+    </dgm:pt>
+    <dgm:pt modelId="{5CDEB60E-8EC1-4249-A336-B06F397B1917}" type="parTrans" cxnId="{1CC8B64F-44E9-45E4-A4E7-D653E590D560}">
+      <dgm:prSet/>
+      <dgm:spPr/>
+      <dgm:t>
+        <a:bodyPr/>
+        <a:lstStyle/>
+        <a:p>
+          <a:endParaRPr lang="en-US"/>
+        </a:p>
+      </dgm:t>
+    </dgm:pt>
+    <dgm:pt modelId="{1A4314A0-1CF4-49EC-BE25-2933345C3D08}" type="sibTrans" cxnId="{1CC8B64F-44E9-45E4-A4E7-D653E590D560}">
+      <dgm:prSet/>
+      <dgm:spPr/>
+      <dgm:t>
+        <a:bodyPr/>
+        <a:lstStyle/>
+        <a:p>
+          <a:endParaRPr lang="en-US"/>
+        </a:p>
+      </dgm:t>
+    </dgm:pt>
+    <dgm:pt modelId="{E3AAA51D-D6D0-402F-BB40-5475CF8B4ED8}" type="pres">
+      <dgm:prSet presAssocID="{37BD702E-660E-4277-8183-4DD6AE9D2A57}" presName="hierChild1" presStyleCnt="0">
+        <dgm:presLayoutVars>
+          <dgm:orgChart val="1"/>
+          <dgm:chPref val="1"/>
+          <dgm:dir/>
+          <dgm:animOne val="branch"/>
+          <dgm:animLvl val="lvl"/>
+          <dgm:resizeHandles/>
+        </dgm:presLayoutVars>
+      </dgm:prSet>
+      <dgm:spPr/>
+    </dgm:pt>
+    <dgm:pt modelId="{FC7F133D-6DB9-493A-A34F-BE29CE88C4B1}" type="pres">
+      <dgm:prSet presAssocID="{054378D9-2749-49D1-A461-37C6B2A4F149}" presName="hierRoot1" presStyleCnt="0">
+        <dgm:presLayoutVars>
+          <dgm:hierBranch val="init"/>
+        </dgm:presLayoutVars>
+      </dgm:prSet>
+      <dgm:spPr/>
+    </dgm:pt>
+    <dgm:pt modelId="{BC59F075-E972-468C-B78E-97742051B0E7}" type="pres">
+      <dgm:prSet presAssocID="{054378D9-2749-49D1-A461-37C6B2A4F149}" presName="rootComposite1" presStyleCnt="0"/>
+      <dgm:spPr/>
+    </dgm:pt>
+    <dgm:pt modelId="{2AECE1B2-E6FE-4EDE-9CAA-F9D18E7AB282}" type="pres">
+      <dgm:prSet presAssocID="{054378D9-2749-49D1-A461-37C6B2A4F149}" presName="rootText1" presStyleLbl="node0" presStyleIdx="0" presStyleCnt="1">
+        <dgm:presLayoutVars>
+          <dgm:chPref val="3"/>
+        </dgm:presLayoutVars>
+      </dgm:prSet>
+      <dgm:spPr/>
+    </dgm:pt>
+    <dgm:pt modelId="{6E766BA9-B405-4627-9D74-7AECD969C103}" type="pres">
+      <dgm:prSet presAssocID="{054378D9-2749-49D1-A461-37C6B2A4F149}" presName="rootConnector1" presStyleLbl="node1" presStyleIdx="0" presStyleCnt="0"/>
+      <dgm:spPr/>
+    </dgm:pt>
+    <dgm:pt modelId="{BA85DD0D-E7EB-4E8F-93E6-B2003BCDBF96}" type="pres">
+      <dgm:prSet presAssocID="{054378D9-2749-49D1-A461-37C6B2A4F149}" presName="hierChild2" presStyleCnt="0"/>
+      <dgm:spPr/>
+    </dgm:pt>
+    <dgm:pt modelId="{76FE5FC5-973E-4204-8622-2FB5BB0C6BD4}" type="pres">
+      <dgm:prSet presAssocID="{767B0127-3FB7-49C0-941C-7FC559308A72}" presName="Name37" presStyleLbl="parChTrans1D2" presStyleIdx="0" presStyleCnt="1"/>
+      <dgm:spPr/>
+    </dgm:pt>
+    <dgm:pt modelId="{22A09666-9F44-467D-B8F5-7FC95D7206C2}" type="pres">
+      <dgm:prSet presAssocID="{6F25421D-FE4E-4EF4-831F-7D9FBCF8D5C1}" presName="hierRoot2" presStyleCnt="0">
+        <dgm:presLayoutVars>
+          <dgm:hierBranch val="init"/>
+        </dgm:presLayoutVars>
+      </dgm:prSet>
+      <dgm:spPr/>
+    </dgm:pt>
+    <dgm:pt modelId="{C832C9C1-B04E-4C22-B640-A4084D4BD900}" type="pres">
+      <dgm:prSet presAssocID="{6F25421D-FE4E-4EF4-831F-7D9FBCF8D5C1}" presName="rootComposite" presStyleCnt="0"/>
+      <dgm:spPr/>
+    </dgm:pt>
+    <dgm:pt modelId="{606FE52F-EBA7-4B20-9701-C488CC4F3A40}" type="pres">
+      <dgm:prSet presAssocID="{6F25421D-FE4E-4EF4-831F-7D9FBCF8D5C1}" presName="rootText" presStyleLbl="node2" presStyleIdx="0" presStyleCnt="1">
+        <dgm:presLayoutVars>
+          <dgm:chPref val="3"/>
+        </dgm:presLayoutVars>
+      </dgm:prSet>
+      <dgm:spPr/>
+    </dgm:pt>
+    <dgm:pt modelId="{4C2D65FA-2471-4AAE-BF73-BD29F4B36386}" type="pres">
+      <dgm:prSet presAssocID="{6F25421D-FE4E-4EF4-831F-7D9FBCF8D5C1}" presName="rootConnector" presStyleLbl="node2" presStyleIdx="0" presStyleCnt="1"/>
+      <dgm:spPr/>
+    </dgm:pt>
+    <dgm:pt modelId="{3A229E4B-8E36-481A-83EA-5272B3BAD493}" type="pres">
+      <dgm:prSet presAssocID="{6F25421D-FE4E-4EF4-831F-7D9FBCF8D5C1}" presName="hierChild4" presStyleCnt="0"/>
+      <dgm:spPr/>
+    </dgm:pt>
+    <dgm:pt modelId="{4CD83B0E-8EF8-49C2-AE91-2B4F1BBF5AE1}" type="pres">
+      <dgm:prSet presAssocID="{5CDEB60E-8EC1-4249-A336-B06F397B1917}" presName="Name37" presStyleLbl="parChTrans1D3" presStyleIdx="0" presStyleCnt="2"/>
+      <dgm:spPr/>
+    </dgm:pt>
+    <dgm:pt modelId="{4FA3ACE7-936D-4837-AA8C-F0A429F78108}" type="pres">
+      <dgm:prSet presAssocID="{95F08D92-BBB8-4924-AB52-E913F8087AF7}" presName="hierRoot2" presStyleCnt="0">
+        <dgm:presLayoutVars>
+          <dgm:hierBranch val="init"/>
+        </dgm:presLayoutVars>
+      </dgm:prSet>
+      <dgm:spPr/>
+    </dgm:pt>
+    <dgm:pt modelId="{182E8F2F-D39D-4F85-86C7-2095D4284E93}" type="pres">
+      <dgm:prSet presAssocID="{95F08D92-BBB8-4924-AB52-E913F8087AF7}" presName="rootComposite" presStyleCnt="0"/>
+      <dgm:spPr/>
+    </dgm:pt>
+    <dgm:pt modelId="{34B967F6-C01A-4942-AE74-ECB79951D068}" type="pres">
+      <dgm:prSet presAssocID="{95F08D92-BBB8-4924-AB52-E913F8087AF7}" presName="rootText" presStyleLbl="node3" presStyleIdx="0" presStyleCnt="2">
+        <dgm:presLayoutVars>
+          <dgm:chPref val="3"/>
+        </dgm:presLayoutVars>
+      </dgm:prSet>
+      <dgm:spPr/>
+    </dgm:pt>
+    <dgm:pt modelId="{80ED152F-9EB0-47BB-8F98-C692A385062E}" type="pres">
+      <dgm:prSet presAssocID="{95F08D92-BBB8-4924-AB52-E913F8087AF7}" presName="rootConnector" presStyleLbl="node3" presStyleIdx="0" presStyleCnt="2"/>
+      <dgm:spPr/>
+    </dgm:pt>
+    <dgm:pt modelId="{AD1B7AA5-6E25-4B50-98FE-BF1AE67C8145}" type="pres">
+      <dgm:prSet presAssocID="{95F08D92-BBB8-4924-AB52-E913F8087AF7}" presName="hierChild4" presStyleCnt="0"/>
+      <dgm:spPr/>
+    </dgm:pt>
+    <dgm:pt modelId="{A1BBD3F9-943A-4F18-83A7-0F1511ED28BC}" type="pres">
+      <dgm:prSet presAssocID="{95F08D92-BBB8-4924-AB52-E913F8087AF7}" presName="hierChild5" presStyleCnt="0"/>
+      <dgm:spPr/>
+    </dgm:pt>
+    <dgm:pt modelId="{111D8ED4-37F5-473E-85C4-08B89D2235BE}" type="pres">
+      <dgm:prSet presAssocID="{991CA309-93EE-4443-B27A-BE85E58236D6}" presName="Name37" presStyleLbl="parChTrans1D3" presStyleIdx="1" presStyleCnt="2"/>
+      <dgm:spPr/>
+    </dgm:pt>
+    <dgm:pt modelId="{F9A74218-A206-484C-BE81-863D87BAD5EA}" type="pres">
+      <dgm:prSet presAssocID="{E07F6448-8900-4AC5-A46C-B58AF4266010}" presName="hierRoot2" presStyleCnt="0">
+        <dgm:presLayoutVars>
+          <dgm:hierBranch val="init"/>
+        </dgm:presLayoutVars>
+      </dgm:prSet>
+      <dgm:spPr/>
+    </dgm:pt>
+    <dgm:pt modelId="{3798A224-D587-43C6-92A9-6EC5F9048D47}" type="pres">
+      <dgm:prSet presAssocID="{E07F6448-8900-4AC5-A46C-B58AF4266010}" presName="rootComposite" presStyleCnt="0"/>
+      <dgm:spPr/>
+    </dgm:pt>
+    <dgm:pt modelId="{9D8EFBAC-BC3E-4B75-85D5-709B66FCCE02}" type="pres">
+      <dgm:prSet presAssocID="{E07F6448-8900-4AC5-A46C-B58AF4266010}" presName="rootText" presStyleLbl="node3" presStyleIdx="1" presStyleCnt="2">
+        <dgm:presLayoutVars>
+          <dgm:chPref val="3"/>
+        </dgm:presLayoutVars>
+      </dgm:prSet>
+      <dgm:spPr/>
+    </dgm:pt>
+    <dgm:pt modelId="{3E9137E9-1659-4F5D-B9BD-1288A14B739B}" type="pres">
+      <dgm:prSet presAssocID="{E07F6448-8900-4AC5-A46C-B58AF4266010}" presName="rootConnector" presStyleLbl="node3" presStyleIdx="1" presStyleCnt="2"/>
+      <dgm:spPr/>
+    </dgm:pt>
+    <dgm:pt modelId="{1CF6CA97-BED2-4299-8789-69DC120AC85B}" type="pres">
+      <dgm:prSet presAssocID="{E07F6448-8900-4AC5-A46C-B58AF4266010}" presName="hierChild4" presStyleCnt="0"/>
+      <dgm:spPr/>
+    </dgm:pt>
+    <dgm:pt modelId="{DF97FF2A-03AA-4FBF-BA63-86D95D65435F}" type="pres">
+      <dgm:prSet presAssocID="{27163995-E443-4CF5-ADCB-5DC780AC490A}" presName="Name37" presStyleLbl="parChTrans1D4" presStyleIdx="0" presStyleCnt="9"/>
+      <dgm:spPr/>
+    </dgm:pt>
+    <dgm:pt modelId="{5BAF2E38-ACDC-49CB-8B7D-2753C3A0D6F5}" type="pres">
+      <dgm:prSet presAssocID="{EC7E22AD-8497-4271-A094-EB855CAF8D03}" presName="hierRoot2" presStyleCnt="0">
+        <dgm:presLayoutVars>
+          <dgm:hierBranch val="init"/>
+        </dgm:presLayoutVars>
+      </dgm:prSet>
+      <dgm:spPr/>
+    </dgm:pt>
+    <dgm:pt modelId="{94FC7316-A1C5-4E82-8309-56D8E7C069F1}" type="pres">
+      <dgm:prSet presAssocID="{EC7E22AD-8497-4271-A094-EB855CAF8D03}" presName="rootComposite" presStyleCnt="0"/>
+      <dgm:spPr/>
+    </dgm:pt>
+    <dgm:pt modelId="{72E06786-B40B-4AF6-8A2B-66D8AD88C3E3}" type="pres">
+      <dgm:prSet presAssocID="{EC7E22AD-8497-4271-A094-EB855CAF8D03}" presName="rootText" presStyleLbl="node4" presStyleIdx="0" presStyleCnt="9">
+        <dgm:presLayoutVars>
+          <dgm:chPref val="3"/>
+        </dgm:presLayoutVars>
+      </dgm:prSet>
+      <dgm:spPr/>
+    </dgm:pt>
+    <dgm:pt modelId="{037A4A72-B2F6-4BA2-BECB-EF9C1CCF8415}" type="pres">
+      <dgm:prSet presAssocID="{EC7E22AD-8497-4271-A094-EB855CAF8D03}" presName="rootConnector" presStyleLbl="node4" presStyleIdx="0" presStyleCnt="9"/>
+      <dgm:spPr/>
+    </dgm:pt>
+    <dgm:pt modelId="{8FEBC799-1504-49CF-9071-55ABCE5C532C}" type="pres">
+      <dgm:prSet presAssocID="{EC7E22AD-8497-4271-A094-EB855CAF8D03}" presName="hierChild4" presStyleCnt="0"/>
+      <dgm:spPr/>
+    </dgm:pt>
+    <dgm:pt modelId="{9FA21329-687E-49C7-BB29-1731D0C2AF4A}" type="pres">
+      <dgm:prSet presAssocID="{EC7E22AD-8497-4271-A094-EB855CAF8D03}" presName="hierChild5" presStyleCnt="0"/>
+      <dgm:spPr/>
+    </dgm:pt>
+    <dgm:pt modelId="{95CCEF82-BAA6-4C64-8A4C-0C0D5EF5FAB5}" type="pres">
+      <dgm:prSet presAssocID="{32059DA7-F49A-4E3F-870B-AC3CE0F102E7}" presName="Name37" presStyleLbl="parChTrans1D4" presStyleIdx="1" presStyleCnt="9"/>
+      <dgm:spPr/>
+    </dgm:pt>
+    <dgm:pt modelId="{EDD71824-4127-4CB0-8A91-A2E8D0E5E662}" type="pres">
+      <dgm:prSet presAssocID="{F40F37A4-E834-421F-B37A-B06D1A2A609D}" presName="hierRoot2" presStyleCnt="0">
+        <dgm:presLayoutVars>
+          <dgm:hierBranch val="init"/>
+        </dgm:presLayoutVars>
+      </dgm:prSet>
+      <dgm:spPr/>
+    </dgm:pt>
+    <dgm:pt modelId="{5FEBD9FC-B694-497A-8317-839222F9BB82}" type="pres">
+      <dgm:prSet presAssocID="{F40F37A4-E834-421F-B37A-B06D1A2A609D}" presName="rootComposite" presStyleCnt="0"/>
+      <dgm:spPr/>
+    </dgm:pt>
+    <dgm:pt modelId="{3F209EC6-2C3E-463A-93A1-3DDE11ED7B29}" type="pres">
+      <dgm:prSet presAssocID="{F40F37A4-E834-421F-B37A-B06D1A2A609D}" presName="rootText" presStyleLbl="node4" presStyleIdx="1" presStyleCnt="9">
+        <dgm:presLayoutVars>
+          <dgm:chPref val="3"/>
+        </dgm:presLayoutVars>
+      </dgm:prSet>
+      <dgm:spPr/>
+    </dgm:pt>
+    <dgm:pt modelId="{E54AA53B-C4EC-4D03-83DE-759D49A76959}" type="pres">
+      <dgm:prSet presAssocID="{F40F37A4-E834-421F-B37A-B06D1A2A609D}" presName="rootConnector" presStyleLbl="node4" presStyleIdx="1" presStyleCnt="9"/>
+      <dgm:spPr/>
+    </dgm:pt>
+    <dgm:pt modelId="{4A0E947F-9F69-4F39-8003-21501CAB874C}" type="pres">
+      <dgm:prSet presAssocID="{F40F37A4-E834-421F-B37A-B06D1A2A609D}" presName="hierChild4" presStyleCnt="0"/>
+      <dgm:spPr/>
+    </dgm:pt>
+    <dgm:pt modelId="{5724ADF9-0484-4366-AB88-2514C44F8439}" type="pres">
+      <dgm:prSet presAssocID="{9BA6D5BB-12C8-4E41-B5BF-3D15C0EA204C}" presName="Name37" presStyleLbl="parChTrans1D4" presStyleIdx="2" presStyleCnt="9"/>
+      <dgm:spPr/>
+    </dgm:pt>
+    <dgm:pt modelId="{70AC0B16-8ABD-477B-984E-A2A6CE0B3900}" type="pres">
+      <dgm:prSet presAssocID="{E675E2EE-8FD6-476B-822F-5D9D06608ED4}" presName="hierRoot2" presStyleCnt="0">
+        <dgm:presLayoutVars>
+          <dgm:hierBranch val="init"/>
+        </dgm:presLayoutVars>
+      </dgm:prSet>
+      <dgm:spPr/>
+    </dgm:pt>
+    <dgm:pt modelId="{1ABFAC01-8265-4F0E-A9E4-B099DA45E500}" type="pres">
+      <dgm:prSet presAssocID="{E675E2EE-8FD6-476B-822F-5D9D06608ED4}" presName="rootComposite" presStyleCnt="0"/>
+      <dgm:spPr/>
+    </dgm:pt>
+    <dgm:pt modelId="{1F239704-6DF1-4EBB-8FF4-E1715319CD56}" type="pres">
+      <dgm:prSet presAssocID="{E675E2EE-8FD6-476B-822F-5D9D06608ED4}" presName="rootText" presStyleLbl="node4" presStyleIdx="2" presStyleCnt="9">
+        <dgm:presLayoutVars>
+          <dgm:chPref val="3"/>
+        </dgm:presLayoutVars>
+      </dgm:prSet>
+      <dgm:spPr/>
+    </dgm:pt>
+    <dgm:pt modelId="{040E1E0E-31F5-44E7-A5E2-1DD703824B66}" type="pres">
+      <dgm:prSet presAssocID="{E675E2EE-8FD6-476B-822F-5D9D06608ED4}" presName="rootConnector" presStyleLbl="node4" presStyleIdx="2" presStyleCnt="9"/>
+      <dgm:spPr/>
+    </dgm:pt>
+    <dgm:pt modelId="{E0AD816B-7BA8-40F3-AE29-6CEA3E0F5CF1}" type="pres">
+      <dgm:prSet presAssocID="{E675E2EE-8FD6-476B-822F-5D9D06608ED4}" presName="hierChild4" presStyleCnt="0"/>
+      <dgm:spPr/>
+    </dgm:pt>
+    <dgm:pt modelId="{CD86E098-CD8D-4A96-99FB-223B6C866854}" type="pres">
+      <dgm:prSet presAssocID="{66BED8D8-A980-4160-BF52-FACD71E1F8B3}" presName="Name37" presStyleLbl="parChTrans1D4" presStyleIdx="3" presStyleCnt="9"/>
+      <dgm:spPr/>
+    </dgm:pt>
+    <dgm:pt modelId="{C0AD0394-7C68-4188-9AFD-479423D344B7}" type="pres">
+      <dgm:prSet presAssocID="{B6E7A50B-1706-4C4A-A689-A952F09B11F3}" presName="hierRoot2" presStyleCnt="0">
+        <dgm:presLayoutVars>
+          <dgm:hierBranch val="init"/>
+        </dgm:presLayoutVars>
+      </dgm:prSet>
+      <dgm:spPr/>
+    </dgm:pt>
+    <dgm:pt modelId="{3226E45A-1DD9-4D60-BFA1-3D20778E3153}" type="pres">
+      <dgm:prSet presAssocID="{B6E7A50B-1706-4C4A-A689-A952F09B11F3}" presName="rootComposite" presStyleCnt="0"/>
+      <dgm:spPr/>
+    </dgm:pt>
+    <dgm:pt modelId="{A10D16E2-12C2-4D53-8BDE-46DF5770C557}" type="pres">
+      <dgm:prSet presAssocID="{B6E7A50B-1706-4C4A-A689-A952F09B11F3}" presName="rootText" presStyleLbl="node4" presStyleIdx="3" presStyleCnt="9">
+        <dgm:presLayoutVars>
+          <dgm:chPref val="3"/>
+        </dgm:presLayoutVars>
+      </dgm:prSet>
+      <dgm:spPr/>
+    </dgm:pt>
+    <dgm:pt modelId="{D6614362-0013-44FA-83CE-EF7D901F228A}" type="pres">
+      <dgm:prSet presAssocID="{B6E7A50B-1706-4C4A-A689-A952F09B11F3}" presName="rootConnector" presStyleLbl="node4" presStyleIdx="3" presStyleCnt="9"/>
+      <dgm:spPr/>
+    </dgm:pt>
+    <dgm:pt modelId="{AEB2F146-F2CB-4282-95C0-5899C58E876C}" type="pres">
+      <dgm:prSet presAssocID="{B6E7A50B-1706-4C4A-A689-A952F09B11F3}" presName="hierChild4" presStyleCnt="0"/>
+      <dgm:spPr/>
+    </dgm:pt>
+    <dgm:pt modelId="{8C7D96D0-DA62-44BC-BBBF-2933F11858C5}" type="pres">
+      <dgm:prSet presAssocID="{B6E7A50B-1706-4C4A-A689-A952F09B11F3}" presName="hierChild5" presStyleCnt="0"/>
+      <dgm:spPr/>
+    </dgm:pt>
+    <dgm:pt modelId="{54218B0F-C53C-4767-832F-7379315315FA}" type="pres">
+      <dgm:prSet presAssocID="{E675E2EE-8FD6-476B-822F-5D9D06608ED4}" presName="hierChild5" presStyleCnt="0"/>
+      <dgm:spPr/>
+    </dgm:pt>
+    <dgm:pt modelId="{E59A1A52-DD6A-436B-8835-07F00C55665B}" type="pres">
+      <dgm:prSet presAssocID="{7CF83EAE-65EC-4242-8737-6C9E0CA36CF5}" presName="Name37" presStyleLbl="parChTrans1D4" presStyleIdx="4" presStyleCnt="9"/>
+      <dgm:spPr/>
+    </dgm:pt>
+    <dgm:pt modelId="{53E6D36F-3DE8-4678-A5B7-2D112F8CA32B}" type="pres">
+      <dgm:prSet presAssocID="{3DDFE6A6-9495-4A58-A54C-769DE0AC01D3}" presName="hierRoot2" presStyleCnt="0">
+        <dgm:presLayoutVars>
+          <dgm:hierBranch val="init"/>
+        </dgm:presLayoutVars>
+      </dgm:prSet>
+      <dgm:spPr/>
+    </dgm:pt>
+    <dgm:pt modelId="{2D17CDCA-D621-4FDB-9FB7-88DC1474A7AF}" type="pres">
+      <dgm:prSet presAssocID="{3DDFE6A6-9495-4A58-A54C-769DE0AC01D3}" presName="rootComposite" presStyleCnt="0"/>
+      <dgm:spPr/>
+    </dgm:pt>
+    <dgm:pt modelId="{06BEE670-D223-4C72-93D2-6E070C264831}" type="pres">
+      <dgm:prSet presAssocID="{3DDFE6A6-9495-4A58-A54C-769DE0AC01D3}" presName="rootText" presStyleLbl="node4" presStyleIdx="4" presStyleCnt="9">
+        <dgm:presLayoutVars>
+          <dgm:chPref val="3"/>
+        </dgm:presLayoutVars>
+      </dgm:prSet>
+      <dgm:spPr/>
+    </dgm:pt>
+    <dgm:pt modelId="{8E5B827B-AB2A-4954-877F-6B4151A52A0F}" type="pres">
+      <dgm:prSet presAssocID="{3DDFE6A6-9495-4A58-A54C-769DE0AC01D3}" presName="rootConnector" presStyleLbl="node4" presStyleIdx="4" presStyleCnt="9"/>
+      <dgm:spPr/>
+    </dgm:pt>
+    <dgm:pt modelId="{77233865-7C97-4F01-9289-5670CB5AEC57}" type="pres">
+      <dgm:prSet presAssocID="{3DDFE6A6-9495-4A58-A54C-769DE0AC01D3}" presName="hierChild4" presStyleCnt="0"/>
+      <dgm:spPr/>
+    </dgm:pt>
+    <dgm:pt modelId="{B9068F76-495D-484C-9F7F-5C14067EEBAB}" type="pres">
+      <dgm:prSet presAssocID="{81E97124-5E29-4B8F-B72E-0FB42EB221B8}" presName="Name37" presStyleLbl="parChTrans1D4" presStyleIdx="5" presStyleCnt="9"/>
+      <dgm:spPr/>
+    </dgm:pt>
+    <dgm:pt modelId="{8D26DDB5-49E7-420E-A0AF-41A44BC9A59A}" type="pres">
+      <dgm:prSet presAssocID="{479C5ADC-02C3-43F8-A7BF-2D70E50216E1}" presName="hierRoot2" presStyleCnt="0">
+        <dgm:presLayoutVars>
+          <dgm:hierBranch val="init"/>
+        </dgm:presLayoutVars>
+      </dgm:prSet>
+      <dgm:spPr/>
+    </dgm:pt>
+    <dgm:pt modelId="{1804985D-5AEC-4292-8404-1B4F8E677786}" type="pres">
+      <dgm:prSet presAssocID="{479C5ADC-02C3-43F8-A7BF-2D70E50216E1}" presName="rootComposite" presStyleCnt="0"/>
+      <dgm:spPr/>
+    </dgm:pt>
+    <dgm:pt modelId="{64BCD605-BC6B-4BFD-878C-416C6848BFEC}" type="pres">
+      <dgm:prSet presAssocID="{479C5ADC-02C3-43F8-A7BF-2D70E50216E1}" presName="rootText" presStyleLbl="node4" presStyleIdx="5" presStyleCnt="9">
+        <dgm:presLayoutVars>
+          <dgm:chPref val="3"/>
+        </dgm:presLayoutVars>
+      </dgm:prSet>
+      <dgm:spPr/>
+    </dgm:pt>
+    <dgm:pt modelId="{9532D4C8-748D-4FF6-B102-1E37AC33EDD5}" type="pres">
+      <dgm:prSet presAssocID="{479C5ADC-02C3-43F8-A7BF-2D70E50216E1}" presName="rootConnector" presStyleLbl="node4" presStyleIdx="5" presStyleCnt="9"/>
+      <dgm:spPr/>
+    </dgm:pt>
+    <dgm:pt modelId="{E66D8270-535B-4611-99B7-B1AC29EF09A8}" type="pres">
+      <dgm:prSet presAssocID="{479C5ADC-02C3-43F8-A7BF-2D70E50216E1}" presName="hierChild4" presStyleCnt="0"/>
+      <dgm:spPr/>
+    </dgm:pt>
+    <dgm:pt modelId="{43510685-DED9-4532-B147-8FB9F2F6C19E}" type="pres">
+      <dgm:prSet presAssocID="{479C5ADC-02C3-43F8-A7BF-2D70E50216E1}" presName="hierChild5" presStyleCnt="0"/>
+      <dgm:spPr/>
+    </dgm:pt>
+    <dgm:pt modelId="{AFEC6BB6-FAD4-46C8-B17E-C767A480C883}" type="pres">
+      <dgm:prSet presAssocID="{5347BAC4-D5FA-459D-AAEB-D8E23E949A0C}" presName="Name37" presStyleLbl="parChTrans1D4" presStyleIdx="6" presStyleCnt="9"/>
+      <dgm:spPr/>
+    </dgm:pt>
+    <dgm:pt modelId="{DC4974AD-F5B3-4EC6-883F-BF34B2CCEB1C}" type="pres">
+      <dgm:prSet presAssocID="{85EC1DB4-DAE0-469F-BD3A-7027D9ED8C94}" presName="hierRoot2" presStyleCnt="0">
+        <dgm:presLayoutVars>
+          <dgm:hierBranch val="init"/>
+        </dgm:presLayoutVars>
+      </dgm:prSet>
+      <dgm:spPr/>
+    </dgm:pt>
+    <dgm:pt modelId="{BF17458A-A1E6-41D4-8EF7-7D1227D95B3A}" type="pres">
+      <dgm:prSet presAssocID="{85EC1DB4-DAE0-469F-BD3A-7027D9ED8C94}" presName="rootComposite" presStyleCnt="0"/>
+      <dgm:spPr/>
+    </dgm:pt>
+    <dgm:pt modelId="{89C0FFA1-6DDC-42CC-909C-65392C4DB6E3}" type="pres">
+      <dgm:prSet presAssocID="{85EC1DB4-DAE0-469F-BD3A-7027D9ED8C94}" presName="rootText" presStyleLbl="node4" presStyleIdx="6" presStyleCnt="9">
+        <dgm:presLayoutVars>
+          <dgm:chPref val="3"/>
+        </dgm:presLayoutVars>
+      </dgm:prSet>
+      <dgm:spPr/>
+    </dgm:pt>
+    <dgm:pt modelId="{4C2D8FF5-B500-4104-85EE-D6419A791915}" type="pres">
+      <dgm:prSet presAssocID="{85EC1DB4-DAE0-469F-BD3A-7027D9ED8C94}" presName="rootConnector" presStyleLbl="node4" presStyleIdx="6" presStyleCnt="9"/>
+      <dgm:spPr/>
+    </dgm:pt>
+    <dgm:pt modelId="{D7AEC064-4A65-4E30-92D7-55ADDFA935AD}" type="pres">
+      <dgm:prSet presAssocID="{85EC1DB4-DAE0-469F-BD3A-7027D9ED8C94}" presName="hierChild4" presStyleCnt="0"/>
+      <dgm:spPr/>
+    </dgm:pt>
+    <dgm:pt modelId="{4B852DAF-D2C2-45F1-B984-04F00BC71CDA}" type="pres">
+      <dgm:prSet presAssocID="{85EC1DB4-DAE0-469F-BD3A-7027D9ED8C94}" presName="hierChild5" presStyleCnt="0"/>
+      <dgm:spPr/>
+    </dgm:pt>
+    <dgm:pt modelId="{0F7FC9CB-B1F6-4B3D-9B23-D1C7DA004260}" type="pres">
+      <dgm:prSet presAssocID="{DE0B6D90-D678-4B97-964D-149FD0F25122}" presName="Name37" presStyleLbl="parChTrans1D4" presStyleIdx="7" presStyleCnt="9"/>
+      <dgm:spPr/>
+    </dgm:pt>
+    <dgm:pt modelId="{D9866813-32B4-4DF8-B035-52452007F072}" type="pres">
+      <dgm:prSet presAssocID="{0C7190CD-B68D-4FB4-BFFC-3E6EBEE642CC}" presName="hierRoot2" presStyleCnt="0">
+        <dgm:presLayoutVars>
+          <dgm:hierBranch val="init"/>
+        </dgm:presLayoutVars>
+      </dgm:prSet>
+      <dgm:spPr/>
+    </dgm:pt>
+    <dgm:pt modelId="{5F65C970-FCA7-46BA-8B60-553A7FEF5F39}" type="pres">
+      <dgm:prSet presAssocID="{0C7190CD-B68D-4FB4-BFFC-3E6EBEE642CC}" presName="rootComposite" presStyleCnt="0"/>
+      <dgm:spPr/>
+    </dgm:pt>
+    <dgm:pt modelId="{217473BD-396E-4071-9F95-B619D1876984}" type="pres">
+      <dgm:prSet presAssocID="{0C7190CD-B68D-4FB4-BFFC-3E6EBEE642CC}" presName="rootText" presStyleLbl="node4" presStyleIdx="7" presStyleCnt="9">
+        <dgm:presLayoutVars>
+          <dgm:chPref val="3"/>
+        </dgm:presLayoutVars>
+      </dgm:prSet>
+      <dgm:spPr/>
+    </dgm:pt>
+    <dgm:pt modelId="{0043DF2C-75E4-4D44-B8C8-E8EF5D74CDC1}" type="pres">
+      <dgm:prSet presAssocID="{0C7190CD-B68D-4FB4-BFFC-3E6EBEE642CC}" presName="rootConnector" presStyleLbl="node4" presStyleIdx="7" presStyleCnt="9"/>
+      <dgm:spPr/>
+    </dgm:pt>
+    <dgm:pt modelId="{25BD3B72-D5DF-4D5B-A5E0-E8CFE2402C9F}" type="pres">
+      <dgm:prSet presAssocID="{0C7190CD-B68D-4FB4-BFFC-3E6EBEE642CC}" presName="hierChild4" presStyleCnt="0"/>
+      <dgm:spPr/>
+    </dgm:pt>
+    <dgm:pt modelId="{9ABD8D09-FB73-4542-8CFF-D4C93518C624}" type="pres">
+      <dgm:prSet presAssocID="{0C7190CD-B68D-4FB4-BFFC-3E6EBEE642CC}" presName="hierChild5" presStyleCnt="0"/>
+      <dgm:spPr/>
+    </dgm:pt>
+    <dgm:pt modelId="{91CA0F74-2095-4797-AF4A-2D1E7B4D4C17}" type="pres">
+      <dgm:prSet presAssocID="{3DDFE6A6-9495-4A58-A54C-769DE0AC01D3}" presName="hierChild5" presStyleCnt="0"/>
+      <dgm:spPr/>
+    </dgm:pt>
+    <dgm:pt modelId="{A3D20A28-4E8C-4D57-A3B5-0862A60B7B25}" type="pres">
+      <dgm:prSet presAssocID="{F40F37A4-E834-421F-B37A-B06D1A2A609D}" presName="hierChild5" presStyleCnt="0"/>
+      <dgm:spPr/>
+    </dgm:pt>
+    <dgm:pt modelId="{C7C9B307-FA96-4A7A-82BD-8D63B0B7B693}" type="pres">
+      <dgm:prSet presAssocID="{B8D6C74F-94DF-4627-B8A6-43F11E525A72}" presName="Name37" presStyleLbl="parChTrans1D4" presStyleIdx="8" presStyleCnt="9"/>
+      <dgm:spPr/>
+    </dgm:pt>
+    <dgm:pt modelId="{365AFF45-C4F3-44A1-BB62-D6372C76F5B2}" type="pres">
+      <dgm:prSet presAssocID="{AF8F4353-BDE9-435C-9401-1037751CC43C}" presName="hierRoot2" presStyleCnt="0">
+        <dgm:presLayoutVars>
+          <dgm:hierBranch val="init"/>
+        </dgm:presLayoutVars>
+      </dgm:prSet>
+      <dgm:spPr/>
+    </dgm:pt>
+    <dgm:pt modelId="{B8E7E43D-2055-443D-8733-F9EDFCC35A3D}" type="pres">
+      <dgm:prSet presAssocID="{AF8F4353-BDE9-435C-9401-1037751CC43C}" presName="rootComposite" presStyleCnt="0"/>
+      <dgm:spPr/>
+    </dgm:pt>
+    <dgm:pt modelId="{B1CD17D1-DF82-4A2F-AADA-AB8C3DF485DA}" type="pres">
+      <dgm:prSet presAssocID="{AF8F4353-BDE9-435C-9401-1037751CC43C}" presName="rootText" presStyleLbl="node4" presStyleIdx="8" presStyleCnt="9">
+        <dgm:presLayoutVars>
+          <dgm:chPref val="3"/>
+        </dgm:presLayoutVars>
+      </dgm:prSet>
+      <dgm:spPr/>
+    </dgm:pt>
+    <dgm:pt modelId="{AD9FB868-6141-45E2-8F2A-852DDBE0CDF6}" type="pres">
+      <dgm:prSet presAssocID="{AF8F4353-BDE9-435C-9401-1037751CC43C}" presName="rootConnector" presStyleLbl="node4" presStyleIdx="8" presStyleCnt="9"/>
+      <dgm:spPr/>
+    </dgm:pt>
+    <dgm:pt modelId="{09A6A591-8920-4E0B-B843-00A48CE5C129}" type="pres">
+      <dgm:prSet presAssocID="{AF8F4353-BDE9-435C-9401-1037751CC43C}" presName="hierChild4" presStyleCnt="0"/>
+      <dgm:spPr/>
+    </dgm:pt>
+    <dgm:pt modelId="{5F00E176-57E8-41EB-AFFF-A8E6EB34D17F}" type="pres">
+      <dgm:prSet presAssocID="{AF8F4353-BDE9-435C-9401-1037751CC43C}" presName="hierChild5" presStyleCnt="0"/>
+      <dgm:spPr/>
+    </dgm:pt>
+    <dgm:pt modelId="{6CF10711-ACC3-44AE-B823-4450C12507BE}" type="pres">
+      <dgm:prSet presAssocID="{E07F6448-8900-4AC5-A46C-B58AF4266010}" presName="hierChild5" presStyleCnt="0"/>
+      <dgm:spPr/>
+    </dgm:pt>
+    <dgm:pt modelId="{81CE6E57-DEFC-45CD-853F-3F6AA65BEC9A}" type="pres">
+      <dgm:prSet presAssocID="{6F25421D-FE4E-4EF4-831F-7D9FBCF8D5C1}" presName="hierChild5" presStyleCnt="0"/>
+      <dgm:spPr/>
+    </dgm:pt>
+    <dgm:pt modelId="{7CAFE7D4-8656-418C-B418-2C0D9D3A2391}" type="pres">
+      <dgm:prSet presAssocID="{054378D9-2749-49D1-A461-37C6B2A4F149}" presName="hierChild3" presStyleCnt="0"/>
+      <dgm:spPr/>
+    </dgm:pt>
+  </dgm:ptLst>
+  <dgm:cxnLst>
+    <dgm:cxn modelId="{091D8302-88E4-4A16-95AC-8C9957706C6E}" type="presOf" srcId="{5CDEB60E-8EC1-4249-A336-B06F397B1917}" destId="{4CD83B0E-8EF8-49C2-AE91-2B4F1BBF5AE1}" srcOrd="0" destOrd="0" presId="urn:microsoft.com/office/officeart/2005/8/layout/orgChart1"/>
+    <dgm:cxn modelId="{4EA52F04-D1EF-4A1A-A388-FF8FA6CA87BC}" type="presOf" srcId="{EC7E22AD-8497-4271-A094-EB855CAF8D03}" destId="{037A4A72-B2F6-4BA2-BECB-EF9C1CCF8415}" srcOrd="1" destOrd="0" presId="urn:microsoft.com/office/officeart/2005/8/layout/orgChart1"/>
+    <dgm:cxn modelId="{22A60306-71DB-4619-8D01-70CC76C0D1F5}" type="presOf" srcId="{B8D6C74F-94DF-4627-B8A6-43F11E525A72}" destId="{C7C9B307-FA96-4A7A-82BD-8D63B0B7B693}" srcOrd="0" destOrd="0" presId="urn:microsoft.com/office/officeart/2005/8/layout/orgChart1"/>
+    <dgm:cxn modelId="{C6857A07-5DEE-4B11-B894-1B188F576E4C}" type="presOf" srcId="{F40F37A4-E834-421F-B37A-B06D1A2A609D}" destId="{3F209EC6-2C3E-463A-93A1-3DDE11ED7B29}" srcOrd="0" destOrd="0" presId="urn:microsoft.com/office/officeart/2005/8/layout/orgChart1"/>
+    <dgm:cxn modelId="{A03BDD0D-A138-499A-9ACC-345FAC8F010A}" type="presOf" srcId="{479C5ADC-02C3-43F8-A7BF-2D70E50216E1}" destId="{9532D4C8-748D-4FF6-B102-1E37AC33EDD5}" srcOrd="1" destOrd="0" presId="urn:microsoft.com/office/officeart/2005/8/layout/orgChart1"/>
+    <dgm:cxn modelId="{87D24612-27B7-43F1-91E3-91E9A9453C80}" srcId="{E07F6448-8900-4AC5-A46C-B58AF4266010}" destId="{F40F37A4-E834-421F-B37A-B06D1A2A609D}" srcOrd="1" destOrd="0" parTransId="{32059DA7-F49A-4E3F-870B-AC3CE0F102E7}" sibTransId="{44D88DBE-C92B-46BF-95A9-D674A2CFE7B3}"/>
+    <dgm:cxn modelId="{49791715-C3AC-466F-862B-F74FF221B417}" type="presOf" srcId="{7CF83EAE-65EC-4242-8737-6C9E0CA36CF5}" destId="{E59A1A52-DD6A-436B-8835-07F00C55665B}" srcOrd="0" destOrd="0" presId="urn:microsoft.com/office/officeart/2005/8/layout/orgChart1"/>
+    <dgm:cxn modelId="{99F6BB2A-E0FA-4752-AAD5-04195066A747}" type="presOf" srcId="{95F08D92-BBB8-4924-AB52-E913F8087AF7}" destId="{80ED152F-9EB0-47BB-8F98-C692A385062E}" srcOrd="1" destOrd="0" presId="urn:microsoft.com/office/officeart/2005/8/layout/orgChart1"/>
+    <dgm:cxn modelId="{B550F82B-A6DE-41DF-B413-E15601F27E40}" type="presOf" srcId="{6F25421D-FE4E-4EF4-831F-7D9FBCF8D5C1}" destId="{4C2D65FA-2471-4AAE-BF73-BD29F4B36386}" srcOrd="1" destOrd="0" presId="urn:microsoft.com/office/officeart/2005/8/layout/orgChart1"/>
+    <dgm:cxn modelId="{6718052F-AA91-4768-8DB1-1E8ACDE05112}" srcId="{37BD702E-660E-4277-8183-4DD6AE9D2A57}" destId="{054378D9-2749-49D1-A461-37C6B2A4F149}" srcOrd="0" destOrd="0" parTransId="{259D8CF3-64D7-4D83-B9DD-2DC13AB66FB8}" sibTransId="{D4853387-648A-4DF7-9090-F8433906A8D7}"/>
+    <dgm:cxn modelId="{7817C531-9D7C-4C0E-B322-5253DA389B7D}" srcId="{E675E2EE-8FD6-476B-822F-5D9D06608ED4}" destId="{B6E7A50B-1706-4C4A-A689-A952F09B11F3}" srcOrd="0" destOrd="0" parTransId="{66BED8D8-A980-4160-BF52-FACD71E1F8B3}" sibTransId="{2736B5D7-AA3B-4FA4-B3CA-0871E014D363}"/>
+    <dgm:cxn modelId="{DD4E7437-782A-46D3-A153-079AF1F1A33A}" srcId="{E07F6448-8900-4AC5-A46C-B58AF4266010}" destId="{AF8F4353-BDE9-435C-9401-1037751CC43C}" srcOrd="2" destOrd="0" parTransId="{B8D6C74F-94DF-4627-B8A6-43F11E525A72}" sibTransId="{8869AD8C-D0EE-4FB4-83DB-4A91A7CAECD0}"/>
+    <dgm:cxn modelId="{3F05DB37-D0B6-42AD-ABF5-27ED9FBE13D1}" type="presOf" srcId="{0C7190CD-B68D-4FB4-BFFC-3E6EBEE642CC}" destId="{217473BD-396E-4071-9F95-B619D1876984}" srcOrd="0" destOrd="0" presId="urn:microsoft.com/office/officeart/2005/8/layout/orgChart1"/>
+    <dgm:cxn modelId="{685E4E38-C29D-463F-82D7-89F5BC52A420}" type="presOf" srcId="{95F08D92-BBB8-4924-AB52-E913F8087AF7}" destId="{34B967F6-C01A-4942-AE74-ECB79951D068}" srcOrd="0" destOrd="0" presId="urn:microsoft.com/office/officeart/2005/8/layout/orgChart1"/>
+    <dgm:cxn modelId="{35C6255D-4341-4865-A774-17FCC0029002}" type="presOf" srcId="{32059DA7-F49A-4E3F-870B-AC3CE0F102E7}" destId="{95CCEF82-BAA6-4C64-8A4C-0C0D5EF5FAB5}" srcOrd="0" destOrd="0" presId="urn:microsoft.com/office/officeart/2005/8/layout/orgChart1"/>
+    <dgm:cxn modelId="{DFE5655E-4D36-440D-89D5-61E08C3459C7}" type="presOf" srcId="{81E97124-5E29-4B8F-B72E-0FB42EB221B8}" destId="{B9068F76-495D-484C-9F7F-5C14067EEBAB}" srcOrd="0" destOrd="0" presId="urn:microsoft.com/office/officeart/2005/8/layout/orgChart1"/>
+    <dgm:cxn modelId="{1F7D0E5F-4B8E-4598-8500-FC0D1AFDB161}" type="presOf" srcId="{6F25421D-FE4E-4EF4-831F-7D9FBCF8D5C1}" destId="{606FE52F-EBA7-4B20-9701-C488CC4F3A40}" srcOrd="0" destOrd="0" presId="urn:microsoft.com/office/officeart/2005/8/layout/orgChart1"/>
+    <dgm:cxn modelId="{18C12B60-B09E-49F4-8663-CCA3341DAD67}" srcId="{F40F37A4-E834-421F-B37A-B06D1A2A609D}" destId="{E675E2EE-8FD6-476B-822F-5D9D06608ED4}" srcOrd="0" destOrd="0" parTransId="{9BA6D5BB-12C8-4E41-B5BF-3D15C0EA204C}" sibTransId="{FC8F17E5-1C04-4D8A-B997-628E1E601F8F}"/>
+    <dgm:cxn modelId="{2C786761-6DB5-4D38-A141-B4F65239EC81}" type="presOf" srcId="{054378D9-2749-49D1-A461-37C6B2A4F149}" destId="{2AECE1B2-E6FE-4EDE-9CAA-F9D18E7AB282}" srcOrd="0" destOrd="0" presId="urn:microsoft.com/office/officeart/2005/8/layout/orgChart1"/>
+    <dgm:cxn modelId="{8B78B761-94BD-435F-A213-ABCC14A95067}" srcId="{3DDFE6A6-9495-4A58-A54C-769DE0AC01D3}" destId="{0C7190CD-B68D-4FB4-BFFC-3E6EBEE642CC}" srcOrd="2" destOrd="0" parTransId="{DE0B6D90-D678-4B97-964D-149FD0F25122}" sibTransId="{D302B0DF-89E1-4D0E-A3DB-11D7709CA015}"/>
+    <dgm:cxn modelId="{C0369263-A5AF-4A38-9830-762E2897672A}" srcId="{6F25421D-FE4E-4EF4-831F-7D9FBCF8D5C1}" destId="{E07F6448-8900-4AC5-A46C-B58AF4266010}" srcOrd="1" destOrd="0" parTransId="{991CA309-93EE-4443-B27A-BE85E58236D6}" sibTransId="{EE7E490B-6FEA-4587-8FF2-84870701CFD1}"/>
+    <dgm:cxn modelId="{92D57A69-9D27-4211-B3F1-4BF0A897AFE3}" type="presOf" srcId="{37BD702E-660E-4277-8183-4DD6AE9D2A57}" destId="{E3AAA51D-D6D0-402F-BB40-5475CF8B4ED8}" srcOrd="0" destOrd="0" presId="urn:microsoft.com/office/officeart/2005/8/layout/orgChart1"/>
+    <dgm:cxn modelId="{DB6E1B4B-E4F7-44F9-8DB2-86D75BEAF150}" type="presOf" srcId="{F40F37A4-E834-421F-B37A-B06D1A2A609D}" destId="{E54AA53B-C4EC-4D03-83DE-759D49A76959}" srcOrd="1" destOrd="0" presId="urn:microsoft.com/office/officeart/2005/8/layout/orgChart1"/>
+    <dgm:cxn modelId="{1CC8B64F-44E9-45E4-A4E7-D653E590D560}" srcId="{6F25421D-FE4E-4EF4-831F-7D9FBCF8D5C1}" destId="{95F08D92-BBB8-4924-AB52-E913F8087AF7}" srcOrd="0" destOrd="0" parTransId="{5CDEB60E-8EC1-4249-A336-B06F397B1917}" sibTransId="{1A4314A0-1CF4-49EC-BE25-2933345C3D08}"/>
+    <dgm:cxn modelId="{948D5B56-79E9-49CC-875D-3BED03ED3943}" type="presOf" srcId="{3DDFE6A6-9495-4A58-A54C-769DE0AC01D3}" destId="{8E5B827B-AB2A-4954-877F-6B4151A52A0F}" srcOrd="1" destOrd="0" presId="urn:microsoft.com/office/officeart/2005/8/layout/orgChart1"/>
+    <dgm:cxn modelId="{87CDC757-9A42-457E-8F83-104DCCE519DA}" srcId="{054378D9-2749-49D1-A461-37C6B2A4F149}" destId="{6F25421D-FE4E-4EF4-831F-7D9FBCF8D5C1}" srcOrd="0" destOrd="0" parTransId="{767B0127-3FB7-49C0-941C-7FC559308A72}" sibTransId="{AEA97A94-36AC-4054-B671-173FFB244580}"/>
+    <dgm:cxn modelId="{2E724E7C-56F8-4BCF-8FF4-FFD4C0009A7F}" type="presOf" srcId="{AF8F4353-BDE9-435C-9401-1037751CC43C}" destId="{AD9FB868-6141-45E2-8F2A-852DDBE0CDF6}" srcOrd="1" destOrd="0" presId="urn:microsoft.com/office/officeart/2005/8/layout/orgChart1"/>
+    <dgm:cxn modelId="{B4960D7D-A7A7-46F6-899A-096DB5AE2288}" type="presOf" srcId="{054378D9-2749-49D1-A461-37C6B2A4F149}" destId="{6E766BA9-B405-4627-9D74-7AECD969C103}" srcOrd="1" destOrd="0" presId="urn:microsoft.com/office/officeart/2005/8/layout/orgChart1"/>
+    <dgm:cxn modelId="{3680DD87-FEE7-491D-BBF9-7A76B39D5040}" type="presOf" srcId="{E675E2EE-8FD6-476B-822F-5D9D06608ED4}" destId="{040E1E0E-31F5-44E7-A5E2-1DD703824B66}" srcOrd="1" destOrd="0" presId="urn:microsoft.com/office/officeart/2005/8/layout/orgChart1"/>
+    <dgm:cxn modelId="{7EE04C89-D371-4FFA-9737-6EFE4BD9E0F2}" type="presOf" srcId="{85EC1DB4-DAE0-469F-BD3A-7027D9ED8C94}" destId="{89C0FFA1-6DDC-42CC-909C-65392C4DB6E3}" srcOrd="0" destOrd="0" presId="urn:microsoft.com/office/officeart/2005/8/layout/orgChart1"/>
+    <dgm:cxn modelId="{5491588E-8D5B-4300-AE1F-90E5C8ABC009}" type="presOf" srcId="{AF8F4353-BDE9-435C-9401-1037751CC43C}" destId="{B1CD17D1-DF82-4A2F-AADA-AB8C3DF485DA}" srcOrd="0" destOrd="0" presId="urn:microsoft.com/office/officeart/2005/8/layout/orgChart1"/>
+    <dgm:cxn modelId="{1E96A894-2CE2-4D30-AEEC-9421E41B2DB9}" type="presOf" srcId="{9BA6D5BB-12C8-4E41-B5BF-3D15C0EA204C}" destId="{5724ADF9-0484-4366-AB88-2514C44F8439}" srcOrd="0" destOrd="0" presId="urn:microsoft.com/office/officeart/2005/8/layout/orgChart1"/>
+    <dgm:cxn modelId="{045B1D95-787D-4BD9-A62F-874E703C7425}" type="presOf" srcId="{0C7190CD-B68D-4FB4-BFFC-3E6EBEE642CC}" destId="{0043DF2C-75E4-4D44-B8C8-E8EF5D74CDC1}" srcOrd="1" destOrd="0" presId="urn:microsoft.com/office/officeart/2005/8/layout/orgChart1"/>
+    <dgm:cxn modelId="{B6EF2698-EFEC-434E-B414-B72DEEF3FFA1}" type="presOf" srcId="{B6E7A50B-1706-4C4A-A689-A952F09B11F3}" destId="{D6614362-0013-44FA-83CE-EF7D901F228A}" srcOrd="1" destOrd="0" presId="urn:microsoft.com/office/officeart/2005/8/layout/orgChart1"/>
+    <dgm:cxn modelId="{4CFD8DA7-743E-4E85-A257-F157D2623CB4}" type="presOf" srcId="{85EC1DB4-DAE0-469F-BD3A-7027D9ED8C94}" destId="{4C2D8FF5-B500-4104-85EE-D6419A791915}" srcOrd="1" destOrd="0" presId="urn:microsoft.com/office/officeart/2005/8/layout/orgChart1"/>
+    <dgm:cxn modelId="{617D2EA9-2162-420C-A112-A72BF2417FF6}" type="presOf" srcId="{991CA309-93EE-4443-B27A-BE85E58236D6}" destId="{111D8ED4-37F5-473E-85C4-08B89D2235BE}" srcOrd="0" destOrd="0" presId="urn:microsoft.com/office/officeart/2005/8/layout/orgChart1"/>
+    <dgm:cxn modelId="{792BE7AA-14B6-48A9-823E-5F87BE2FAADF}" type="presOf" srcId="{DE0B6D90-D678-4B97-964D-149FD0F25122}" destId="{0F7FC9CB-B1F6-4B3D-9B23-D1C7DA004260}" srcOrd="0" destOrd="0" presId="urn:microsoft.com/office/officeart/2005/8/layout/orgChart1"/>
+    <dgm:cxn modelId="{9FACFEAA-BA9F-4F4F-BFB5-1B66FFF37153}" type="presOf" srcId="{27163995-E443-4CF5-ADCB-5DC780AC490A}" destId="{DF97FF2A-03AA-4FBF-BA63-86D95D65435F}" srcOrd="0" destOrd="0" presId="urn:microsoft.com/office/officeart/2005/8/layout/orgChart1"/>
+    <dgm:cxn modelId="{F103CCB4-A396-4F1B-AA6B-5E3CD1BF9707}" srcId="{E07F6448-8900-4AC5-A46C-B58AF4266010}" destId="{EC7E22AD-8497-4271-A094-EB855CAF8D03}" srcOrd="0" destOrd="0" parTransId="{27163995-E443-4CF5-ADCB-5DC780AC490A}" sibTransId="{6B1897A4-862B-48DD-8464-8EDC4F074F29}"/>
+    <dgm:cxn modelId="{B67275BF-D8CB-48AA-8EC6-1F231B3ECBBA}" type="presOf" srcId="{66BED8D8-A980-4160-BF52-FACD71E1F8B3}" destId="{CD86E098-CD8D-4A96-99FB-223B6C866854}" srcOrd="0" destOrd="0" presId="urn:microsoft.com/office/officeart/2005/8/layout/orgChart1"/>
+    <dgm:cxn modelId="{E94964C2-3E34-4B37-95FB-0867D0A7247F}" srcId="{3DDFE6A6-9495-4A58-A54C-769DE0AC01D3}" destId="{479C5ADC-02C3-43F8-A7BF-2D70E50216E1}" srcOrd="0" destOrd="0" parTransId="{81E97124-5E29-4B8F-B72E-0FB42EB221B8}" sibTransId="{FF9DC315-0A0B-4ADB-9FC1-00664668182C}"/>
+    <dgm:cxn modelId="{4766FBC6-0820-4176-85A3-CB24AC7EF537}" type="presOf" srcId="{E07F6448-8900-4AC5-A46C-B58AF4266010}" destId="{3E9137E9-1659-4F5D-B9BD-1288A14B739B}" srcOrd="1" destOrd="0" presId="urn:microsoft.com/office/officeart/2005/8/layout/orgChart1"/>
+    <dgm:cxn modelId="{3CB69CC7-3FBE-4E90-B7A8-4EDA91D098F1}" type="presOf" srcId="{5347BAC4-D5FA-459D-AAEB-D8E23E949A0C}" destId="{AFEC6BB6-FAD4-46C8-B17E-C767A480C883}" srcOrd="0" destOrd="0" presId="urn:microsoft.com/office/officeart/2005/8/layout/orgChart1"/>
+    <dgm:cxn modelId="{4953EBD8-05A7-443F-A440-3D6E442BD081}" type="presOf" srcId="{479C5ADC-02C3-43F8-A7BF-2D70E50216E1}" destId="{64BCD605-BC6B-4BFD-878C-416C6848BFEC}" srcOrd="0" destOrd="0" presId="urn:microsoft.com/office/officeart/2005/8/layout/orgChart1"/>
+    <dgm:cxn modelId="{F4499CDA-D28B-4AD0-9E06-E674AD527151}" type="presOf" srcId="{E675E2EE-8FD6-476B-822F-5D9D06608ED4}" destId="{1F239704-6DF1-4EBB-8FF4-E1715319CD56}" srcOrd="0" destOrd="0" presId="urn:microsoft.com/office/officeart/2005/8/layout/orgChart1"/>
+    <dgm:cxn modelId="{3075F7DD-0C3C-4B57-B42E-C30FFEB6D224}" srcId="{F40F37A4-E834-421F-B37A-B06D1A2A609D}" destId="{3DDFE6A6-9495-4A58-A54C-769DE0AC01D3}" srcOrd="1" destOrd="0" parTransId="{7CF83EAE-65EC-4242-8737-6C9E0CA36CF5}" sibTransId="{4179F2A4-E039-4DC6-9FDA-4A5F2BD84472}"/>
+    <dgm:cxn modelId="{A2E192E3-1124-4165-A214-05160A94F3D1}" type="presOf" srcId="{B6E7A50B-1706-4C4A-A689-A952F09B11F3}" destId="{A10D16E2-12C2-4D53-8BDE-46DF5770C557}" srcOrd="0" destOrd="0" presId="urn:microsoft.com/office/officeart/2005/8/layout/orgChart1"/>
+    <dgm:cxn modelId="{AF0C2BE9-35B5-410D-A4FB-ABD4F8D3F223}" srcId="{3DDFE6A6-9495-4A58-A54C-769DE0AC01D3}" destId="{85EC1DB4-DAE0-469F-BD3A-7027D9ED8C94}" srcOrd="1" destOrd="0" parTransId="{5347BAC4-D5FA-459D-AAEB-D8E23E949A0C}" sibTransId="{9BC6318B-656D-4693-9949-D7CFB76EF3AD}"/>
+    <dgm:cxn modelId="{FCD378EA-0749-4090-BF8A-7603F0A07828}" type="presOf" srcId="{EC7E22AD-8497-4271-A094-EB855CAF8D03}" destId="{72E06786-B40B-4AF6-8A2B-66D8AD88C3E3}" srcOrd="0" destOrd="0" presId="urn:microsoft.com/office/officeart/2005/8/layout/orgChart1"/>
+    <dgm:cxn modelId="{29C9DDF1-24F6-4201-9FED-E06C4CB8AB87}" type="presOf" srcId="{767B0127-3FB7-49C0-941C-7FC559308A72}" destId="{76FE5FC5-973E-4204-8622-2FB5BB0C6BD4}" srcOrd="0" destOrd="0" presId="urn:microsoft.com/office/officeart/2005/8/layout/orgChart1"/>
+    <dgm:cxn modelId="{3EA083F5-6343-4C9E-9F9B-3B51010E28B9}" type="presOf" srcId="{3DDFE6A6-9495-4A58-A54C-769DE0AC01D3}" destId="{06BEE670-D223-4C72-93D2-6E070C264831}" srcOrd="0" destOrd="0" presId="urn:microsoft.com/office/officeart/2005/8/layout/orgChart1"/>
+    <dgm:cxn modelId="{45F3D9F8-A29B-43A2-B8D1-3FAD49F60246}" type="presOf" srcId="{E07F6448-8900-4AC5-A46C-B58AF4266010}" destId="{9D8EFBAC-BC3E-4B75-85D5-709B66FCCE02}" srcOrd="0" destOrd="0" presId="urn:microsoft.com/office/officeart/2005/8/layout/orgChart1"/>
+    <dgm:cxn modelId="{EFD598C9-1B61-44DE-A460-65B270D83F7F}" type="presParOf" srcId="{E3AAA51D-D6D0-402F-BB40-5475CF8B4ED8}" destId="{FC7F133D-6DB9-493A-A34F-BE29CE88C4B1}" srcOrd="0" destOrd="0" presId="urn:microsoft.com/office/officeart/2005/8/layout/orgChart1"/>
+    <dgm:cxn modelId="{F27E10F1-42C3-4A97-AE85-EB804FD45951}" type="presParOf" srcId="{FC7F133D-6DB9-493A-A34F-BE29CE88C4B1}" destId="{BC59F075-E972-468C-B78E-97742051B0E7}" srcOrd="0" destOrd="0" presId="urn:microsoft.com/office/officeart/2005/8/layout/orgChart1"/>
+    <dgm:cxn modelId="{10EB249A-82C7-421C-B3AB-452AADD624F5}" type="presParOf" srcId="{BC59F075-E972-468C-B78E-97742051B0E7}" destId="{2AECE1B2-E6FE-4EDE-9CAA-F9D18E7AB282}" srcOrd="0" destOrd="0" presId="urn:microsoft.com/office/officeart/2005/8/layout/orgChart1"/>
+    <dgm:cxn modelId="{01D6193B-09D0-44F7-B0B0-346853CA20ED}" type="presParOf" srcId="{BC59F075-E972-468C-B78E-97742051B0E7}" destId="{6E766BA9-B405-4627-9D74-7AECD969C103}" srcOrd="1" destOrd="0" presId="urn:microsoft.com/office/officeart/2005/8/layout/orgChart1"/>
+    <dgm:cxn modelId="{DA01832D-054A-4ECD-A3A0-483651082EC6}" type="presParOf" srcId="{FC7F133D-6DB9-493A-A34F-BE29CE88C4B1}" destId="{BA85DD0D-E7EB-4E8F-93E6-B2003BCDBF96}" srcOrd="1" destOrd="0" presId="urn:microsoft.com/office/officeart/2005/8/layout/orgChart1"/>
+    <dgm:cxn modelId="{1C58957C-C5D1-4B1B-8C9E-04C8BF7EFB36}" type="presParOf" srcId="{BA85DD0D-E7EB-4E8F-93E6-B2003BCDBF96}" destId="{76FE5FC5-973E-4204-8622-2FB5BB0C6BD4}" srcOrd="0" destOrd="0" presId="urn:microsoft.com/office/officeart/2005/8/layout/orgChart1"/>
+    <dgm:cxn modelId="{4BED9164-C6C0-429E-A4E9-01C69B9F0325}" type="presParOf" srcId="{BA85DD0D-E7EB-4E8F-93E6-B2003BCDBF96}" destId="{22A09666-9F44-467D-B8F5-7FC95D7206C2}" srcOrd="1" destOrd="0" presId="urn:microsoft.com/office/officeart/2005/8/layout/orgChart1"/>
+    <dgm:cxn modelId="{19074CB3-3B00-4EC6-A06E-C1C3AC6E3B37}" type="presParOf" srcId="{22A09666-9F44-467D-B8F5-7FC95D7206C2}" destId="{C832C9C1-B04E-4C22-B640-A4084D4BD900}" srcOrd="0" destOrd="0" presId="urn:microsoft.com/office/officeart/2005/8/layout/orgChart1"/>
+    <dgm:cxn modelId="{D6F13698-275C-4818-8F17-F858EC699CDB}" type="presParOf" srcId="{C832C9C1-B04E-4C22-B640-A4084D4BD900}" destId="{606FE52F-EBA7-4B20-9701-C488CC4F3A40}" srcOrd="0" destOrd="0" presId="urn:microsoft.com/office/officeart/2005/8/layout/orgChart1"/>
+    <dgm:cxn modelId="{61E653E6-5A18-44F6-8965-79ACCE58785F}" type="presParOf" srcId="{C832C9C1-B04E-4C22-B640-A4084D4BD900}" destId="{4C2D65FA-2471-4AAE-BF73-BD29F4B36386}" srcOrd="1" destOrd="0" presId="urn:microsoft.com/office/officeart/2005/8/layout/orgChart1"/>
+    <dgm:cxn modelId="{1F511BEC-A7F1-43FC-8F9D-1BC1E326C56F}" type="presParOf" srcId="{22A09666-9F44-467D-B8F5-7FC95D7206C2}" destId="{3A229E4B-8E36-481A-83EA-5272B3BAD493}" srcOrd="1" destOrd="0" presId="urn:microsoft.com/office/officeart/2005/8/layout/orgChart1"/>
+    <dgm:cxn modelId="{4A5A94B4-2EFE-4849-9EDD-D0B8CB5D8077}" type="presParOf" srcId="{3A229E4B-8E36-481A-83EA-5272B3BAD493}" destId="{4CD83B0E-8EF8-49C2-AE91-2B4F1BBF5AE1}" srcOrd="0" destOrd="0" presId="urn:microsoft.com/office/officeart/2005/8/layout/orgChart1"/>
+    <dgm:cxn modelId="{BF927AC8-9B14-4BD3-83C2-A94CFF7BB51A}" type="presParOf" srcId="{3A229E4B-8E36-481A-83EA-5272B3BAD493}" destId="{4FA3ACE7-936D-4837-AA8C-F0A429F78108}" srcOrd="1" destOrd="0" presId="urn:microsoft.com/office/officeart/2005/8/layout/orgChart1"/>
+    <dgm:cxn modelId="{304F714F-267D-41FC-A9F7-BB51133D17F9}" type="presParOf" srcId="{4FA3ACE7-936D-4837-AA8C-F0A429F78108}" destId="{182E8F2F-D39D-4F85-86C7-2095D4284E93}" srcOrd="0" destOrd="0" presId="urn:microsoft.com/office/officeart/2005/8/layout/orgChart1"/>
+    <dgm:cxn modelId="{28E64290-9056-4B16-AECD-EA4E1CCE3F82}" type="presParOf" srcId="{182E8F2F-D39D-4F85-86C7-2095D4284E93}" destId="{34B967F6-C01A-4942-AE74-ECB79951D068}" srcOrd="0" destOrd="0" presId="urn:microsoft.com/office/officeart/2005/8/layout/orgChart1"/>
+    <dgm:cxn modelId="{C88D6713-2E90-4EEA-AA21-02DF8AFD8CB5}" type="presParOf" srcId="{182E8F2F-D39D-4F85-86C7-2095D4284E93}" destId="{80ED152F-9EB0-47BB-8F98-C692A385062E}" srcOrd="1" destOrd="0" presId="urn:microsoft.com/office/officeart/2005/8/layout/orgChart1"/>
+    <dgm:cxn modelId="{B66046F3-1E63-4943-91CD-72D41C4A5618}" type="presParOf" srcId="{4FA3ACE7-936D-4837-AA8C-F0A429F78108}" destId="{AD1B7AA5-6E25-4B50-98FE-BF1AE67C8145}" srcOrd="1" destOrd="0" presId="urn:microsoft.com/office/officeart/2005/8/layout/orgChart1"/>
+    <dgm:cxn modelId="{60E45E55-70C0-4FF9-BF07-402EB266C370}" type="presParOf" srcId="{4FA3ACE7-936D-4837-AA8C-F0A429F78108}" destId="{A1BBD3F9-943A-4F18-83A7-0F1511ED28BC}" srcOrd="2" destOrd="0" presId="urn:microsoft.com/office/officeart/2005/8/layout/orgChart1"/>
+    <dgm:cxn modelId="{02D93CA3-F486-45C2-9502-C91D816869CC}" type="presParOf" srcId="{3A229E4B-8E36-481A-83EA-5272B3BAD493}" destId="{111D8ED4-37F5-473E-85C4-08B89D2235BE}" srcOrd="2" destOrd="0" presId="urn:microsoft.com/office/officeart/2005/8/layout/orgChart1"/>
+    <dgm:cxn modelId="{9F81E5A8-E2C7-4D49-94E7-C41EE214881B}" type="presParOf" srcId="{3A229E4B-8E36-481A-83EA-5272B3BAD493}" destId="{F9A74218-A206-484C-BE81-863D87BAD5EA}" srcOrd="3" destOrd="0" presId="urn:microsoft.com/office/officeart/2005/8/layout/orgChart1"/>
+    <dgm:cxn modelId="{D1B10D68-5C1A-493F-B335-3FE7D4B33453}" type="presParOf" srcId="{F9A74218-A206-484C-BE81-863D87BAD5EA}" destId="{3798A224-D587-43C6-92A9-6EC5F9048D47}" srcOrd="0" destOrd="0" presId="urn:microsoft.com/office/officeart/2005/8/layout/orgChart1"/>
+    <dgm:cxn modelId="{C12B365F-B0DE-4A19-A6CC-E88DA7B3057A}" type="presParOf" srcId="{3798A224-D587-43C6-92A9-6EC5F9048D47}" destId="{9D8EFBAC-BC3E-4B75-85D5-709B66FCCE02}" srcOrd="0" destOrd="0" presId="urn:microsoft.com/office/officeart/2005/8/layout/orgChart1"/>
+    <dgm:cxn modelId="{3CF48369-E68E-4A79-873E-C8CB1E44D05B}" type="presParOf" srcId="{3798A224-D587-43C6-92A9-6EC5F9048D47}" destId="{3E9137E9-1659-4F5D-B9BD-1288A14B739B}" srcOrd="1" destOrd="0" presId="urn:microsoft.com/office/officeart/2005/8/layout/orgChart1"/>
+    <dgm:cxn modelId="{346263A1-6B2A-4B1C-AA53-461509A51961}" type="presParOf" srcId="{F9A74218-A206-484C-BE81-863D87BAD5EA}" destId="{1CF6CA97-BED2-4299-8789-69DC120AC85B}" srcOrd="1" destOrd="0" presId="urn:microsoft.com/office/officeart/2005/8/layout/orgChart1"/>
+    <dgm:cxn modelId="{3868E4A0-35D4-4813-B81B-19CCC7A7CEDD}" type="presParOf" srcId="{1CF6CA97-BED2-4299-8789-69DC120AC85B}" destId="{DF97FF2A-03AA-4FBF-BA63-86D95D65435F}" srcOrd="0" destOrd="0" presId="urn:microsoft.com/office/officeart/2005/8/layout/orgChart1"/>
+    <dgm:cxn modelId="{F44884EE-F80D-446D-AB56-773C8FCD62B3}" type="presParOf" srcId="{1CF6CA97-BED2-4299-8789-69DC120AC85B}" destId="{5BAF2E38-ACDC-49CB-8B7D-2753C3A0D6F5}" srcOrd="1" destOrd="0" presId="urn:microsoft.com/office/officeart/2005/8/layout/orgChart1"/>
+    <dgm:cxn modelId="{71666E79-7977-406A-B6E0-6BA8C40CC23C}" type="presParOf" srcId="{5BAF2E38-ACDC-49CB-8B7D-2753C3A0D6F5}" destId="{94FC7316-A1C5-4E82-8309-56D8E7C069F1}" srcOrd="0" destOrd="0" presId="urn:microsoft.com/office/officeart/2005/8/layout/orgChart1"/>
+    <dgm:cxn modelId="{7CD96792-962C-4B72-85D1-409A64593615}" type="presParOf" srcId="{94FC7316-A1C5-4E82-8309-56D8E7C069F1}" destId="{72E06786-B40B-4AF6-8A2B-66D8AD88C3E3}" srcOrd="0" destOrd="0" presId="urn:microsoft.com/office/officeart/2005/8/layout/orgChart1"/>
+    <dgm:cxn modelId="{9226392D-0E89-4D46-B05B-502E91A9EF4C}" type="presParOf" srcId="{94FC7316-A1C5-4E82-8309-56D8E7C069F1}" destId="{037A4A72-B2F6-4BA2-BECB-EF9C1CCF8415}" srcOrd="1" destOrd="0" presId="urn:microsoft.com/office/officeart/2005/8/layout/orgChart1"/>
+    <dgm:cxn modelId="{ABF4606D-3815-47DF-9389-B2C92653D2FC}" type="presParOf" srcId="{5BAF2E38-ACDC-49CB-8B7D-2753C3A0D6F5}" destId="{8FEBC799-1504-49CF-9071-55ABCE5C532C}" srcOrd="1" destOrd="0" presId="urn:microsoft.com/office/officeart/2005/8/layout/orgChart1"/>
+    <dgm:cxn modelId="{31BC5402-E681-42AB-B316-CD823209B2BC}" type="presParOf" srcId="{5BAF2E38-ACDC-49CB-8B7D-2753C3A0D6F5}" destId="{9FA21329-687E-49C7-BB29-1731D0C2AF4A}" srcOrd="2" destOrd="0" presId="urn:microsoft.com/office/officeart/2005/8/layout/orgChart1"/>
+    <dgm:cxn modelId="{1EC96C61-BB2A-4938-BBFE-1A12D38A46E1}" type="presParOf" srcId="{1CF6CA97-BED2-4299-8789-69DC120AC85B}" destId="{95CCEF82-BAA6-4C64-8A4C-0C0D5EF5FAB5}" srcOrd="2" destOrd="0" presId="urn:microsoft.com/office/officeart/2005/8/layout/orgChart1"/>
+    <dgm:cxn modelId="{7CC42713-2CBE-4DD5-B144-66A3562C06E3}" type="presParOf" srcId="{1CF6CA97-BED2-4299-8789-69DC120AC85B}" destId="{EDD71824-4127-4CB0-8A91-A2E8D0E5E662}" srcOrd="3" destOrd="0" presId="urn:microsoft.com/office/officeart/2005/8/layout/orgChart1"/>
+    <dgm:cxn modelId="{EB8A053B-DD91-4A53-B7D4-396819047BE9}" type="presParOf" srcId="{EDD71824-4127-4CB0-8A91-A2E8D0E5E662}" destId="{5FEBD9FC-B694-497A-8317-839222F9BB82}" srcOrd="0" destOrd="0" presId="urn:microsoft.com/office/officeart/2005/8/layout/orgChart1"/>
+    <dgm:cxn modelId="{C18A596F-5F63-4EF9-BED8-E747088A52FA}" type="presParOf" srcId="{5FEBD9FC-B694-497A-8317-839222F9BB82}" destId="{3F209EC6-2C3E-463A-93A1-3DDE11ED7B29}" srcOrd="0" destOrd="0" presId="urn:microsoft.com/office/officeart/2005/8/layout/orgChart1"/>
+    <dgm:cxn modelId="{BEA5B814-61E7-47A4-AB6A-46B3BA0A6150}" type="presParOf" srcId="{5FEBD9FC-B694-497A-8317-839222F9BB82}" destId="{E54AA53B-C4EC-4D03-83DE-759D49A76959}" srcOrd="1" destOrd="0" presId="urn:microsoft.com/office/officeart/2005/8/layout/orgChart1"/>
+    <dgm:cxn modelId="{0A8FCE8B-8264-440D-85FC-6658E2631F5F}" type="presParOf" srcId="{EDD71824-4127-4CB0-8A91-A2E8D0E5E662}" destId="{4A0E947F-9F69-4F39-8003-21501CAB874C}" srcOrd="1" destOrd="0" presId="urn:microsoft.com/office/officeart/2005/8/layout/orgChart1"/>
+    <dgm:cxn modelId="{7F88880B-A644-462B-99A1-D8959070753D}" type="presParOf" srcId="{4A0E947F-9F69-4F39-8003-21501CAB874C}" destId="{5724ADF9-0484-4366-AB88-2514C44F8439}" srcOrd="0" destOrd="0" presId="urn:microsoft.com/office/officeart/2005/8/layout/orgChart1"/>
+    <dgm:cxn modelId="{B92E3B48-C1EE-4700-A149-3D2E6C3CB016}" type="presParOf" srcId="{4A0E947F-9F69-4F39-8003-21501CAB874C}" destId="{70AC0B16-8ABD-477B-984E-A2A6CE0B3900}" srcOrd="1" destOrd="0" presId="urn:microsoft.com/office/officeart/2005/8/layout/orgChart1"/>
+    <dgm:cxn modelId="{69A43F33-701B-492A-AD38-7AC1BB882AFC}" type="presParOf" srcId="{70AC0B16-8ABD-477B-984E-A2A6CE0B3900}" destId="{1ABFAC01-8265-4F0E-A9E4-B099DA45E500}" srcOrd="0" destOrd="0" presId="urn:microsoft.com/office/officeart/2005/8/layout/orgChart1"/>
+    <dgm:cxn modelId="{47B5AB62-80CE-484F-B581-30F1780E7BF8}" type="presParOf" srcId="{1ABFAC01-8265-4F0E-A9E4-B099DA45E500}" destId="{1F239704-6DF1-4EBB-8FF4-E1715319CD56}" srcOrd="0" destOrd="0" presId="urn:microsoft.com/office/officeart/2005/8/layout/orgChart1"/>
+    <dgm:cxn modelId="{D98FB555-9F9A-427F-8060-A10FED2B0D96}" type="presParOf" srcId="{1ABFAC01-8265-4F0E-A9E4-B099DA45E500}" destId="{040E1E0E-31F5-44E7-A5E2-1DD703824B66}" srcOrd="1" destOrd="0" presId="urn:microsoft.com/office/officeart/2005/8/layout/orgChart1"/>
+    <dgm:cxn modelId="{7F9E47B9-FE8B-438E-AF85-D7A9B12CF299}" type="presParOf" srcId="{70AC0B16-8ABD-477B-984E-A2A6CE0B3900}" destId="{E0AD816B-7BA8-40F3-AE29-6CEA3E0F5CF1}" srcOrd="1" destOrd="0" presId="urn:microsoft.com/office/officeart/2005/8/layout/orgChart1"/>
+    <dgm:cxn modelId="{A9AE3AFA-1E67-46F9-A217-AB216398FD6F}" type="presParOf" srcId="{E0AD816B-7BA8-40F3-AE29-6CEA3E0F5CF1}" destId="{CD86E098-CD8D-4A96-99FB-223B6C866854}" srcOrd="0" destOrd="0" presId="urn:microsoft.com/office/officeart/2005/8/layout/orgChart1"/>
+    <dgm:cxn modelId="{41959823-7D80-4F97-8B51-9F5B5299BD66}" type="presParOf" srcId="{E0AD816B-7BA8-40F3-AE29-6CEA3E0F5CF1}" destId="{C0AD0394-7C68-4188-9AFD-479423D344B7}" srcOrd="1" destOrd="0" presId="urn:microsoft.com/office/officeart/2005/8/layout/orgChart1"/>
+    <dgm:cxn modelId="{20FF9264-BA9B-4661-8295-063D03794747}" type="presParOf" srcId="{C0AD0394-7C68-4188-9AFD-479423D344B7}" destId="{3226E45A-1DD9-4D60-BFA1-3D20778E3153}" srcOrd="0" destOrd="0" presId="urn:microsoft.com/office/officeart/2005/8/layout/orgChart1"/>
+    <dgm:cxn modelId="{C57E3235-76B7-4238-B9DA-3E4AA9233806}" type="presParOf" srcId="{3226E45A-1DD9-4D60-BFA1-3D20778E3153}" destId="{A10D16E2-12C2-4D53-8BDE-46DF5770C557}" srcOrd="0" destOrd="0" presId="urn:microsoft.com/office/officeart/2005/8/layout/orgChart1"/>
+    <dgm:cxn modelId="{FF3D6A27-A018-442A-AA4E-44726B1F3956}" type="presParOf" srcId="{3226E45A-1DD9-4D60-BFA1-3D20778E3153}" destId="{D6614362-0013-44FA-83CE-EF7D901F228A}" srcOrd="1" destOrd="0" presId="urn:microsoft.com/office/officeart/2005/8/layout/orgChart1"/>
+    <dgm:cxn modelId="{8239B54B-A719-4BE8-881D-655C4D52885C}" type="presParOf" srcId="{C0AD0394-7C68-4188-9AFD-479423D344B7}" destId="{AEB2F146-F2CB-4282-95C0-5899C58E876C}" srcOrd="1" destOrd="0" presId="urn:microsoft.com/office/officeart/2005/8/layout/orgChart1"/>
+    <dgm:cxn modelId="{9D6BD6C7-5238-475A-A623-DAD476EDDBE7}" type="presParOf" srcId="{C0AD0394-7C68-4188-9AFD-479423D344B7}" destId="{8C7D96D0-DA62-44BC-BBBF-2933F11858C5}" srcOrd="2" destOrd="0" presId="urn:microsoft.com/office/officeart/2005/8/layout/orgChart1"/>
+    <dgm:cxn modelId="{289740DF-FB2A-43FF-8594-9D9C31A4D10F}" type="presParOf" srcId="{70AC0B16-8ABD-477B-984E-A2A6CE0B3900}" destId="{54218B0F-C53C-4767-832F-7379315315FA}" srcOrd="2" destOrd="0" presId="urn:microsoft.com/office/officeart/2005/8/layout/orgChart1"/>
+    <dgm:cxn modelId="{50B18164-9807-4100-A86B-59088CA8D46B}" type="presParOf" srcId="{4A0E947F-9F69-4F39-8003-21501CAB874C}" destId="{E59A1A52-DD6A-436B-8835-07F00C55665B}" srcOrd="2" destOrd="0" presId="urn:microsoft.com/office/officeart/2005/8/layout/orgChart1"/>
+    <dgm:cxn modelId="{D611345B-BB8D-488D-9556-06ECE7F7B91E}" type="presParOf" srcId="{4A0E947F-9F69-4F39-8003-21501CAB874C}" destId="{53E6D36F-3DE8-4678-A5B7-2D112F8CA32B}" srcOrd="3" destOrd="0" presId="urn:microsoft.com/office/officeart/2005/8/layout/orgChart1"/>
+    <dgm:cxn modelId="{2DBC1C5E-5CBF-4AEE-9741-D03388FC71F1}" type="presParOf" srcId="{53E6D36F-3DE8-4678-A5B7-2D112F8CA32B}" destId="{2D17CDCA-D621-4FDB-9FB7-88DC1474A7AF}" srcOrd="0" destOrd="0" presId="urn:microsoft.com/office/officeart/2005/8/layout/orgChart1"/>
+    <dgm:cxn modelId="{0954E1DC-8255-4B11-B62D-369D4937FFCD}" type="presParOf" srcId="{2D17CDCA-D621-4FDB-9FB7-88DC1474A7AF}" destId="{06BEE670-D223-4C72-93D2-6E070C264831}" srcOrd="0" destOrd="0" presId="urn:microsoft.com/office/officeart/2005/8/layout/orgChart1"/>
+    <dgm:cxn modelId="{3A48F3C7-B0F6-42BE-9EBD-075A7E45059C}" type="presParOf" srcId="{2D17CDCA-D621-4FDB-9FB7-88DC1474A7AF}" destId="{8E5B827B-AB2A-4954-877F-6B4151A52A0F}" srcOrd="1" destOrd="0" presId="urn:microsoft.com/office/officeart/2005/8/layout/orgChart1"/>
+    <dgm:cxn modelId="{09020E46-4F7F-4A8C-A6C5-8EE8A81E3925}" type="presParOf" srcId="{53E6D36F-3DE8-4678-A5B7-2D112F8CA32B}" destId="{77233865-7C97-4F01-9289-5670CB5AEC57}" srcOrd="1" destOrd="0" presId="urn:microsoft.com/office/officeart/2005/8/layout/orgChart1"/>
+    <dgm:cxn modelId="{68F858E4-F318-4789-A66A-6F424377508A}" type="presParOf" srcId="{77233865-7C97-4F01-9289-5670CB5AEC57}" destId="{B9068F76-495D-484C-9F7F-5C14067EEBAB}" srcOrd="0" destOrd="0" presId="urn:microsoft.com/office/officeart/2005/8/layout/orgChart1"/>
+    <dgm:cxn modelId="{C7A46307-E5EA-4F47-9D9A-8F1DBCD811EE}" type="presParOf" srcId="{77233865-7C97-4F01-9289-5670CB5AEC57}" destId="{8D26DDB5-49E7-420E-A0AF-41A44BC9A59A}" srcOrd="1" destOrd="0" presId="urn:microsoft.com/office/officeart/2005/8/layout/orgChart1"/>
+    <dgm:cxn modelId="{97C474DF-ADC9-41E2-BDB4-78710A0E9BB8}" type="presParOf" srcId="{8D26DDB5-49E7-420E-A0AF-41A44BC9A59A}" destId="{1804985D-5AEC-4292-8404-1B4F8E677786}" srcOrd="0" destOrd="0" presId="urn:microsoft.com/office/officeart/2005/8/layout/orgChart1"/>
+    <dgm:cxn modelId="{73071B07-7FE3-4DB5-9684-B903E085C50D}" type="presParOf" srcId="{1804985D-5AEC-4292-8404-1B4F8E677786}" destId="{64BCD605-BC6B-4BFD-878C-416C6848BFEC}" srcOrd="0" destOrd="0" presId="urn:microsoft.com/office/officeart/2005/8/layout/orgChart1"/>
+    <dgm:cxn modelId="{64BF4DB1-8AB8-41B8-A49D-4AE7D78C6BF4}" type="presParOf" srcId="{1804985D-5AEC-4292-8404-1B4F8E677786}" destId="{9532D4C8-748D-4FF6-B102-1E37AC33EDD5}" srcOrd="1" destOrd="0" presId="urn:microsoft.com/office/officeart/2005/8/layout/orgChart1"/>
+    <dgm:cxn modelId="{71FEA15C-428E-4BC8-8F38-8F0889148E81}" type="presParOf" srcId="{8D26DDB5-49E7-420E-A0AF-41A44BC9A59A}" destId="{E66D8270-535B-4611-99B7-B1AC29EF09A8}" srcOrd="1" destOrd="0" presId="urn:microsoft.com/office/officeart/2005/8/layout/orgChart1"/>
+    <dgm:cxn modelId="{6642E57E-AF12-4308-A180-E7249198A52D}" type="presParOf" srcId="{8D26DDB5-49E7-420E-A0AF-41A44BC9A59A}" destId="{43510685-DED9-4532-B147-8FB9F2F6C19E}" srcOrd="2" destOrd="0" presId="urn:microsoft.com/office/officeart/2005/8/layout/orgChart1"/>
+    <dgm:cxn modelId="{914DE7C9-6212-4DF7-AC97-C00A9111AAC6}" type="presParOf" srcId="{77233865-7C97-4F01-9289-5670CB5AEC57}" destId="{AFEC6BB6-FAD4-46C8-B17E-C767A480C883}" srcOrd="2" destOrd="0" presId="urn:microsoft.com/office/officeart/2005/8/layout/orgChart1"/>
+    <dgm:cxn modelId="{F5C40FAA-30A8-403D-9131-04F14C1D99B7}" type="presParOf" srcId="{77233865-7C97-4F01-9289-5670CB5AEC57}" destId="{DC4974AD-F5B3-4EC6-883F-BF34B2CCEB1C}" srcOrd="3" destOrd="0" presId="urn:microsoft.com/office/officeart/2005/8/layout/orgChart1"/>
+    <dgm:cxn modelId="{DD94753A-40F4-4B1C-917A-4604470EEFC0}" type="presParOf" srcId="{DC4974AD-F5B3-4EC6-883F-BF34B2CCEB1C}" destId="{BF17458A-A1E6-41D4-8EF7-7D1227D95B3A}" srcOrd="0" destOrd="0" presId="urn:microsoft.com/office/officeart/2005/8/layout/orgChart1"/>
+    <dgm:cxn modelId="{B1F057FA-FBB4-451F-94F2-BEDA6F734AF6}" type="presParOf" srcId="{BF17458A-A1E6-41D4-8EF7-7D1227D95B3A}" destId="{89C0FFA1-6DDC-42CC-909C-65392C4DB6E3}" srcOrd="0" destOrd="0" presId="urn:microsoft.com/office/officeart/2005/8/layout/orgChart1"/>
+    <dgm:cxn modelId="{D538F438-CD46-4256-A06D-8BB91A041B6A}" type="presParOf" srcId="{BF17458A-A1E6-41D4-8EF7-7D1227D95B3A}" destId="{4C2D8FF5-B500-4104-85EE-D6419A791915}" srcOrd="1" destOrd="0" presId="urn:microsoft.com/office/officeart/2005/8/layout/orgChart1"/>
+    <dgm:cxn modelId="{A96F1FD8-A8DA-4333-AF53-87895E7A860C}" type="presParOf" srcId="{DC4974AD-F5B3-4EC6-883F-BF34B2CCEB1C}" destId="{D7AEC064-4A65-4E30-92D7-55ADDFA935AD}" srcOrd="1" destOrd="0" presId="urn:microsoft.com/office/officeart/2005/8/layout/orgChart1"/>
+    <dgm:cxn modelId="{45BBA4FC-0461-4EB2-9FFD-896CBE2F6344}" type="presParOf" srcId="{DC4974AD-F5B3-4EC6-883F-BF34B2CCEB1C}" destId="{4B852DAF-D2C2-45F1-B984-04F00BC71CDA}" srcOrd="2" destOrd="0" presId="urn:microsoft.com/office/officeart/2005/8/layout/orgChart1"/>
+    <dgm:cxn modelId="{B80092A4-6311-49DA-8F2D-01D5053F8022}" type="presParOf" srcId="{77233865-7C97-4F01-9289-5670CB5AEC57}" destId="{0F7FC9CB-B1F6-4B3D-9B23-D1C7DA004260}" srcOrd="4" destOrd="0" presId="urn:microsoft.com/office/officeart/2005/8/layout/orgChart1"/>
+    <dgm:cxn modelId="{CD590A02-1A36-43D1-BD5A-93C2D661648F}" type="presParOf" srcId="{77233865-7C97-4F01-9289-5670CB5AEC57}" destId="{D9866813-32B4-4DF8-B035-52452007F072}" srcOrd="5" destOrd="0" presId="urn:microsoft.com/office/officeart/2005/8/layout/orgChart1"/>
+    <dgm:cxn modelId="{F0025C9E-52F5-497D-8775-9FF3391B05D1}" type="presParOf" srcId="{D9866813-32B4-4DF8-B035-52452007F072}" destId="{5F65C970-FCA7-46BA-8B60-553A7FEF5F39}" srcOrd="0" destOrd="0" presId="urn:microsoft.com/office/officeart/2005/8/layout/orgChart1"/>
+    <dgm:cxn modelId="{5E526BF6-4960-4C69-9C2B-98A895957C96}" type="presParOf" srcId="{5F65C970-FCA7-46BA-8B60-553A7FEF5F39}" destId="{217473BD-396E-4071-9F95-B619D1876984}" srcOrd="0" destOrd="0" presId="urn:microsoft.com/office/officeart/2005/8/layout/orgChart1"/>
+    <dgm:cxn modelId="{C9FF331F-5266-47F1-8D36-E31919C6EF64}" type="presParOf" srcId="{5F65C970-FCA7-46BA-8B60-553A7FEF5F39}" destId="{0043DF2C-75E4-4D44-B8C8-E8EF5D74CDC1}" srcOrd="1" destOrd="0" presId="urn:microsoft.com/office/officeart/2005/8/layout/orgChart1"/>
+    <dgm:cxn modelId="{3287B376-93A9-4A41-9FD0-9BA7F09BE3FE}" type="presParOf" srcId="{D9866813-32B4-4DF8-B035-52452007F072}" destId="{25BD3B72-D5DF-4D5B-A5E0-E8CFE2402C9F}" srcOrd="1" destOrd="0" presId="urn:microsoft.com/office/officeart/2005/8/layout/orgChart1"/>
+    <dgm:cxn modelId="{DDF4290D-AA6E-40E1-B627-C9D5E78209FC}" type="presParOf" srcId="{D9866813-32B4-4DF8-B035-52452007F072}" destId="{9ABD8D09-FB73-4542-8CFF-D4C93518C624}" srcOrd="2" destOrd="0" presId="urn:microsoft.com/office/officeart/2005/8/layout/orgChart1"/>
+    <dgm:cxn modelId="{188DE71B-A657-4936-9310-8EF5FE99A4C2}" type="presParOf" srcId="{53E6D36F-3DE8-4678-A5B7-2D112F8CA32B}" destId="{91CA0F74-2095-4797-AF4A-2D1E7B4D4C17}" srcOrd="2" destOrd="0" presId="urn:microsoft.com/office/officeart/2005/8/layout/orgChart1"/>
+    <dgm:cxn modelId="{58848D39-C6FC-4E05-A478-B47615FFB4CD}" type="presParOf" srcId="{EDD71824-4127-4CB0-8A91-A2E8D0E5E662}" destId="{A3D20A28-4E8C-4D57-A3B5-0862A60B7B25}" srcOrd="2" destOrd="0" presId="urn:microsoft.com/office/officeart/2005/8/layout/orgChart1"/>
+    <dgm:cxn modelId="{9DBE2E6F-8588-4568-A3D4-53FE1C4119B5}" type="presParOf" srcId="{1CF6CA97-BED2-4299-8789-69DC120AC85B}" destId="{C7C9B307-FA96-4A7A-82BD-8D63B0B7B693}" srcOrd="4" destOrd="0" presId="urn:microsoft.com/office/officeart/2005/8/layout/orgChart1"/>
+    <dgm:cxn modelId="{4FFB10A1-06F1-47AA-BB6E-C6F3D45D12EB}" type="presParOf" srcId="{1CF6CA97-BED2-4299-8789-69DC120AC85B}" destId="{365AFF45-C4F3-44A1-BB62-D6372C76F5B2}" srcOrd="5" destOrd="0" presId="urn:microsoft.com/office/officeart/2005/8/layout/orgChart1"/>
+    <dgm:cxn modelId="{692E9EB1-1A90-40CA-A08A-F0A55715CB5A}" type="presParOf" srcId="{365AFF45-C4F3-44A1-BB62-D6372C76F5B2}" destId="{B8E7E43D-2055-443D-8733-F9EDFCC35A3D}" srcOrd="0" destOrd="0" presId="urn:microsoft.com/office/officeart/2005/8/layout/orgChart1"/>
+    <dgm:cxn modelId="{5742FE98-AE1B-4FD9-945F-78AFCCA3DC3A}" type="presParOf" srcId="{B8E7E43D-2055-443D-8733-F9EDFCC35A3D}" destId="{B1CD17D1-DF82-4A2F-AADA-AB8C3DF485DA}" srcOrd="0" destOrd="0" presId="urn:microsoft.com/office/officeart/2005/8/layout/orgChart1"/>
+    <dgm:cxn modelId="{278EB74B-F87C-4E2A-A6CF-AC326B3B7906}" type="presParOf" srcId="{B8E7E43D-2055-443D-8733-F9EDFCC35A3D}" destId="{AD9FB868-6141-45E2-8F2A-852DDBE0CDF6}" srcOrd="1" destOrd="0" presId="urn:microsoft.com/office/officeart/2005/8/layout/orgChart1"/>
+    <dgm:cxn modelId="{65E0D44C-2C33-4A81-A2A8-178491FDE1E0}" type="presParOf" srcId="{365AFF45-C4F3-44A1-BB62-D6372C76F5B2}" destId="{09A6A591-8920-4E0B-B843-00A48CE5C129}" srcOrd="1" destOrd="0" presId="urn:microsoft.com/office/officeart/2005/8/layout/orgChart1"/>
+    <dgm:cxn modelId="{D9FAA515-A0B3-4049-A76C-438E4687C4FB}" type="presParOf" srcId="{365AFF45-C4F3-44A1-BB62-D6372C76F5B2}" destId="{5F00E176-57E8-41EB-AFFF-A8E6EB34D17F}" srcOrd="2" destOrd="0" presId="urn:microsoft.com/office/officeart/2005/8/layout/orgChart1"/>
+    <dgm:cxn modelId="{E6C94D68-5EE9-4834-A54E-3AC54316B5BD}" type="presParOf" srcId="{F9A74218-A206-484C-BE81-863D87BAD5EA}" destId="{6CF10711-ACC3-44AE-B823-4450C12507BE}" srcOrd="2" destOrd="0" presId="urn:microsoft.com/office/officeart/2005/8/layout/orgChart1"/>
+    <dgm:cxn modelId="{1010832E-D9FC-4ED2-9D5C-3677E2C5B09A}" type="presParOf" srcId="{22A09666-9F44-467D-B8F5-7FC95D7206C2}" destId="{81CE6E57-DEFC-45CD-853F-3F6AA65BEC9A}" srcOrd="2" destOrd="0" presId="urn:microsoft.com/office/officeart/2005/8/layout/orgChart1"/>
+    <dgm:cxn modelId="{6CB3D4E9-38FF-426F-AAF6-CDAC478358A1}" type="presParOf" srcId="{FC7F133D-6DB9-493A-A34F-BE29CE88C4B1}" destId="{7CAFE7D4-8656-418C-B418-2C0D9D3A2391}" srcOrd="2" destOrd="0" presId="urn:microsoft.com/office/officeart/2005/8/layout/orgChart1"/>
   </dgm:cxnLst>
   <dgm:bg/>
   <dgm:whole/>
@@ -4460,6 +6440,1698 @@
 </dsp:drawing>
 </file>
 
+<file path=ppt/diagrams/drawing2.xml><?xml version="1.0" encoding="utf-8"?>
+<dsp:drawing xmlns:dgm="http://schemas.openxmlformats.org/drawingml/2006/diagram" xmlns:dsp="http://schemas.microsoft.com/office/drawing/2008/diagram" xmlns:a="http://schemas.openxmlformats.org/drawingml/2006/main">
+  <dsp:spTree>
+    <dsp:nvGrpSpPr>
+      <dsp:cNvPr id="0" name=""/>
+      <dsp:cNvGrpSpPr/>
+    </dsp:nvGrpSpPr>
+    <dsp:grpSpPr/>
+    <dsp:sp modelId="{C7C9B307-FA96-4A7A-82BD-8D63B0B7B693}">
+      <dsp:nvSpPr>
+        <dsp:cNvPr id="0" name=""/>
+        <dsp:cNvSpPr/>
+      </dsp:nvSpPr>
+      <dsp:spPr>
+        <a:xfrm>
+          <a:off x="5712940" y="2192863"/>
+          <a:ext cx="1379662" cy="239445"/>
+        </a:xfrm>
+        <a:custGeom>
+          <a:avLst/>
+          <a:gdLst/>
+          <a:ahLst/>
+          <a:cxnLst/>
+          <a:rect l="0" t="0" r="0" b="0"/>
+          <a:pathLst>
+            <a:path>
+              <a:moveTo>
+                <a:pt x="0" y="0"/>
+              </a:moveTo>
+              <a:lnTo>
+                <a:pt x="0" y="119722"/>
+              </a:lnTo>
+              <a:lnTo>
+                <a:pt x="1379662" y="119722"/>
+              </a:lnTo>
+              <a:lnTo>
+                <a:pt x="1379662" y="239445"/>
+              </a:lnTo>
+            </a:path>
+          </a:pathLst>
+        </a:custGeom>
+        <a:noFill/>
+        <a:ln w="12700" cap="flat" cmpd="sng" algn="ctr">
+          <a:solidFill>
+            <a:schemeClr val="accent1">
+              <a:shade val="80000"/>
+              <a:hueOff val="0"/>
+              <a:satOff val="0"/>
+              <a:lumOff val="0"/>
+              <a:alphaOff val="0"/>
+            </a:schemeClr>
+          </a:solidFill>
+          <a:prstDash val="solid"/>
+          <a:miter lim="800000"/>
+        </a:ln>
+        <a:effectLst/>
+      </dsp:spPr>
+      <dsp:style>
+        <a:lnRef idx="2">
+          <a:scrgbClr r="0" g="0" b="0"/>
+        </a:lnRef>
+        <a:fillRef idx="0">
+          <a:scrgbClr r="0" g="0" b="0"/>
+        </a:fillRef>
+        <a:effectRef idx="0">
+          <a:scrgbClr r="0" g="0" b="0"/>
+        </a:effectRef>
+        <a:fontRef idx="minor"/>
+      </dsp:style>
+    </dsp:sp>
+    <dsp:sp modelId="{0F7FC9CB-B1F6-4B3D-9B23-D1C7DA004260}">
+      <dsp:nvSpPr>
+        <dsp:cNvPr id="0" name=""/>
+        <dsp:cNvSpPr/>
+      </dsp:nvSpPr>
+      <dsp:spPr>
+        <a:xfrm>
+          <a:off x="5946684" y="3811971"/>
+          <a:ext cx="171032" cy="2143607"/>
+        </a:xfrm>
+        <a:custGeom>
+          <a:avLst/>
+          <a:gdLst/>
+          <a:ahLst/>
+          <a:cxnLst/>
+          <a:rect l="0" t="0" r="0" b="0"/>
+          <a:pathLst>
+            <a:path>
+              <a:moveTo>
+                <a:pt x="0" y="0"/>
+              </a:moveTo>
+              <a:lnTo>
+                <a:pt x="0" y="2143607"/>
+              </a:lnTo>
+              <a:lnTo>
+                <a:pt x="171032" y="2143607"/>
+              </a:lnTo>
+            </a:path>
+          </a:pathLst>
+        </a:custGeom>
+        <a:noFill/>
+        <a:ln w="12700" cap="flat" cmpd="sng" algn="ctr">
+          <a:solidFill>
+            <a:schemeClr val="accent1">
+              <a:shade val="80000"/>
+              <a:hueOff val="0"/>
+              <a:satOff val="0"/>
+              <a:lumOff val="0"/>
+              <a:alphaOff val="0"/>
+            </a:schemeClr>
+          </a:solidFill>
+          <a:prstDash val="solid"/>
+          <a:miter lim="800000"/>
+        </a:ln>
+        <a:effectLst/>
+      </dsp:spPr>
+      <dsp:style>
+        <a:lnRef idx="2">
+          <a:scrgbClr r="0" g="0" b="0"/>
+        </a:lnRef>
+        <a:fillRef idx="0">
+          <a:scrgbClr r="0" g="0" b="0"/>
+        </a:fillRef>
+        <a:effectRef idx="0">
+          <a:scrgbClr r="0" g="0" b="0"/>
+        </a:effectRef>
+        <a:fontRef idx="minor"/>
+      </dsp:style>
+    </dsp:sp>
+    <dsp:sp modelId="{AFEC6BB6-FAD4-46C8-B17E-C767A480C883}">
+      <dsp:nvSpPr>
+        <dsp:cNvPr id="0" name=""/>
+        <dsp:cNvSpPr/>
+      </dsp:nvSpPr>
+      <dsp:spPr>
+        <a:xfrm>
+          <a:off x="5946684" y="3811971"/>
+          <a:ext cx="171032" cy="1334053"/>
+        </a:xfrm>
+        <a:custGeom>
+          <a:avLst/>
+          <a:gdLst/>
+          <a:ahLst/>
+          <a:cxnLst/>
+          <a:rect l="0" t="0" r="0" b="0"/>
+          <a:pathLst>
+            <a:path>
+              <a:moveTo>
+                <a:pt x="0" y="0"/>
+              </a:moveTo>
+              <a:lnTo>
+                <a:pt x="0" y="1334053"/>
+              </a:lnTo>
+              <a:lnTo>
+                <a:pt x="171032" y="1334053"/>
+              </a:lnTo>
+            </a:path>
+          </a:pathLst>
+        </a:custGeom>
+        <a:noFill/>
+        <a:ln w="12700" cap="flat" cmpd="sng" algn="ctr">
+          <a:solidFill>
+            <a:schemeClr val="accent1">
+              <a:shade val="80000"/>
+              <a:hueOff val="0"/>
+              <a:satOff val="0"/>
+              <a:lumOff val="0"/>
+              <a:alphaOff val="0"/>
+            </a:schemeClr>
+          </a:solidFill>
+          <a:prstDash val="solid"/>
+          <a:miter lim="800000"/>
+        </a:ln>
+        <a:effectLst/>
+      </dsp:spPr>
+      <dsp:style>
+        <a:lnRef idx="2">
+          <a:scrgbClr r="0" g="0" b="0"/>
+        </a:lnRef>
+        <a:fillRef idx="0">
+          <a:scrgbClr r="0" g="0" b="0"/>
+        </a:fillRef>
+        <a:effectRef idx="0">
+          <a:scrgbClr r="0" g="0" b="0"/>
+        </a:effectRef>
+        <a:fontRef idx="minor"/>
+      </dsp:style>
+    </dsp:sp>
+    <dsp:sp modelId="{B9068F76-495D-484C-9F7F-5C14067EEBAB}">
+      <dsp:nvSpPr>
+        <dsp:cNvPr id="0" name=""/>
+        <dsp:cNvSpPr/>
+      </dsp:nvSpPr>
+      <dsp:spPr>
+        <a:xfrm>
+          <a:off x="5946684" y="3811971"/>
+          <a:ext cx="171032" cy="524499"/>
+        </a:xfrm>
+        <a:custGeom>
+          <a:avLst/>
+          <a:gdLst/>
+          <a:ahLst/>
+          <a:cxnLst/>
+          <a:rect l="0" t="0" r="0" b="0"/>
+          <a:pathLst>
+            <a:path>
+              <a:moveTo>
+                <a:pt x="0" y="0"/>
+              </a:moveTo>
+              <a:lnTo>
+                <a:pt x="0" y="524499"/>
+              </a:lnTo>
+              <a:lnTo>
+                <a:pt x="171032" y="524499"/>
+              </a:lnTo>
+            </a:path>
+          </a:pathLst>
+        </a:custGeom>
+        <a:noFill/>
+        <a:ln w="12700" cap="flat" cmpd="sng" algn="ctr">
+          <a:solidFill>
+            <a:schemeClr val="accent1">
+              <a:shade val="80000"/>
+              <a:hueOff val="0"/>
+              <a:satOff val="0"/>
+              <a:lumOff val="0"/>
+              <a:alphaOff val="0"/>
+            </a:schemeClr>
+          </a:solidFill>
+          <a:prstDash val="solid"/>
+          <a:miter lim="800000"/>
+        </a:ln>
+        <a:effectLst/>
+      </dsp:spPr>
+      <dsp:style>
+        <a:lnRef idx="2">
+          <a:scrgbClr r="0" g="0" b="0"/>
+        </a:lnRef>
+        <a:fillRef idx="0">
+          <a:scrgbClr r="0" g="0" b="0"/>
+        </a:fillRef>
+        <a:effectRef idx="0">
+          <a:scrgbClr r="0" g="0" b="0"/>
+        </a:effectRef>
+        <a:fontRef idx="minor"/>
+      </dsp:style>
+    </dsp:sp>
+    <dsp:sp modelId="{E59A1A52-DD6A-436B-8835-07F00C55665B}">
+      <dsp:nvSpPr>
+        <dsp:cNvPr id="0" name=""/>
+        <dsp:cNvSpPr/>
+      </dsp:nvSpPr>
+      <dsp:spPr>
+        <a:xfrm>
+          <a:off x="5712940" y="3002417"/>
+          <a:ext cx="689831" cy="239445"/>
+        </a:xfrm>
+        <a:custGeom>
+          <a:avLst/>
+          <a:gdLst/>
+          <a:ahLst/>
+          <a:cxnLst/>
+          <a:rect l="0" t="0" r="0" b="0"/>
+          <a:pathLst>
+            <a:path>
+              <a:moveTo>
+                <a:pt x="0" y="0"/>
+              </a:moveTo>
+              <a:lnTo>
+                <a:pt x="0" y="119722"/>
+              </a:lnTo>
+              <a:lnTo>
+                <a:pt x="689831" y="119722"/>
+              </a:lnTo>
+              <a:lnTo>
+                <a:pt x="689831" y="239445"/>
+              </a:lnTo>
+            </a:path>
+          </a:pathLst>
+        </a:custGeom>
+        <a:noFill/>
+        <a:ln w="12700" cap="flat" cmpd="sng" algn="ctr">
+          <a:solidFill>
+            <a:schemeClr val="accent1">
+              <a:shade val="80000"/>
+              <a:hueOff val="0"/>
+              <a:satOff val="0"/>
+              <a:lumOff val="0"/>
+              <a:alphaOff val="0"/>
+            </a:schemeClr>
+          </a:solidFill>
+          <a:prstDash val="solid"/>
+          <a:miter lim="800000"/>
+        </a:ln>
+        <a:effectLst/>
+      </dsp:spPr>
+      <dsp:style>
+        <a:lnRef idx="2">
+          <a:scrgbClr r="0" g="0" b="0"/>
+        </a:lnRef>
+        <a:fillRef idx="0">
+          <a:scrgbClr r="0" g="0" b="0"/>
+        </a:fillRef>
+        <a:effectRef idx="0">
+          <a:scrgbClr r="0" g="0" b="0"/>
+        </a:effectRef>
+        <a:fontRef idx="minor"/>
+      </dsp:style>
+    </dsp:sp>
+    <dsp:sp modelId="{CD86E098-CD8D-4A96-99FB-223B6C866854}">
+      <dsp:nvSpPr>
+        <dsp:cNvPr id="0" name=""/>
+        <dsp:cNvSpPr/>
+      </dsp:nvSpPr>
+      <dsp:spPr>
+        <a:xfrm>
+          <a:off x="4567022" y="3811971"/>
+          <a:ext cx="171032" cy="524499"/>
+        </a:xfrm>
+        <a:custGeom>
+          <a:avLst/>
+          <a:gdLst/>
+          <a:ahLst/>
+          <a:cxnLst/>
+          <a:rect l="0" t="0" r="0" b="0"/>
+          <a:pathLst>
+            <a:path>
+              <a:moveTo>
+                <a:pt x="0" y="0"/>
+              </a:moveTo>
+              <a:lnTo>
+                <a:pt x="0" y="524499"/>
+              </a:lnTo>
+              <a:lnTo>
+                <a:pt x="171032" y="524499"/>
+              </a:lnTo>
+            </a:path>
+          </a:pathLst>
+        </a:custGeom>
+        <a:noFill/>
+        <a:ln w="12700" cap="flat" cmpd="sng" algn="ctr">
+          <a:solidFill>
+            <a:schemeClr val="accent1">
+              <a:shade val="80000"/>
+              <a:hueOff val="0"/>
+              <a:satOff val="0"/>
+              <a:lumOff val="0"/>
+              <a:alphaOff val="0"/>
+            </a:schemeClr>
+          </a:solidFill>
+          <a:prstDash val="solid"/>
+          <a:miter lim="800000"/>
+        </a:ln>
+        <a:effectLst/>
+      </dsp:spPr>
+      <dsp:style>
+        <a:lnRef idx="2">
+          <a:scrgbClr r="0" g="0" b="0"/>
+        </a:lnRef>
+        <a:fillRef idx="0">
+          <a:scrgbClr r="0" g="0" b="0"/>
+        </a:fillRef>
+        <a:effectRef idx="0">
+          <a:scrgbClr r="0" g="0" b="0"/>
+        </a:effectRef>
+        <a:fontRef idx="minor"/>
+      </dsp:style>
+    </dsp:sp>
+    <dsp:sp modelId="{5724ADF9-0484-4366-AB88-2514C44F8439}">
+      <dsp:nvSpPr>
+        <dsp:cNvPr id="0" name=""/>
+        <dsp:cNvSpPr/>
+      </dsp:nvSpPr>
+      <dsp:spPr>
+        <a:xfrm>
+          <a:off x="5023109" y="3002417"/>
+          <a:ext cx="689831" cy="239445"/>
+        </a:xfrm>
+        <a:custGeom>
+          <a:avLst/>
+          <a:gdLst/>
+          <a:ahLst/>
+          <a:cxnLst/>
+          <a:rect l="0" t="0" r="0" b="0"/>
+          <a:pathLst>
+            <a:path>
+              <a:moveTo>
+                <a:pt x="689831" y="0"/>
+              </a:moveTo>
+              <a:lnTo>
+                <a:pt x="689831" y="119722"/>
+              </a:lnTo>
+              <a:lnTo>
+                <a:pt x="0" y="119722"/>
+              </a:lnTo>
+              <a:lnTo>
+                <a:pt x="0" y="239445"/>
+              </a:lnTo>
+            </a:path>
+          </a:pathLst>
+        </a:custGeom>
+        <a:noFill/>
+        <a:ln w="12700" cap="flat" cmpd="sng" algn="ctr">
+          <a:solidFill>
+            <a:schemeClr val="accent1">
+              <a:shade val="80000"/>
+              <a:hueOff val="0"/>
+              <a:satOff val="0"/>
+              <a:lumOff val="0"/>
+              <a:alphaOff val="0"/>
+            </a:schemeClr>
+          </a:solidFill>
+          <a:prstDash val="solid"/>
+          <a:miter lim="800000"/>
+        </a:ln>
+        <a:effectLst/>
+      </dsp:spPr>
+      <dsp:style>
+        <a:lnRef idx="2">
+          <a:scrgbClr r="0" g="0" b="0"/>
+        </a:lnRef>
+        <a:fillRef idx="0">
+          <a:scrgbClr r="0" g="0" b="0"/>
+        </a:fillRef>
+        <a:effectRef idx="0">
+          <a:scrgbClr r="0" g="0" b="0"/>
+        </a:effectRef>
+        <a:fontRef idx="minor"/>
+      </dsp:style>
+    </dsp:sp>
+    <dsp:sp modelId="{95CCEF82-BAA6-4C64-8A4C-0C0D5EF5FAB5}">
+      <dsp:nvSpPr>
+        <dsp:cNvPr id="0" name=""/>
+        <dsp:cNvSpPr/>
+      </dsp:nvSpPr>
+      <dsp:spPr>
+        <a:xfrm>
+          <a:off x="5667220" y="2192863"/>
+          <a:ext cx="91440" cy="239445"/>
+        </a:xfrm>
+        <a:custGeom>
+          <a:avLst/>
+          <a:gdLst/>
+          <a:ahLst/>
+          <a:cxnLst/>
+          <a:rect l="0" t="0" r="0" b="0"/>
+          <a:pathLst>
+            <a:path>
+              <a:moveTo>
+                <a:pt x="45720" y="0"/>
+              </a:moveTo>
+              <a:lnTo>
+                <a:pt x="45720" y="239445"/>
+              </a:lnTo>
+            </a:path>
+          </a:pathLst>
+        </a:custGeom>
+        <a:noFill/>
+        <a:ln w="12700" cap="flat" cmpd="sng" algn="ctr">
+          <a:solidFill>
+            <a:schemeClr val="accent1">
+              <a:shade val="80000"/>
+              <a:hueOff val="0"/>
+              <a:satOff val="0"/>
+              <a:lumOff val="0"/>
+              <a:alphaOff val="0"/>
+            </a:schemeClr>
+          </a:solidFill>
+          <a:prstDash val="solid"/>
+          <a:miter lim="800000"/>
+        </a:ln>
+        <a:effectLst/>
+      </dsp:spPr>
+      <dsp:style>
+        <a:lnRef idx="2">
+          <a:scrgbClr r="0" g="0" b="0"/>
+        </a:lnRef>
+        <a:fillRef idx="0">
+          <a:scrgbClr r="0" g="0" b="0"/>
+        </a:fillRef>
+        <a:effectRef idx="0">
+          <a:scrgbClr r="0" g="0" b="0"/>
+        </a:effectRef>
+        <a:fontRef idx="minor"/>
+      </dsp:style>
+    </dsp:sp>
+    <dsp:sp modelId="{DF97FF2A-03AA-4FBF-BA63-86D95D65435F}">
+      <dsp:nvSpPr>
+        <dsp:cNvPr id="0" name=""/>
+        <dsp:cNvSpPr/>
+      </dsp:nvSpPr>
+      <dsp:spPr>
+        <a:xfrm>
+          <a:off x="4333277" y="2192863"/>
+          <a:ext cx="1379662" cy="239445"/>
+        </a:xfrm>
+        <a:custGeom>
+          <a:avLst/>
+          <a:gdLst/>
+          <a:ahLst/>
+          <a:cxnLst/>
+          <a:rect l="0" t="0" r="0" b="0"/>
+          <a:pathLst>
+            <a:path>
+              <a:moveTo>
+                <a:pt x="1379662" y="0"/>
+              </a:moveTo>
+              <a:lnTo>
+                <a:pt x="1379662" y="119722"/>
+              </a:lnTo>
+              <a:lnTo>
+                <a:pt x="0" y="119722"/>
+              </a:lnTo>
+              <a:lnTo>
+                <a:pt x="0" y="239445"/>
+              </a:lnTo>
+            </a:path>
+          </a:pathLst>
+        </a:custGeom>
+        <a:noFill/>
+        <a:ln w="12700" cap="flat" cmpd="sng" algn="ctr">
+          <a:solidFill>
+            <a:schemeClr val="accent1">
+              <a:shade val="80000"/>
+              <a:hueOff val="0"/>
+              <a:satOff val="0"/>
+              <a:lumOff val="0"/>
+              <a:alphaOff val="0"/>
+            </a:schemeClr>
+          </a:solidFill>
+          <a:prstDash val="solid"/>
+          <a:miter lim="800000"/>
+        </a:ln>
+        <a:effectLst/>
+      </dsp:spPr>
+      <dsp:style>
+        <a:lnRef idx="2">
+          <a:scrgbClr r="0" g="0" b="0"/>
+        </a:lnRef>
+        <a:fillRef idx="0">
+          <a:scrgbClr r="0" g="0" b="0"/>
+        </a:fillRef>
+        <a:effectRef idx="0">
+          <a:scrgbClr r="0" g="0" b="0"/>
+        </a:effectRef>
+        <a:fontRef idx="minor"/>
+      </dsp:style>
+    </dsp:sp>
+    <dsp:sp modelId="{111D8ED4-37F5-473E-85C4-08B89D2235BE}">
+      <dsp:nvSpPr>
+        <dsp:cNvPr id="0" name=""/>
+        <dsp:cNvSpPr/>
+      </dsp:nvSpPr>
+      <dsp:spPr>
+        <a:xfrm>
+          <a:off x="5023109" y="1383309"/>
+          <a:ext cx="689831" cy="239445"/>
+        </a:xfrm>
+        <a:custGeom>
+          <a:avLst/>
+          <a:gdLst/>
+          <a:ahLst/>
+          <a:cxnLst/>
+          <a:rect l="0" t="0" r="0" b="0"/>
+          <a:pathLst>
+            <a:path>
+              <a:moveTo>
+                <a:pt x="0" y="0"/>
+              </a:moveTo>
+              <a:lnTo>
+                <a:pt x="0" y="119722"/>
+              </a:lnTo>
+              <a:lnTo>
+                <a:pt x="689831" y="119722"/>
+              </a:lnTo>
+              <a:lnTo>
+                <a:pt x="689831" y="239445"/>
+              </a:lnTo>
+            </a:path>
+          </a:pathLst>
+        </a:custGeom>
+        <a:noFill/>
+        <a:ln w="12700" cap="flat" cmpd="sng" algn="ctr">
+          <a:solidFill>
+            <a:schemeClr val="accent1">
+              <a:shade val="80000"/>
+              <a:hueOff val="0"/>
+              <a:satOff val="0"/>
+              <a:lumOff val="0"/>
+              <a:alphaOff val="0"/>
+            </a:schemeClr>
+          </a:solidFill>
+          <a:prstDash val="solid"/>
+          <a:miter lim="800000"/>
+        </a:ln>
+        <a:effectLst/>
+      </dsp:spPr>
+      <dsp:style>
+        <a:lnRef idx="2">
+          <a:scrgbClr r="0" g="0" b="0"/>
+        </a:lnRef>
+        <a:fillRef idx="0">
+          <a:scrgbClr r="0" g="0" b="0"/>
+        </a:fillRef>
+        <a:effectRef idx="0">
+          <a:scrgbClr r="0" g="0" b="0"/>
+        </a:effectRef>
+        <a:fontRef idx="minor"/>
+      </dsp:style>
+    </dsp:sp>
+    <dsp:sp modelId="{4CD83B0E-8EF8-49C2-AE91-2B4F1BBF5AE1}">
+      <dsp:nvSpPr>
+        <dsp:cNvPr id="0" name=""/>
+        <dsp:cNvSpPr/>
+      </dsp:nvSpPr>
+      <dsp:spPr>
+        <a:xfrm>
+          <a:off x="4333277" y="1383309"/>
+          <a:ext cx="689831" cy="239445"/>
+        </a:xfrm>
+        <a:custGeom>
+          <a:avLst/>
+          <a:gdLst/>
+          <a:ahLst/>
+          <a:cxnLst/>
+          <a:rect l="0" t="0" r="0" b="0"/>
+          <a:pathLst>
+            <a:path>
+              <a:moveTo>
+                <a:pt x="689831" y="0"/>
+              </a:moveTo>
+              <a:lnTo>
+                <a:pt x="689831" y="119722"/>
+              </a:lnTo>
+              <a:lnTo>
+                <a:pt x="0" y="119722"/>
+              </a:lnTo>
+              <a:lnTo>
+                <a:pt x="0" y="239445"/>
+              </a:lnTo>
+            </a:path>
+          </a:pathLst>
+        </a:custGeom>
+        <a:noFill/>
+        <a:ln w="12700" cap="flat" cmpd="sng" algn="ctr">
+          <a:solidFill>
+            <a:schemeClr val="accent1">
+              <a:shade val="80000"/>
+              <a:hueOff val="0"/>
+              <a:satOff val="0"/>
+              <a:lumOff val="0"/>
+              <a:alphaOff val="0"/>
+            </a:schemeClr>
+          </a:solidFill>
+          <a:prstDash val="solid"/>
+          <a:miter lim="800000"/>
+        </a:ln>
+        <a:effectLst/>
+      </dsp:spPr>
+      <dsp:style>
+        <a:lnRef idx="2">
+          <a:scrgbClr r="0" g="0" b="0"/>
+        </a:lnRef>
+        <a:fillRef idx="0">
+          <a:scrgbClr r="0" g="0" b="0"/>
+        </a:fillRef>
+        <a:effectRef idx="0">
+          <a:scrgbClr r="0" g="0" b="0"/>
+        </a:effectRef>
+        <a:fontRef idx="minor"/>
+      </dsp:style>
+    </dsp:sp>
+    <dsp:sp modelId="{76FE5FC5-973E-4204-8622-2FB5BB0C6BD4}">
+      <dsp:nvSpPr>
+        <dsp:cNvPr id="0" name=""/>
+        <dsp:cNvSpPr/>
+      </dsp:nvSpPr>
+      <dsp:spPr>
+        <a:xfrm>
+          <a:off x="4977389" y="573755"/>
+          <a:ext cx="91440" cy="239445"/>
+        </a:xfrm>
+        <a:custGeom>
+          <a:avLst/>
+          <a:gdLst/>
+          <a:ahLst/>
+          <a:cxnLst/>
+          <a:rect l="0" t="0" r="0" b="0"/>
+          <a:pathLst>
+            <a:path>
+              <a:moveTo>
+                <a:pt x="45720" y="0"/>
+              </a:moveTo>
+              <a:lnTo>
+                <a:pt x="45720" y="239445"/>
+              </a:lnTo>
+            </a:path>
+          </a:pathLst>
+        </a:custGeom>
+        <a:noFill/>
+        <a:ln w="12700" cap="flat" cmpd="sng" algn="ctr">
+          <a:solidFill>
+            <a:schemeClr val="accent1">
+              <a:shade val="60000"/>
+              <a:hueOff val="0"/>
+              <a:satOff val="0"/>
+              <a:lumOff val="0"/>
+              <a:alphaOff val="0"/>
+            </a:schemeClr>
+          </a:solidFill>
+          <a:prstDash val="solid"/>
+          <a:miter lim="800000"/>
+        </a:ln>
+        <a:effectLst/>
+      </dsp:spPr>
+      <dsp:style>
+        <a:lnRef idx="2">
+          <a:scrgbClr r="0" g="0" b="0"/>
+        </a:lnRef>
+        <a:fillRef idx="0">
+          <a:scrgbClr r="0" g="0" b="0"/>
+        </a:fillRef>
+        <a:effectRef idx="0">
+          <a:scrgbClr r="0" g="0" b="0"/>
+        </a:effectRef>
+        <a:fontRef idx="minor"/>
+      </dsp:style>
+    </dsp:sp>
+    <dsp:sp modelId="{2AECE1B2-E6FE-4EDE-9CAA-F9D18E7AB282}">
+      <dsp:nvSpPr>
+        <dsp:cNvPr id="0" name=""/>
+        <dsp:cNvSpPr/>
+      </dsp:nvSpPr>
+      <dsp:spPr>
+        <a:xfrm>
+          <a:off x="4453000" y="3646"/>
+          <a:ext cx="1140217" cy="570108"/>
+        </a:xfrm>
+        <a:prstGeom prst="rect">
+          <a:avLst/>
+        </a:prstGeom>
+        <a:solidFill>
+          <a:schemeClr val="accent6"/>
+        </a:solidFill>
+        <a:ln w="12700" cap="flat" cmpd="sng" algn="ctr">
+          <a:solidFill>
+            <a:schemeClr val="accent6">
+              <a:shade val="50000"/>
+            </a:schemeClr>
+          </a:solidFill>
+          <a:prstDash val="solid"/>
+          <a:miter lim="800000"/>
+        </a:ln>
+        <a:effectLst/>
+      </dsp:spPr>
+      <dsp:style>
+        <a:lnRef idx="2">
+          <a:schemeClr val="accent6">
+            <a:shade val="50000"/>
+          </a:schemeClr>
+        </a:lnRef>
+        <a:fillRef idx="1">
+          <a:schemeClr val="accent6"/>
+        </a:fillRef>
+        <a:effectRef idx="0">
+          <a:schemeClr val="accent6"/>
+        </a:effectRef>
+        <a:fontRef idx="minor">
+          <a:schemeClr val="lt1"/>
+        </a:fontRef>
+      </dsp:style>
+      <dsp:txBody>
+        <a:bodyPr spcFirstLastPara="0" vert="horz" wrap="square" lIns="6985" tIns="6985" rIns="6985" bIns="6985" numCol="1" spcCol="1270" anchor="ctr" anchorCtr="0">
+          <a:noAutofit/>
+        </a:bodyPr>
+        <a:lstStyle/>
+        <a:p>
+          <a:pPr marL="0" lvl="0" indent="0" algn="ctr" defTabSz="488950">
+            <a:lnSpc>
+              <a:spcPct val="90000"/>
+            </a:lnSpc>
+            <a:spcBef>
+              <a:spcPct val="0"/>
+            </a:spcBef>
+            <a:spcAft>
+              <a:spcPct val="35000"/>
+            </a:spcAft>
+            <a:buNone/>
+          </a:pPr>
+          <a:r>
+            <a:rPr lang="en-US" sz="1100" kern="1200" dirty="0"/>
+            <a:t>Clients/Population</a:t>
+          </a:r>
+        </a:p>
+      </dsp:txBody>
+      <dsp:txXfrm>
+        <a:off x="4453000" y="3646"/>
+        <a:ext cx="1140217" cy="570108"/>
+      </dsp:txXfrm>
+    </dsp:sp>
+    <dsp:sp modelId="{606FE52F-EBA7-4B20-9701-C488CC4F3A40}">
+      <dsp:nvSpPr>
+        <dsp:cNvPr id="0" name=""/>
+        <dsp:cNvSpPr/>
+      </dsp:nvSpPr>
+      <dsp:spPr>
+        <a:xfrm>
+          <a:off x="4453000" y="813201"/>
+          <a:ext cx="1140217" cy="570108"/>
+        </a:xfrm>
+        <a:prstGeom prst="rect">
+          <a:avLst/>
+        </a:prstGeom>
+        <a:solidFill>
+          <a:schemeClr val="accent4"/>
+        </a:solidFill>
+        <a:ln w="12700" cap="flat" cmpd="sng" algn="ctr">
+          <a:solidFill>
+            <a:schemeClr val="accent4">
+              <a:shade val="50000"/>
+            </a:schemeClr>
+          </a:solidFill>
+          <a:prstDash val="solid"/>
+          <a:miter lim="800000"/>
+        </a:ln>
+        <a:effectLst/>
+      </dsp:spPr>
+      <dsp:style>
+        <a:lnRef idx="2">
+          <a:schemeClr val="accent4">
+            <a:shade val="50000"/>
+          </a:schemeClr>
+        </a:lnRef>
+        <a:fillRef idx="1">
+          <a:schemeClr val="accent4"/>
+        </a:fillRef>
+        <a:effectRef idx="0">
+          <a:schemeClr val="accent4"/>
+        </a:effectRef>
+        <a:fontRef idx="minor">
+          <a:schemeClr val="lt1"/>
+        </a:fontRef>
+      </dsp:style>
+      <dsp:txBody>
+        <a:bodyPr spcFirstLastPara="0" vert="horz" wrap="square" lIns="6985" tIns="6985" rIns="6985" bIns="6985" numCol="1" spcCol="1270" anchor="ctr" anchorCtr="0">
+          <a:noAutofit/>
+        </a:bodyPr>
+        <a:lstStyle/>
+        <a:p>
+          <a:pPr marL="0" lvl="0" indent="0" algn="ctr" defTabSz="488950">
+            <a:lnSpc>
+              <a:spcPct val="90000"/>
+            </a:lnSpc>
+            <a:spcBef>
+              <a:spcPct val="0"/>
+            </a:spcBef>
+            <a:spcAft>
+              <a:spcPct val="35000"/>
+            </a:spcAft>
+            <a:buNone/>
+          </a:pPr>
+          <a:r>
+            <a:rPr lang="en-US" sz="1100" kern="1200" dirty="0"/>
+            <a:t>Species</a:t>
+          </a:r>
+        </a:p>
+      </dsp:txBody>
+      <dsp:txXfrm>
+        <a:off x="4453000" y="813201"/>
+        <a:ext cx="1140217" cy="570108"/>
+      </dsp:txXfrm>
+    </dsp:sp>
+    <dsp:sp modelId="{34B967F6-C01A-4942-AE74-ECB79951D068}">
+      <dsp:nvSpPr>
+        <dsp:cNvPr id="0" name=""/>
+        <dsp:cNvSpPr/>
+      </dsp:nvSpPr>
+      <dsp:spPr>
+        <a:xfrm>
+          <a:off x="3763169" y="1622755"/>
+          <a:ext cx="1140217" cy="570108"/>
+        </a:xfrm>
+        <a:prstGeom prst="rect">
+          <a:avLst/>
+        </a:prstGeom>
+        <a:solidFill>
+          <a:schemeClr val="accent1"/>
+        </a:solidFill>
+        <a:ln w="19050" cap="flat" cmpd="sng" algn="ctr">
+          <a:solidFill>
+            <a:schemeClr val="lt1"/>
+          </a:solidFill>
+          <a:prstDash val="solid"/>
+          <a:miter lim="800000"/>
+        </a:ln>
+        <a:effectLst/>
+      </dsp:spPr>
+      <dsp:style>
+        <a:lnRef idx="3">
+          <a:schemeClr val="lt1"/>
+        </a:lnRef>
+        <a:fillRef idx="1">
+          <a:schemeClr val="accent1"/>
+        </a:fillRef>
+        <a:effectRef idx="1">
+          <a:schemeClr val="accent1"/>
+        </a:effectRef>
+        <a:fontRef idx="minor">
+          <a:schemeClr val="lt1"/>
+        </a:fontRef>
+      </dsp:style>
+      <dsp:txBody>
+        <a:bodyPr spcFirstLastPara="0" vert="horz" wrap="square" lIns="6985" tIns="6985" rIns="6985" bIns="6985" numCol="1" spcCol="1270" anchor="ctr" anchorCtr="0">
+          <a:noAutofit/>
+        </a:bodyPr>
+        <a:lstStyle/>
+        <a:p>
+          <a:pPr marL="0" lvl="0" indent="0" algn="ctr" defTabSz="488950">
+            <a:lnSpc>
+              <a:spcPct val="90000"/>
+            </a:lnSpc>
+            <a:spcBef>
+              <a:spcPct val="0"/>
+            </a:spcBef>
+            <a:spcAft>
+              <a:spcPct val="35000"/>
+            </a:spcAft>
+            <a:buNone/>
+          </a:pPr>
+          <a:r>
+            <a:rPr lang="en-US" sz="1100" kern="1200" dirty="0"/>
+            <a:t>Representative</a:t>
+          </a:r>
+        </a:p>
+      </dsp:txBody>
+      <dsp:txXfrm>
+        <a:off x="3763169" y="1622755"/>
+        <a:ext cx="1140217" cy="570108"/>
+      </dsp:txXfrm>
+    </dsp:sp>
+    <dsp:sp modelId="{9D8EFBAC-BC3E-4B75-85D5-709B66FCCE02}">
+      <dsp:nvSpPr>
+        <dsp:cNvPr id="0" name=""/>
+        <dsp:cNvSpPr/>
+      </dsp:nvSpPr>
+      <dsp:spPr>
+        <a:xfrm>
+          <a:off x="5142831" y="1622755"/>
+          <a:ext cx="1140217" cy="570108"/>
+        </a:xfrm>
+        <a:prstGeom prst="rect">
+          <a:avLst/>
+        </a:prstGeom>
+        <a:solidFill>
+          <a:schemeClr val="accent2"/>
+        </a:solidFill>
+        <a:ln w="12700" cap="flat" cmpd="sng" algn="ctr">
+          <a:solidFill>
+            <a:schemeClr val="accent2">
+              <a:shade val="50000"/>
+            </a:schemeClr>
+          </a:solidFill>
+          <a:prstDash val="solid"/>
+          <a:miter lim="800000"/>
+        </a:ln>
+        <a:effectLst/>
+      </dsp:spPr>
+      <dsp:style>
+        <a:lnRef idx="2">
+          <a:schemeClr val="accent2">
+            <a:shade val="50000"/>
+          </a:schemeClr>
+        </a:lnRef>
+        <a:fillRef idx="1">
+          <a:schemeClr val="accent2"/>
+        </a:fillRef>
+        <a:effectRef idx="0">
+          <a:schemeClr val="accent2"/>
+        </a:effectRef>
+        <a:fontRef idx="minor">
+          <a:schemeClr val="lt1"/>
+        </a:fontRef>
+      </dsp:style>
+      <dsp:txBody>
+        <a:bodyPr spcFirstLastPara="0" vert="horz" wrap="square" lIns="6985" tIns="6985" rIns="6985" bIns="6985" numCol="1" spcCol="1270" anchor="ctr" anchorCtr="0">
+          <a:noAutofit/>
+        </a:bodyPr>
+        <a:lstStyle/>
+        <a:p>
+          <a:pPr marL="0" lvl="0" indent="0" algn="ctr" defTabSz="488950">
+            <a:lnSpc>
+              <a:spcPct val="90000"/>
+            </a:lnSpc>
+            <a:spcBef>
+              <a:spcPct val="0"/>
+            </a:spcBef>
+            <a:spcAft>
+              <a:spcPct val="35000"/>
+            </a:spcAft>
+            <a:buNone/>
+          </a:pPr>
+          <a:r>
+            <a:rPr lang="en-US" sz="1100" kern="1200" dirty="0"/>
+            <a:t>Genome</a:t>
+          </a:r>
+        </a:p>
+      </dsp:txBody>
+      <dsp:txXfrm>
+        <a:off x="5142831" y="1622755"/>
+        <a:ext cx="1140217" cy="570108"/>
+      </dsp:txXfrm>
+    </dsp:sp>
+    <dsp:sp modelId="{72E06786-B40B-4AF6-8A2B-66D8AD88C3E3}">
+      <dsp:nvSpPr>
+        <dsp:cNvPr id="0" name=""/>
+        <dsp:cNvSpPr/>
+      </dsp:nvSpPr>
+      <dsp:spPr>
+        <a:xfrm>
+          <a:off x="3763169" y="2432309"/>
+          <a:ext cx="1140217" cy="570108"/>
+        </a:xfrm>
+        <a:prstGeom prst="rect">
+          <a:avLst/>
+        </a:prstGeom>
+        <a:solidFill>
+          <a:schemeClr val="accent1"/>
+        </a:solidFill>
+        <a:ln w="19050" cap="flat" cmpd="sng" algn="ctr">
+          <a:solidFill>
+            <a:schemeClr val="lt1"/>
+          </a:solidFill>
+          <a:prstDash val="solid"/>
+          <a:miter lim="800000"/>
+        </a:ln>
+        <a:effectLst/>
+      </dsp:spPr>
+      <dsp:style>
+        <a:lnRef idx="3">
+          <a:schemeClr val="lt1"/>
+        </a:lnRef>
+        <a:fillRef idx="1">
+          <a:schemeClr val="accent1"/>
+        </a:fillRef>
+        <a:effectRef idx="1">
+          <a:schemeClr val="accent1"/>
+        </a:effectRef>
+        <a:fontRef idx="minor">
+          <a:schemeClr val="lt1"/>
+        </a:fontRef>
+      </dsp:style>
+      <dsp:txBody>
+        <a:bodyPr spcFirstLastPara="0" vert="horz" wrap="square" lIns="6985" tIns="6985" rIns="6985" bIns="6985" numCol="1" spcCol="1270" anchor="ctr" anchorCtr="0">
+          <a:noAutofit/>
+        </a:bodyPr>
+        <a:lstStyle/>
+        <a:p>
+          <a:pPr marL="0" lvl="0" indent="0" algn="ctr" defTabSz="488950">
+            <a:lnSpc>
+              <a:spcPct val="90000"/>
+            </a:lnSpc>
+            <a:spcBef>
+              <a:spcPct val="0"/>
+            </a:spcBef>
+            <a:spcAft>
+              <a:spcPct val="35000"/>
+            </a:spcAft>
+            <a:buNone/>
+          </a:pPr>
+          <a:r>
+            <a:rPr lang="en-US" sz="1100" kern="1200" dirty="0"/>
+            <a:t>Score</a:t>
+          </a:r>
+        </a:p>
+      </dsp:txBody>
+      <dsp:txXfrm>
+        <a:off x="3763169" y="2432309"/>
+        <a:ext cx="1140217" cy="570108"/>
+      </dsp:txXfrm>
+    </dsp:sp>
+    <dsp:sp modelId="{3F209EC6-2C3E-463A-93A1-3DDE11ED7B29}">
+      <dsp:nvSpPr>
+        <dsp:cNvPr id="0" name=""/>
+        <dsp:cNvSpPr/>
+      </dsp:nvSpPr>
+      <dsp:spPr>
+        <a:xfrm>
+          <a:off x="5142831" y="2432309"/>
+          <a:ext cx="1140217" cy="570108"/>
+        </a:xfrm>
+        <a:prstGeom prst="rect">
+          <a:avLst/>
+        </a:prstGeom>
+        <a:solidFill>
+          <a:schemeClr val="accent1"/>
+        </a:solidFill>
+        <a:ln w="19050" cap="flat" cmpd="sng" algn="ctr">
+          <a:solidFill>
+            <a:schemeClr val="lt1"/>
+          </a:solidFill>
+          <a:prstDash val="solid"/>
+          <a:miter lim="800000"/>
+        </a:ln>
+        <a:effectLst/>
+      </dsp:spPr>
+      <dsp:style>
+        <a:lnRef idx="3">
+          <a:schemeClr val="lt1"/>
+        </a:lnRef>
+        <a:fillRef idx="1">
+          <a:schemeClr val="accent1"/>
+        </a:fillRef>
+        <a:effectRef idx="1">
+          <a:schemeClr val="accent1"/>
+        </a:effectRef>
+        <a:fontRef idx="minor">
+          <a:schemeClr val="lt1"/>
+        </a:fontRef>
+      </dsp:style>
+      <dsp:txBody>
+        <a:bodyPr spcFirstLastPara="0" vert="horz" wrap="square" lIns="6985" tIns="6985" rIns="6985" bIns="6985" numCol="1" spcCol="1270" anchor="ctr" anchorCtr="0">
+          <a:noAutofit/>
+        </a:bodyPr>
+        <a:lstStyle/>
+        <a:p>
+          <a:pPr marL="0" lvl="0" indent="0" algn="ctr" defTabSz="488950">
+            <a:lnSpc>
+              <a:spcPct val="90000"/>
+            </a:lnSpc>
+            <a:spcBef>
+              <a:spcPct val="0"/>
+            </a:spcBef>
+            <a:spcAft>
+              <a:spcPct val="35000"/>
+            </a:spcAft>
+            <a:buNone/>
+          </a:pPr>
+          <a:r>
+            <a:rPr lang="en-US" sz="1100" kern="1200" dirty="0"/>
+            <a:t>Neat</a:t>
+          </a:r>
+        </a:p>
+      </dsp:txBody>
+      <dsp:txXfrm>
+        <a:off x="5142831" y="2432309"/>
+        <a:ext cx="1140217" cy="570108"/>
+      </dsp:txXfrm>
+    </dsp:sp>
+    <dsp:sp modelId="{1F239704-6DF1-4EBB-8FF4-E1715319CD56}">
+      <dsp:nvSpPr>
+        <dsp:cNvPr id="0" name=""/>
+        <dsp:cNvSpPr/>
+      </dsp:nvSpPr>
+      <dsp:spPr>
+        <a:xfrm>
+          <a:off x="4453000" y="3241863"/>
+          <a:ext cx="1140217" cy="570108"/>
+        </a:xfrm>
+        <a:prstGeom prst="rect">
+          <a:avLst/>
+        </a:prstGeom>
+        <a:solidFill>
+          <a:schemeClr val="accent1">
+            <a:hueOff val="0"/>
+            <a:satOff val="0"/>
+            <a:lumOff val="0"/>
+            <a:alphaOff val="0"/>
+          </a:schemeClr>
+        </a:solidFill>
+        <a:ln w="12700" cap="flat" cmpd="sng" algn="ctr">
+          <a:solidFill>
+            <a:schemeClr val="lt1">
+              <a:hueOff val="0"/>
+              <a:satOff val="0"/>
+              <a:lumOff val="0"/>
+              <a:alphaOff val="0"/>
+            </a:schemeClr>
+          </a:solidFill>
+          <a:prstDash val="solid"/>
+          <a:miter lim="800000"/>
+        </a:ln>
+        <a:effectLst/>
+      </dsp:spPr>
+      <dsp:style>
+        <a:lnRef idx="2">
+          <a:scrgbClr r="0" g="0" b="0"/>
+        </a:lnRef>
+        <a:fillRef idx="1">
+          <a:scrgbClr r="0" g="0" b="0"/>
+        </a:fillRef>
+        <a:effectRef idx="0">
+          <a:scrgbClr r="0" g="0" b="0"/>
+        </a:effectRef>
+        <a:fontRef idx="minor">
+          <a:schemeClr val="lt1"/>
+        </a:fontRef>
+      </dsp:style>
+      <dsp:txBody>
+        <a:bodyPr spcFirstLastPara="0" vert="horz" wrap="square" lIns="6985" tIns="6985" rIns="6985" bIns="6985" numCol="1" spcCol="1270" anchor="ctr" anchorCtr="0">
+          <a:noAutofit/>
+        </a:bodyPr>
+        <a:lstStyle/>
+        <a:p>
+          <a:pPr marL="0" lvl="0" indent="0" algn="ctr" defTabSz="488950">
+            <a:lnSpc>
+              <a:spcPct val="90000"/>
+            </a:lnSpc>
+            <a:spcBef>
+              <a:spcPct val="0"/>
+            </a:spcBef>
+            <a:spcAft>
+              <a:spcPct val="35000"/>
+            </a:spcAft>
+            <a:buNone/>
+          </a:pPr>
+          <a:r>
+            <a:rPr lang="en-US" sz="1100" kern="1200" dirty="0"/>
+            <a:t>Nodes</a:t>
+          </a:r>
+        </a:p>
+      </dsp:txBody>
+      <dsp:txXfrm>
+        <a:off x="4453000" y="3241863"/>
+        <a:ext cx="1140217" cy="570108"/>
+      </dsp:txXfrm>
+    </dsp:sp>
+    <dsp:sp modelId="{A10D16E2-12C2-4D53-8BDE-46DF5770C557}">
+      <dsp:nvSpPr>
+        <dsp:cNvPr id="0" name=""/>
+        <dsp:cNvSpPr/>
+      </dsp:nvSpPr>
+      <dsp:spPr>
+        <a:xfrm>
+          <a:off x="4738054" y="4051417"/>
+          <a:ext cx="1140217" cy="570108"/>
+        </a:xfrm>
+        <a:prstGeom prst="rect">
+          <a:avLst/>
+        </a:prstGeom>
+        <a:solidFill>
+          <a:schemeClr val="accent1">
+            <a:hueOff val="0"/>
+            <a:satOff val="0"/>
+            <a:lumOff val="0"/>
+            <a:alphaOff val="0"/>
+          </a:schemeClr>
+        </a:solidFill>
+        <a:ln w="12700" cap="flat" cmpd="sng" algn="ctr">
+          <a:solidFill>
+            <a:schemeClr val="lt1">
+              <a:hueOff val="0"/>
+              <a:satOff val="0"/>
+              <a:lumOff val="0"/>
+              <a:alphaOff val="0"/>
+            </a:schemeClr>
+          </a:solidFill>
+          <a:prstDash val="solid"/>
+          <a:miter lim="800000"/>
+        </a:ln>
+        <a:effectLst/>
+      </dsp:spPr>
+      <dsp:style>
+        <a:lnRef idx="2">
+          <a:scrgbClr r="0" g="0" b="0"/>
+        </a:lnRef>
+        <a:fillRef idx="1">
+          <a:scrgbClr r="0" g="0" b="0"/>
+        </a:fillRef>
+        <a:effectRef idx="0">
+          <a:scrgbClr r="0" g="0" b="0"/>
+        </a:effectRef>
+        <a:fontRef idx="minor">
+          <a:schemeClr val="lt1"/>
+        </a:fontRef>
+      </dsp:style>
+      <dsp:txBody>
+        <a:bodyPr spcFirstLastPara="0" vert="horz" wrap="square" lIns="6985" tIns="6985" rIns="6985" bIns="6985" numCol="1" spcCol="1270" anchor="ctr" anchorCtr="0">
+          <a:noAutofit/>
+        </a:bodyPr>
+        <a:lstStyle/>
+        <a:p>
+          <a:pPr marL="0" lvl="0" indent="0" algn="ctr" defTabSz="488950">
+            <a:lnSpc>
+              <a:spcPct val="90000"/>
+            </a:lnSpc>
+            <a:spcBef>
+              <a:spcPct val="0"/>
+            </a:spcBef>
+            <a:spcAft>
+              <a:spcPct val="35000"/>
+            </a:spcAft>
+            <a:buNone/>
+          </a:pPr>
+          <a:r>
+            <a:rPr lang="en-US" sz="1100" kern="1200" dirty="0"/>
+            <a:t>Innovation Number</a:t>
+          </a:r>
+        </a:p>
+      </dsp:txBody>
+      <dsp:txXfrm>
+        <a:off x="4738054" y="4051417"/>
+        <a:ext cx="1140217" cy="570108"/>
+      </dsp:txXfrm>
+    </dsp:sp>
+    <dsp:sp modelId="{06BEE670-D223-4C72-93D2-6E070C264831}">
+      <dsp:nvSpPr>
+        <dsp:cNvPr id="0" name=""/>
+        <dsp:cNvSpPr/>
+      </dsp:nvSpPr>
+      <dsp:spPr>
+        <a:xfrm>
+          <a:off x="5832663" y="3241863"/>
+          <a:ext cx="1140217" cy="570108"/>
+        </a:xfrm>
+        <a:prstGeom prst="rect">
+          <a:avLst/>
+        </a:prstGeom>
+        <a:solidFill>
+          <a:schemeClr val="accent1">
+            <a:hueOff val="0"/>
+            <a:satOff val="0"/>
+            <a:lumOff val="0"/>
+            <a:alphaOff val="0"/>
+          </a:schemeClr>
+        </a:solidFill>
+        <a:ln w="12700" cap="flat" cmpd="sng" algn="ctr">
+          <a:solidFill>
+            <a:schemeClr val="lt1">
+              <a:hueOff val="0"/>
+              <a:satOff val="0"/>
+              <a:lumOff val="0"/>
+              <a:alphaOff val="0"/>
+            </a:schemeClr>
+          </a:solidFill>
+          <a:prstDash val="solid"/>
+          <a:miter lim="800000"/>
+        </a:ln>
+        <a:effectLst/>
+      </dsp:spPr>
+      <dsp:style>
+        <a:lnRef idx="2">
+          <a:scrgbClr r="0" g="0" b="0"/>
+        </a:lnRef>
+        <a:fillRef idx="1">
+          <a:scrgbClr r="0" g="0" b="0"/>
+        </a:fillRef>
+        <a:effectRef idx="0">
+          <a:scrgbClr r="0" g="0" b="0"/>
+        </a:effectRef>
+        <a:fontRef idx="minor">
+          <a:schemeClr val="lt1"/>
+        </a:fontRef>
+      </dsp:style>
+      <dsp:txBody>
+        <a:bodyPr spcFirstLastPara="0" vert="horz" wrap="square" lIns="6985" tIns="6985" rIns="6985" bIns="6985" numCol="1" spcCol="1270" anchor="ctr" anchorCtr="0">
+          <a:noAutofit/>
+        </a:bodyPr>
+        <a:lstStyle/>
+        <a:p>
+          <a:pPr marL="0" lvl="0" indent="0" algn="ctr" defTabSz="488950">
+            <a:lnSpc>
+              <a:spcPct val="90000"/>
+            </a:lnSpc>
+            <a:spcBef>
+              <a:spcPct val="0"/>
+            </a:spcBef>
+            <a:spcAft>
+              <a:spcPct val="35000"/>
+            </a:spcAft>
+            <a:buNone/>
+          </a:pPr>
+          <a:r>
+            <a:rPr lang="en-US" sz="1100" kern="1200" dirty="0"/>
+            <a:t>Connections</a:t>
+          </a:r>
+        </a:p>
+      </dsp:txBody>
+      <dsp:txXfrm>
+        <a:off x="5832663" y="3241863"/>
+        <a:ext cx="1140217" cy="570108"/>
+      </dsp:txXfrm>
+    </dsp:sp>
+    <dsp:sp modelId="{64BCD605-BC6B-4BFD-878C-416C6848BFEC}">
+      <dsp:nvSpPr>
+        <dsp:cNvPr id="0" name=""/>
+        <dsp:cNvSpPr/>
+      </dsp:nvSpPr>
+      <dsp:spPr>
+        <a:xfrm>
+          <a:off x="6117717" y="4051417"/>
+          <a:ext cx="1140217" cy="570108"/>
+        </a:xfrm>
+        <a:prstGeom prst="rect">
+          <a:avLst/>
+        </a:prstGeom>
+        <a:solidFill>
+          <a:schemeClr val="accent1">
+            <a:hueOff val="0"/>
+            <a:satOff val="0"/>
+            <a:lumOff val="0"/>
+            <a:alphaOff val="0"/>
+          </a:schemeClr>
+        </a:solidFill>
+        <a:ln w="12700" cap="flat" cmpd="sng" algn="ctr">
+          <a:solidFill>
+            <a:schemeClr val="lt1">
+              <a:hueOff val="0"/>
+              <a:satOff val="0"/>
+              <a:lumOff val="0"/>
+              <a:alphaOff val="0"/>
+            </a:schemeClr>
+          </a:solidFill>
+          <a:prstDash val="solid"/>
+          <a:miter lim="800000"/>
+        </a:ln>
+        <a:effectLst/>
+      </dsp:spPr>
+      <dsp:style>
+        <a:lnRef idx="2">
+          <a:scrgbClr r="0" g="0" b="0"/>
+        </a:lnRef>
+        <a:fillRef idx="1">
+          <a:scrgbClr r="0" g="0" b="0"/>
+        </a:fillRef>
+        <a:effectRef idx="0">
+          <a:scrgbClr r="0" g="0" b="0"/>
+        </a:effectRef>
+        <a:fontRef idx="minor">
+          <a:schemeClr val="lt1"/>
+        </a:fontRef>
+      </dsp:style>
+      <dsp:txBody>
+        <a:bodyPr spcFirstLastPara="0" vert="horz" wrap="square" lIns="6985" tIns="6985" rIns="6985" bIns="6985" numCol="1" spcCol="1270" anchor="ctr" anchorCtr="0">
+          <a:noAutofit/>
+        </a:bodyPr>
+        <a:lstStyle/>
+        <a:p>
+          <a:pPr marL="0" lvl="0" indent="0" algn="ctr" defTabSz="488950">
+            <a:lnSpc>
+              <a:spcPct val="90000"/>
+            </a:lnSpc>
+            <a:spcBef>
+              <a:spcPct val="0"/>
+            </a:spcBef>
+            <a:spcAft>
+              <a:spcPct val="35000"/>
+            </a:spcAft>
+            <a:buNone/>
+          </a:pPr>
+          <a:r>
+            <a:rPr lang="en-US" sz="1100" kern="1200" dirty="0"/>
+            <a:t>From</a:t>
+          </a:r>
+        </a:p>
+      </dsp:txBody>
+      <dsp:txXfrm>
+        <a:off x="6117717" y="4051417"/>
+        <a:ext cx="1140217" cy="570108"/>
+      </dsp:txXfrm>
+    </dsp:sp>
+    <dsp:sp modelId="{89C0FFA1-6DDC-42CC-909C-65392C4DB6E3}">
+      <dsp:nvSpPr>
+        <dsp:cNvPr id="0" name=""/>
+        <dsp:cNvSpPr/>
+      </dsp:nvSpPr>
+      <dsp:spPr>
+        <a:xfrm>
+          <a:off x="6117717" y="4860971"/>
+          <a:ext cx="1140217" cy="570108"/>
+        </a:xfrm>
+        <a:prstGeom prst="rect">
+          <a:avLst/>
+        </a:prstGeom>
+        <a:solidFill>
+          <a:schemeClr val="accent1">
+            <a:hueOff val="0"/>
+            <a:satOff val="0"/>
+            <a:lumOff val="0"/>
+            <a:alphaOff val="0"/>
+          </a:schemeClr>
+        </a:solidFill>
+        <a:ln w="12700" cap="flat" cmpd="sng" algn="ctr">
+          <a:solidFill>
+            <a:schemeClr val="lt1">
+              <a:hueOff val="0"/>
+              <a:satOff val="0"/>
+              <a:lumOff val="0"/>
+              <a:alphaOff val="0"/>
+            </a:schemeClr>
+          </a:solidFill>
+          <a:prstDash val="solid"/>
+          <a:miter lim="800000"/>
+        </a:ln>
+        <a:effectLst/>
+      </dsp:spPr>
+      <dsp:style>
+        <a:lnRef idx="2">
+          <a:scrgbClr r="0" g="0" b="0"/>
+        </a:lnRef>
+        <a:fillRef idx="1">
+          <a:scrgbClr r="0" g="0" b="0"/>
+        </a:fillRef>
+        <a:effectRef idx="0">
+          <a:scrgbClr r="0" g="0" b="0"/>
+        </a:effectRef>
+        <a:fontRef idx="minor">
+          <a:schemeClr val="lt1"/>
+        </a:fontRef>
+      </dsp:style>
+      <dsp:txBody>
+        <a:bodyPr spcFirstLastPara="0" vert="horz" wrap="square" lIns="6985" tIns="6985" rIns="6985" bIns="6985" numCol="1" spcCol="1270" anchor="ctr" anchorCtr="0">
+          <a:noAutofit/>
+        </a:bodyPr>
+        <a:lstStyle/>
+        <a:p>
+          <a:pPr marL="0" lvl="0" indent="0" algn="ctr" defTabSz="488950">
+            <a:lnSpc>
+              <a:spcPct val="90000"/>
+            </a:lnSpc>
+            <a:spcBef>
+              <a:spcPct val="0"/>
+            </a:spcBef>
+            <a:spcAft>
+              <a:spcPct val="35000"/>
+            </a:spcAft>
+            <a:buNone/>
+          </a:pPr>
+          <a:r>
+            <a:rPr lang="en-US" sz="1100" kern="1200" dirty="0"/>
+            <a:t>To</a:t>
+          </a:r>
+        </a:p>
+      </dsp:txBody>
+      <dsp:txXfrm>
+        <a:off x="6117717" y="4860971"/>
+        <a:ext cx="1140217" cy="570108"/>
+      </dsp:txXfrm>
+    </dsp:sp>
+    <dsp:sp modelId="{217473BD-396E-4071-9F95-B619D1876984}">
+      <dsp:nvSpPr>
+        <dsp:cNvPr id="0" name=""/>
+        <dsp:cNvSpPr/>
+      </dsp:nvSpPr>
+      <dsp:spPr>
+        <a:xfrm>
+          <a:off x="6117717" y="5670525"/>
+          <a:ext cx="1140217" cy="570108"/>
+        </a:xfrm>
+        <a:prstGeom prst="rect">
+          <a:avLst/>
+        </a:prstGeom>
+        <a:solidFill>
+          <a:schemeClr val="accent1">
+            <a:hueOff val="0"/>
+            <a:satOff val="0"/>
+            <a:lumOff val="0"/>
+            <a:alphaOff val="0"/>
+          </a:schemeClr>
+        </a:solidFill>
+        <a:ln w="12700" cap="flat" cmpd="sng" algn="ctr">
+          <a:solidFill>
+            <a:schemeClr val="lt1">
+              <a:hueOff val="0"/>
+              <a:satOff val="0"/>
+              <a:lumOff val="0"/>
+              <a:alphaOff val="0"/>
+            </a:schemeClr>
+          </a:solidFill>
+          <a:prstDash val="solid"/>
+          <a:miter lim="800000"/>
+        </a:ln>
+        <a:effectLst/>
+      </dsp:spPr>
+      <dsp:style>
+        <a:lnRef idx="2">
+          <a:scrgbClr r="0" g="0" b="0"/>
+        </a:lnRef>
+        <a:fillRef idx="1">
+          <a:scrgbClr r="0" g="0" b="0"/>
+        </a:fillRef>
+        <a:effectRef idx="0">
+          <a:scrgbClr r="0" g="0" b="0"/>
+        </a:effectRef>
+        <a:fontRef idx="minor">
+          <a:schemeClr val="lt1"/>
+        </a:fontRef>
+      </dsp:style>
+      <dsp:txBody>
+        <a:bodyPr spcFirstLastPara="0" vert="horz" wrap="square" lIns="6985" tIns="6985" rIns="6985" bIns="6985" numCol="1" spcCol="1270" anchor="ctr" anchorCtr="0">
+          <a:noAutofit/>
+        </a:bodyPr>
+        <a:lstStyle/>
+        <a:p>
+          <a:pPr marL="0" lvl="0" indent="0" algn="ctr" defTabSz="488950">
+            <a:lnSpc>
+              <a:spcPct val="90000"/>
+            </a:lnSpc>
+            <a:spcBef>
+              <a:spcPct val="0"/>
+            </a:spcBef>
+            <a:spcAft>
+              <a:spcPct val="35000"/>
+            </a:spcAft>
+            <a:buNone/>
+          </a:pPr>
+          <a:r>
+            <a:rPr lang="en-US" sz="1100" kern="1200" dirty="0"/>
+            <a:t>Weight</a:t>
+          </a:r>
+        </a:p>
+      </dsp:txBody>
+      <dsp:txXfrm>
+        <a:off x="6117717" y="5670525"/>
+        <a:ext cx="1140217" cy="570108"/>
+      </dsp:txXfrm>
+    </dsp:sp>
+    <dsp:sp modelId="{B1CD17D1-DF82-4A2F-AADA-AB8C3DF485DA}">
+      <dsp:nvSpPr>
+        <dsp:cNvPr id="0" name=""/>
+        <dsp:cNvSpPr/>
+      </dsp:nvSpPr>
+      <dsp:spPr>
+        <a:xfrm>
+          <a:off x="6522494" y="2432309"/>
+          <a:ext cx="1140217" cy="570108"/>
+        </a:xfrm>
+        <a:prstGeom prst="rect">
+          <a:avLst/>
+        </a:prstGeom>
+        <a:solidFill>
+          <a:schemeClr val="accent1"/>
+        </a:solidFill>
+        <a:ln w="12700" cap="flat" cmpd="sng" algn="ctr">
+          <a:solidFill>
+            <a:schemeClr val="accent1">
+              <a:shade val="50000"/>
+            </a:schemeClr>
+          </a:solidFill>
+          <a:prstDash val="solid"/>
+          <a:miter lim="800000"/>
+        </a:ln>
+        <a:effectLst/>
+      </dsp:spPr>
+      <dsp:style>
+        <a:lnRef idx="2">
+          <a:schemeClr val="accent1">
+            <a:shade val="50000"/>
+          </a:schemeClr>
+        </a:lnRef>
+        <a:fillRef idx="1">
+          <a:schemeClr val="accent1"/>
+        </a:fillRef>
+        <a:effectRef idx="0">
+          <a:schemeClr val="accent1"/>
+        </a:effectRef>
+        <a:fontRef idx="minor">
+          <a:schemeClr val="lt1"/>
+        </a:fontRef>
+      </dsp:style>
+      <dsp:txBody>
+        <a:bodyPr spcFirstLastPara="0" vert="horz" wrap="square" lIns="6985" tIns="6985" rIns="6985" bIns="6985" numCol="1" spcCol="1270" anchor="ctr" anchorCtr="0">
+          <a:noAutofit/>
+        </a:bodyPr>
+        <a:lstStyle/>
+        <a:p>
+          <a:pPr marL="0" lvl="0" indent="0" algn="ctr" defTabSz="488950">
+            <a:lnSpc>
+              <a:spcPct val="90000"/>
+            </a:lnSpc>
+            <a:spcBef>
+              <a:spcPct val="0"/>
+            </a:spcBef>
+            <a:spcAft>
+              <a:spcPct val="35000"/>
+            </a:spcAft>
+            <a:buNone/>
+          </a:pPr>
+          <a:r>
+            <a:rPr lang="en-US" sz="1100" kern="1200" dirty="0"/>
+            <a:t>Calculator</a:t>
+          </a:r>
+        </a:p>
+      </dsp:txBody>
+      <dsp:txXfrm>
+        <a:off x="6522494" y="2432309"/>
+        <a:ext cx="1140217" cy="570108"/>
+      </dsp:txXfrm>
+    </dsp:sp>
+  </dsp:spTree>
+</dsp:drawing>
+</file>
+
 <file path=ppt/diagrams/layout1.xml><?xml version="1.0" encoding="utf-8"?>
 <dgm:layoutDef xmlns:dgm="http://schemas.openxmlformats.org/drawingml/2006/diagram" xmlns:a="http://schemas.openxmlformats.org/drawingml/2006/main" uniqueId="urn:microsoft.com/office/officeart/2005/8/layout/orgChart1">
   <dgm:title val=""/>
@@ -5606,7 +9278,2187 @@
 </dgm:layoutDef>
 </file>
 
+<file path=ppt/diagrams/layout2.xml><?xml version="1.0" encoding="utf-8"?>
+<dgm:layoutDef xmlns:dgm="http://schemas.openxmlformats.org/drawingml/2006/diagram" xmlns:a="http://schemas.openxmlformats.org/drawingml/2006/main" uniqueId="urn:microsoft.com/office/officeart/2005/8/layout/orgChart1">
+  <dgm:title val=""/>
+  <dgm:desc val=""/>
+  <dgm:catLst>
+    <dgm:cat type="hierarchy" pri="1000"/>
+    <dgm:cat type="convert" pri="6000"/>
+  </dgm:catLst>
+  <dgm:sampData>
+    <dgm:dataModel>
+      <dgm:ptLst>
+        <dgm:pt modelId="0" type="doc"/>
+        <dgm:pt modelId="1">
+          <dgm:prSet phldr="1"/>
+        </dgm:pt>
+        <dgm:pt modelId="2" type="asst">
+          <dgm:prSet phldr="1"/>
+        </dgm:pt>
+        <dgm:pt modelId="3">
+          <dgm:prSet phldr="1"/>
+        </dgm:pt>
+        <dgm:pt modelId="4">
+          <dgm:prSet phldr="1"/>
+        </dgm:pt>
+        <dgm:pt modelId="5">
+          <dgm:prSet phldr="1"/>
+        </dgm:pt>
+      </dgm:ptLst>
+      <dgm:cxnLst>
+        <dgm:cxn modelId="5" srcId="0" destId="1" srcOrd="0" destOrd="0"/>
+        <dgm:cxn modelId="6" srcId="1" destId="2" srcOrd="0" destOrd="0"/>
+        <dgm:cxn modelId="7" srcId="1" destId="3" srcOrd="1" destOrd="0"/>
+        <dgm:cxn modelId="8" srcId="1" destId="4" srcOrd="2" destOrd="0"/>
+        <dgm:cxn modelId="9" srcId="1" destId="5" srcOrd="3" destOrd="0"/>
+      </dgm:cxnLst>
+      <dgm:bg/>
+      <dgm:whole/>
+    </dgm:dataModel>
+  </dgm:sampData>
+  <dgm:styleData>
+    <dgm:dataModel>
+      <dgm:ptLst>
+        <dgm:pt modelId="0" type="doc"/>
+        <dgm:pt modelId="1"/>
+        <dgm:pt modelId="12"/>
+        <dgm:pt modelId="13"/>
+      </dgm:ptLst>
+      <dgm:cxnLst>
+        <dgm:cxn modelId="2" srcId="0" destId="1" srcOrd="0" destOrd="0"/>
+        <dgm:cxn modelId="16" srcId="1" destId="12" srcOrd="1" destOrd="0"/>
+        <dgm:cxn modelId="17" srcId="1" destId="13" srcOrd="2" destOrd="0"/>
+      </dgm:cxnLst>
+      <dgm:bg/>
+      <dgm:whole/>
+    </dgm:dataModel>
+  </dgm:styleData>
+  <dgm:clrData>
+    <dgm:dataModel>
+      <dgm:ptLst>
+        <dgm:pt modelId="0" type="doc"/>
+        <dgm:pt modelId="1"/>
+        <dgm:pt modelId="11" type="asst"/>
+        <dgm:pt modelId="12"/>
+        <dgm:pt modelId="13"/>
+        <dgm:pt modelId="14"/>
+      </dgm:ptLst>
+      <dgm:cxnLst>
+        <dgm:cxn modelId="2" srcId="0" destId="1" srcOrd="0" destOrd="0"/>
+        <dgm:cxn modelId="15" srcId="1" destId="11" srcOrd="0" destOrd="0"/>
+        <dgm:cxn modelId="16" srcId="1" destId="12" srcOrd="1" destOrd="0"/>
+        <dgm:cxn modelId="17" srcId="1" destId="13" srcOrd="2" destOrd="0"/>
+        <dgm:cxn modelId="18" srcId="1" destId="14" srcOrd="2" destOrd="0"/>
+      </dgm:cxnLst>
+      <dgm:bg/>
+      <dgm:whole/>
+    </dgm:dataModel>
+  </dgm:clrData>
+  <dgm:layoutNode name="hierChild1">
+    <dgm:varLst>
+      <dgm:orgChart val="1"/>
+      <dgm:chPref val="1"/>
+      <dgm:dir/>
+      <dgm:animOne val="branch"/>
+      <dgm:animLvl val="lvl"/>
+      <dgm:resizeHandles/>
+    </dgm:varLst>
+    <dgm:choose name="Name0">
+      <dgm:if name="Name1" func="var" arg="dir" op="equ" val="norm">
+        <dgm:alg type="hierChild">
+          <dgm:param type="linDir" val="fromL"/>
+        </dgm:alg>
+      </dgm:if>
+      <dgm:else name="Name2">
+        <dgm:alg type="hierChild">
+          <dgm:param type="linDir" val="fromR"/>
+        </dgm:alg>
+      </dgm:else>
+    </dgm:choose>
+    <dgm:shape xmlns:r="http://schemas.openxmlformats.org/officeDocument/2006/relationships" r:blip="">
+      <dgm:adjLst/>
+    </dgm:shape>
+    <dgm:presOf/>
+    <dgm:constrLst>
+      <dgm:constr type="w" for="des" forName="rootComposite1" refType="w" fact="10"/>
+      <dgm:constr type="h" for="des" forName="rootComposite1" refType="w" refFor="des" refForName="rootComposite1" fact="0.5"/>
+      <dgm:constr type="w" for="des" forName="rootComposite" refType="w" fact="10"/>
+      <dgm:constr type="h" for="des" forName="rootComposite" refType="w" refFor="des" refForName="rootComposite1" fact="0.5"/>
+      <dgm:constr type="w" for="des" forName="rootComposite3" refType="w" fact="10"/>
+      <dgm:constr type="h" for="des" forName="rootComposite3" refType="w" refFor="des" refForName="rootComposite1" fact="0.5"/>
+      <dgm:constr type="primFontSz" for="des" ptType="node" op="equ"/>
+      <dgm:constr type="sp" for="des" op="equ"/>
+      <dgm:constr type="sp" for="des" forName="hierRoot1" refType="w" refFor="des" refForName="rootComposite1" fact="0.21"/>
+      <dgm:constr type="sp" for="des" forName="hierRoot2" refType="sp" refFor="des" refForName="hierRoot1"/>
+      <dgm:constr type="sp" for="des" forName="hierRoot3" refType="sp" refFor="des" refForName="hierRoot1"/>
+      <dgm:constr type="sibSp" refType="w" refFor="des" refForName="rootComposite1" fact="0.21"/>
+      <dgm:constr type="sibSp" for="des" forName="hierChild2" refType="sibSp"/>
+      <dgm:constr type="sibSp" for="des" forName="hierChild3" refType="sibSp"/>
+      <dgm:constr type="sibSp" for="des" forName="hierChild4" refType="sibSp"/>
+      <dgm:constr type="sibSp" for="des" forName="hierChild5" refType="sibSp"/>
+      <dgm:constr type="sibSp" for="des" forName="hierChild6" refType="sibSp"/>
+      <dgm:constr type="sibSp" for="des" forName="hierChild7" refType="sibSp"/>
+      <dgm:constr type="secSibSp" refType="w" refFor="des" refForName="rootComposite1" fact="0.21"/>
+      <dgm:constr type="secSibSp" for="des" forName="hierChild2" refType="secSibSp"/>
+      <dgm:constr type="secSibSp" for="des" forName="hierChild3" refType="secSibSp"/>
+      <dgm:constr type="secSibSp" for="des" forName="hierChild4" refType="secSibSp"/>
+      <dgm:constr type="secSibSp" for="des" forName="hierChild5" refType="secSibSp"/>
+      <dgm:constr type="secSibSp" for="des" forName="hierChild6" refType="secSibSp"/>
+      <dgm:constr type="secSibSp" for="des" forName="hierChild7" refType="secSibSp"/>
+    </dgm:constrLst>
+    <dgm:ruleLst/>
+    <dgm:forEach name="Name3" axis="ch">
+      <dgm:forEach name="Name4" axis="self" ptType="node">
+        <dgm:layoutNode name="hierRoot1">
+          <dgm:varLst>
+            <dgm:hierBranch val="init"/>
+          </dgm:varLst>
+          <dgm:choose name="Name5">
+            <dgm:if name="Name6" func="var" arg="hierBranch" op="equ" val="l">
+              <dgm:choose name="Name7">
+                <dgm:if name="Name8" axis="ch" ptType="asst" func="cnt" op="gte" val="1">
+                  <dgm:alg type="hierRoot">
+                    <dgm:param type="hierAlign" val="tR"/>
+                  </dgm:alg>
+                  <dgm:constrLst>
+                    <dgm:constr type="alignOff" val="0.65"/>
+                  </dgm:constrLst>
+                </dgm:if>
+                <dgm:else name="Name9">
+                  <dgm:alg type="hierRoot">
+                    <dgm:param type="hierAlign" val="tR"/>
+                  </dgm:alg>
+                  <dgm:constrLst>
+                    <dgm:constr type="alignOff" val="0.25"/>
+                  </dgm:constrLst>
+                </dgm:else>
+              </dgm:choose>
+            </dgm:if>
+            <dgm:if name="Name10" func="var" arg="hierBranch" op="equ" val="r">
+              <dgm:choose name="Name11">
+                <dgm:if name="Name12" axis="ch" ptType="asst" func="cnt" op="gte" val="1">
+                  <dgm:alg type="hierRoot">
+                    <dgm:param type="hierAlign" val="tL"/>
+                  </dgm:alg>
+                  <dgm:constrLst>
+                    <dgm:constr type="alignOff" val="0.65"/>
+                  </dgm:constrLst>
+                </dgm:if>
+                <dgm:else name="Name13">
+                  <dgm:alg type="hierRoot">
+                    <dgm:param type="hierAlign" val="tL"/>
+                  </dgm:alg>
+                  <dgm:constrLst>
+                    <dgm:constr type="alignOff" val="0.25"/>
+                  </dgm:constrLst>
+                </dgm:else>
+              </dgm:choose>
+            </dgm:if>
+            <dgm:if name="Name14" func="var" arg="hierBranch" op="equ" val="hang">
+              <dgm:alg type="hierRoot"/>
+              <dgm:constrLst>
+                <dgm:constr type="alignOff" val="0.65"/>
+              </dgm:constrLst>
+            </dgm:if>
+            <dgm:else name="Name15">
+              <dgm:alg type="hierRoot"/>
+              <dgm:constrLst>
+                <dgm:constr type="alignOff"/>
+                <dgm:constr type="bendDist" for="des" ptType="parTrans" refType="sp" fact="0.5"/>
+              </dgm:constrLst>
+            </dgm:else>
+          </dgm:choose>
+          <dgm:shape xmlns:r="http://schemas.openxmlformats.org/officeDocument/2006/relationships" r:blip="">
+            <dgm:adjLst/>
+          </dgm:shape>
+          <dgm:presOf/>
+          <dgm:ruleLst/>
+          <dgm:layoutNode name="rootComposite1">
+            <dgm:alg type="composite"/>
+            <dgm:shape xmlns:r="http://schemas.openxmlformats.org/officeDocument/2006/relationships" r:blip="">
+              <dgm:adjLst/>
+            </dgm:shape>
+            <dgm:presOf axis="self" ptType="node" cnt="1"/>
+            <dgm:choose name="Name16">
+              <dgm:if name="Name17" func="var" arg="hierBranch" op="equ" val="init">
+                <dgm:constrLst>
+                  <dgm:constr type="l" for="ch" forName="rootText1"/>
+                  <dgm:constr type="t" for="ch" forName="rootText1"/>
+                  <dgm:constr type="w" for="ch" forName="rootText1" refType="w"/>
+                  <dgm:constr type="h" for="ch" forName="rootText1" refType="h"/>
+                  <dgm:constr type="l" for="ch" forName="rootConnector1"/>
+                  <dgm:constr type="t" for="ch" forName="rootConnector1"/>
+                  <dgm:constr type="w" for="ch" forName="rootConnector1" refType="w" refFor="ch" refForName="rootText1" fact="0.2"/>
+                  <dgm:constr type="h" for="ch" forName="rootConnector1" refType="h" refFor="ch" refForName="rootText1"/>
+                </dgm:constrLst>
+              </dgm:if>
+              <dgm:if name="Name18" func="var" arg="hierBranch" op="equ" val="l">
+                <dgm:constrLst>
+                  <dgm:constr type="l" for="ch" forName="rootText1"/>
+                  <dgm:constr type="t" for="ch" forName="rootText1"/>
+                  <dgm:constr type="w" for="ch" forName="rootText1" refType="w"/>
+                  <dgm:constr type="h" for="ch" forName="rootText1" refType="h"/>
+                  <dgm:constr type="r" for="ch" forName="rootConnector1" refType="w"/>
+                  <dgm:constr type="t" for="ch" forName="rootConnector1"/>
+                  <dgm:constr type="w" for="ch" forName="rootConnector1" refType="w" refFor="ch" refForName="rootText1" fact="0.2"/>
+                  <dgm:constr type="h" for="ch" forName="rootConnector1" refType="h" refFor="ch" refForName="rootText1"/>
+                </dgm:constrLst>
+              </dgm:if>
+              <dgm:if name="Name19" func="var" arg="hierBranch" op="equ" val="r">
+                <dgm:constrLst>
+                  <dgm:constr type="l" for="ch" forName="rootText1"/>
+                  <dgm:constr type="t" for="ch" forName="rootText1"/>
+                  <dgm:constr type="w" for="ch" forName="rootText1" refType="w"/>
+                  <dgm:constr type="h" for="ch" forName="rootText1" refType="h"/>
+                  <dgm:constr type="l" for="ch" forName="rootConnector1"/>
+                  <dgm:constr type="t" for="ch" forName="rootConnector1"/>
+                  <dgm:constr type="w" for="ch" forName="rootConnector1" refType="w" refFor="ch" refForName="rootText1" fact="0.2"/>
+                  <dgm:constr type="h" for="ch" forName="rootConnector1" refType="h" refFor="ch" refForName="rootText1"/>
+                </dgm:constrLst>
+              </dgm:if>
+              <dgm:else name="Name20">
+                <dgm:constrLst>
+                  <dgm:constr type="l" for="ch" forName="rootText1"/>
+                  <dgm:constr type="t" for="ch" forName="rootText1"/>
+                  <dgm:constr type="w" for="ch" forName="rootText1" refType="w"/>
+                  <dgm:constr type="h" for="ch" forName="rootText1" refType="h"/>
+                  <dgm:constr type="r" for="ch" forName="rootConnector1" refType="w"/>
+                  <dgm:constr type="t" for="ch" forName="rootConnector1"/>
+                  <dgm:constr type="w" for="ch" forName="rootConnector1" refType="w" refFor="ch" refForName="rootText1" fact="0.2"/>
+                  <dgm:constr type="h" for="ch" forName="rootConnector1" refType="h" refFor="ch" refForName="rootText1"/>
+                </dgm:constrLst>
+              </dgm:else>
+            </dgm:choose>
+            <dgm:ruleLst/>
+            <dgm:layoutNode name="rootText1" styleLbl="node0">
+              <dgm:varLst>
+                <dgm:chPref val="3"/>
+              </dgm:varLst>
+              <dgm:alg type="tx"/>
+              <dgm:shape xmlns:r="http://schemas.openxmlformats.org/officeDocument/2006/relationships" type="rect" r:blip="">
+                <dgm:adjLst/>
+              </dgm:shape>
+              <dgm:presOf axis="self" ptType="node" cnt="1"/>
+              <dgm:constrLst>
+                <dgm:constr type="primFontSz" val="65"/>
+                <dgm:constr type="lMarg" refType="primFontSz" fact="0.05"/>
+                <dgm:constr type="rMarg" refType="primFontSz" fact="0.05"/>
+                <dgm:constr type="tMarg" refType="primFontSz" fact="0.05"/>
+                <dgm:constr type="bMarg" refType="primFontSz" fact="0.05"/>
+              </dgm:constrLst>
+              <dgm:ruleLst>
+                <dgm:rule type="primFontSz" val="5" fact="NaN" max="NaN"/>
+              </dgm:ruleLst>
+            </dgm:layoutNode>
+            <dgm:layoutNode name="rootConnector1" moveWith="rootText1">
+              <dgm:alg type="sp"/>
+              <dgm:shape xmlns:r="http://schemas.openxmlformats.org/officeDocument/2006/relationships" type="rect" r:blip="" hideGeom="1">
+                <dgm:adjLst/>
+              </dgm:shape>
+              <dgm:presOf axis="self" ptType="node" cnt="1"/>
+              <dgm:constrLst/>
+              <dgm:ruleLst/>
+            </dgm:layoutNode>
+          </dgm:layoutNode>
+          <dgm:layoutNode name="hierChild2">
+            <dgm:choose name="Name21">
+              <dgm:if name="Name22" func="var" arg="hierBranch" op="equ" val="l">
+                <dgm:alg type="hierChild">
+                  <dgm:param type="chAlign" val="r"/>
+                  <dgm:param type="linDir" val="fromT"/>
+                </dgm:alg>
+              </dgm:if>
+              <dgm:if name="Name23" func="var" arg="hierBranch" op="equ" val="r">
+                <dgm:alg type="hierChild">
+                  <dgm:param type="chAlign" val="l"/>
+                  <dgm:param type="linDir" val="fromT"/>
+                </dgm:alg>
+              </dgm:if>
+              <dgm:if name="Name24" func="var" arg="hierBranch" op="equ" val="hang">
+                <dgm:choose name="Name25">
+                  <dgm:if name="Name26" func="var" arg="dir" op="equ" val="norm">
+                    <dgm:alg type="hierChild">
+                      <dgm:param type="chAlign" val="l"/>
+                      <dgm:param type="linDir" val="fromL"/>
+                      <dgm:param type="secChAlign" val="t"/>
+                      <dgm:param type="secLinDir" val="fromT"/>
+                    </dgm:alg>
+                  </dgm:if>
+                  <dgm:else name="Name27">
+                    <dgm:alg type="hierChild">
+                      <dgm:param type="chAlign" val="l"/>
+                      <dgm:param type="linDir" val="fromR"/>
+                      <dgm:param type="secChAlign" val="t"/>
+                      <dgm:param type="secLinDir" val="fromT"/>
+                    </dgm:alg>
+                  </dgm:else>
+                </dgm:choose>
+              </dgm:if>
+              <dgm:else name="Name28">
+                <dgm:choose name="Name29">
+                  <dgm:if name="Name30" func="var" arg="dir" op="equ" val="norm">
+                    <dgm:alg type="hierChild"/>
+                  </dgm:if>
+                  <dgm:else name="Name31">
+                    <dgm:alg type="hierChild">
+                      <dgm:param type="linDir" val="fromR"/>
+                    </dgm:alg>
+                  </dgm:else>
+                </dgm:choose>
+              </dgm:else>
+            </dgm:choose>
+            <dgm:shape xmlns:r="http://schemas.openxmlformats.org/officeDocument/2006/relationships" r:blip="">
+              <dgm:adjLst/>
+            </dgm:shape>
+            <dgm:presOf/>
+            <dgm:constrLst/>
+            <dgm:ruleLst/>
+            <dgm:forEach name="rep2a" axis="ch" ptType="nonAsst">
+              <dgm:forEach name="Name32" axis="precedSib" ptType="parTrans" st="-1" cnt="1">
+                <dgm:choose name="Name33">
+                  <dgm:if name="Name34" func="var" arg="hierBranch" op="equ" val="std">
+                    <dgm:layoutNode name="Name35">
+                      <dgm:alg type="conn">
+                        <dgm:param type="connRout" val="bend"/>
+                        <dgm:param type="dim" val="1D"/>
+                        <dgm:param type="endSty" val="noArr"/>
+                        <dgm:param type="begPts" val="bCtr"/>
+                        <dgm:param type="endPts" val="tCtr"/>
+                        <dgm:param type="bendPt" val="end"/>
+                      </dgm:alg>
+                      <dgm:shape xmlns:r="http://schemas.openxmlformats.org/officeDocument/2006/relationships" type="conn" r:blip="" zOrderOff="-99999">
+                        <dgm:adjLst/>
+                      </dgm:shape>
+                      <dgm:presOf axis="self"/>
+                      <dgm:constrLst>
+                        <dgm:constr type="begPad"/>
+                        <dgm:constr type="endPad"/>
+                      </dgm:constrLst>
+                      <dgm:ruleLst/>
+                    </dgm:layoutNode>
+                  </dgm:if>
+                  <dgm:if name="Name36" func="var" arg="hierBranch" op="equ" val="init">
+                    <dgm:layoutNode name="Name37">
+                      <dgm:choose name="Name38">
+                        <dgm:if name="Name39" axis="self" func="depth" op="lte" val="2">
+                          <dgm:alg type="conn">
+                            <dgm:param type="connRout" val="bend"/>
+                            <dgm:param type="dim" val="1D"/>
+                            <dgm:param type="endSty" val="noArr"/>
+                            <dgm:param type="begPts" val="bCtr"/>
+                            <dgm:param type="endPts" val="tCtr"/>
+                            <dgm:param type="bendPt" val="end"/>
+                          </dgm:alg>
+                        </dgm:if>
+                        <dgm:else name="Name40">
+                          <dgm:choose name="Name41">
+                            <dgm:if name="Name42" axis="par des" func="maxDepth" op="lte" val="1">
+                              <dgm:choose name="Name43">
+                                <dgm:if name="Name44" axis="par ch" ptType="node asst" func="cnt" op="gte" val="1">
+                                  <dgm:alg type="conn">
+                                    <dgm:param type="connRout" val="bend"/>
+                                    <dgm:param type="dim" val="1D"/>
+                                    <dgm:param type="endSty" val="noArr"/>
+                                    <dgm:param type="begPts" val="bCtr"/>
+                                    <dgm:param type="endPts" val="midL midR"/>
+                                  </dgm:alg>
+                                </dgm:if>
+                                <dgm:else name="Name45">
+                                  <dgm:alg type="conn">
+                                    <dgm:param type="connRout" val="bend"/>
+                                    <dgm:param type="dim" val="1D"/>
+                                    <dgm:param type="endSty" val="noArr"/>
+                                    <dgm:param type="begPts" val="bCtr"/>
+                                    <dgm:param type="endPts" val="midL midR"/>
+                                    <dgm:param type="srcNode" val="rootConnector"/>
+                                  </dgm:alg>
+                                </dgm:else>
+                              </dgm:choose>
+                            </dgm:if>
+                            <dgm:else name="Name46">
+                              <dgm:alg type="conn">
+                                <dgm:param type="connRout" val="bend"/>
+                                <dgm:param type="dim" val="1D"/>
+                                <dgm:param type="endSty" val="noArr"/>
+                                <dgm:param type="begPts" val="bCtr"/>
+                                <dgm:param type="endPts" val="tCtr"/>
+                                <dgm:param type="bendPt" val="end"/>
+                              </dgm:alg>
+                            </dgm:else>
+                          </dgm:choose>
+                        </dgm:else>
+                      </dgm:choose>
+                      <dgm:shape xmlns:r="http://schemas.openxmlformats.org/officeDocument/2006/relationships" type="conn" r:blip="" zOrderOff="-99999">
+                        <dgm:adjLst/>
+                      </dgm:shape>
+                      <dgm:presOf axis="self"/>
+                      <dgm:constrLst>
+                        <dgm:constr type="begPad"/>
+                        <dgm:constr type="endPad"/>
+                      </dgm:constrLst>
+                      <dgm:ruleLst/>
+                    </dgm:layoutNode>
+                  </dgm:if>
+                  <dgm:if name="Name47" func="var" arg="hierBranch" op="equ" val="hang">
+                    <dgm:layoutNode name="Name48">
+                      <dgm:alg type="conn">
+                        <dgm:param type="connRout" val="bend"/>
+                        <dgm:param type="dim" val="1D"/>
+                        <dgm:param type="endSty" val="noArr"/>
+                        <dgm:param type="begPts" val="bCtr"/>
+                        <dgm:param type="endPts" val="midL midR"/>
+                      </dgm:alg>
+                      <dgm:shape xmlns:r="http://schemas.openxmlformats.org/officeDocument/2006/relationships" type="conn" r:blip="" zOrderOff="-99999">
+                        <dgm:adjLst/>
+                      </dgm:shape>
+                      <dgm:presOf axis="self"/>
+                      <dgm:constrLst>
+                        <dgm:constr type="begPad"/>
+                        <dgm:constr type="endPad"/>
+                      </dgm:constrLst>
+                      <dgm:ruleLst/>
+                    </dgm:layoutNode>
+                  </dgm:if>
+                  <dgm:else name="Name49">
+                    <dgm:layoutNode name="Name50">
+                      <dgm:choose name="Name51">
+                        <dgm:if name="Name52" axis="self" func="depth" op="lte" val="2">
+                          <dgm:choose name="Name53">
+                            <dgm:if name="Name54" axis="par ch" ptType="node asst" func="cnt" op="gte" val="1">
+                              <dgm:alg type="conn">
+                                <dgm:param type="connRout" val="bend"/>
+                                <dgm:param type="dim" val="1D"/>
+                                <dgm:param type="endSty" val="noArr"/>
+                                <dgm:param type="begPts" val="bCtr"/>
+                                <dgm:param type="endPts" val="midL midR"/>
+                              </dgm:alg>
+                            </dgm:if>
+                            <dgm:else name="Name55">
+                              <dgm:alg type="conn">
+                                <dgm:param type="connRout" val="bend"/>
+                                <dgm:param type="dim" val="1D"/>
+                                <dgm:param type="endSty" val="noArr"/>
+                                <dgm:param type="begPts" val="bCtr"/>
+                                <dgm:param type="endPts" val="midL midR"/>
+                                <dgm:param type="srcNode" val="rootConnector1"/>
+                              </dgm:alg>
+                            </dgm:else>
+                          </dgm:choose>
+                        </dgm:if>
+                        <dgm:else name="Name56">
+                          <dgm:choose name="Name57">
+                            <dgm:if name="Name58" axis="par ch" ptType="node asst" func="cnt" op="gte" val="1">
+                              <dgm:alg type="conn">
+                                <dgm:param type="connRout" val="bend"/>
+                                <dgm:param type="dim" val="1D"/>
+                                <dgm:param type="endSty" val="noArr"/>
+                                <dgm:param type="begPts" val="bCtr"/>
+                                <dgm:param type="endPts" val="midL midR"/>
+                              </dgm:alg>
+                            </dgm:if>
+                            <dgm:else name="Name59">
+                              <dgm:alg type="conn">
+                                <dgm:param type="connRout" val="bend"/>
+                                <dgm:param type="dim" val="1D"/>
+                                <dgm:param type="endSty" val="noArr"/>
+                                <dgm:param type="begPts" val="bCtr"/>
+                                <dgm:param type="endPts" val="midL midR"/>
+                                <dgm:param type="srcNode" val="rootConnector"/>
+                              </dgm:alg>
+                            </dgm:else>
+                          </dgm:choose>
+                        </dgm:else>
+                      </dgm:choose>
+                      <dgm:shape xmlns:r="http://schemas.openxmlformats.org/officeDocument/2006/relationships" type="conn" r:blip="" zOrderOff="-99999">
+                        <dgm:adjLst/>
+                      </dgm:shape>
+                      <dgm:presOf axis="self"/>
+                      <dgm:constrLst>
+                        <dgm:constr type="begPad"/>
+                        <dgm:constr type="endPad"/>
+                      </dgm:constrLst>
+                      <dgm:ruleLst/>
+                    </dgm:layoutNode>
+                  </dgm:else>
+                </dgm:choose>
+              </dgm:forEach>
+              <dgm:layoutNode name="hierRoot2">
+                <dgm:varLst>
+                  <dgm:hierBranch val="init"/>
+                </dgm:varLst>
+                <dgm:choose name="Name60">
+                  <dgm:if name="Name61" func="var" arg="hierBranch" op="equ" val="l">
+                    <dgm:choose name="Name62">
+                      <dgm:if name="Name63" axis="ch" ptType="asst" func="cnt" op="gte" val="1">
+                        <dgm:alg type="hierRoot">
+                          <dgm:param type="hierAlign" val="tR"/>
+                        </dgm:alg>
+                        <dgm:shape xmlns:r="http://schemas.openxmlformats.org/officeDocument/2006/relationships" r:blip="">
+                          <dgm:adjLst/>
+                        </dgm:shape>
+                        <dgm:presOf/>
+                        <dgm:constrLst>
+                          <dgm:constr type="alignOff" val="0.65"/>
+                        </dgm:constrLst>
+                      </dgm:if>
+                      <dgm:else name="Name64">
+                        <dgm:alg type="hierRoot">
+                          <dgm:param type="hierAlign" val="tR"/>
+                        </dgm:alg>
+                        <dgm:shape xmlns:r="http://schemas.openxmlformats.org/officeDocument/2006/relationships" r:blip="">
+                          <dgm:adjLst/>
+                        </dgm:shape>
+                        <dgm:presOf/>
+                        <dgm:constrLst>
+                          <dgm:constr type="alignOff" val="0.25"/>
+                        </dgm:constrLst>
+                      </dgm:else>
+                    </dgm:choose>
+                  </dgm:if>
+                  <dgm:if name="Name65" func="var" arg="hierBranch" op="equ" val="r">
+                    <dgm:choose name="Name66">
+                      <dgm:if name="Name67" axis="ch" ptType="asst" func="cnt" op="gte" val="1">
+                        <dgm:alg type="hierRoot">
+                          <dgm:param type="hierAlign" val="tL"/>
+                        </dgm:alg>
+                        <dgm:shape xmlns:r="http://schemas.openxmlformats.org/officeDocument/2006/relationships" r:blip="">
+                          <dgm:adjLst/>
+                        </dgm:shape>
+                        <dgm:presOf/>
+                        <dgm:constrLst>
+                          <dgm:constr type="alignOff" val="0.65"/>
+                        </dgm:constrLst>
+                      </dgm:if>
+                      <dgm:else name="Name68">
+                        <dgm:alg type="hierRoot">
+                          <dgm:param type="hierAlign" val="tL"/>
+                        </dgm:alg>
+                        <dgm:shape xmlns:r="http://schemas.openxmlformats.org/officeDocument/2006/relationships" r:blip="">
+                          <dgm:adjLst/>
+                        </dgm:shape>
+                        <dgm:presOf/>
+                        <dgm:constrLst>
+                          <dgm:constr type="alignOff" val="0.25"/>
+                        </dgm:constrLst>
+                      </dgm:else>
+                    </dgm:choose>
+                  </dgm:if>
+                  <dgm:if name="Name69" func="var" arg="hierBranch" op="equ" val="std">
+                    <dgm:alg type="hierRoot"/>
+                    <dgm:shape xmlns:r="http://schemas.openxmlformats.org/officeDocument/2006/relationships" r:blip="">
+                      <dgm:adjLst/>
+                    </dgm:shape>
+                    <dgm:presOf/>
+                    <dgm:constrLst>
+                      <dgm:constr type="alignOff"/>
+                      <dgm:constr type="bendDist" for="des" ptType="parTrans" refType="sp" fact="0.5"/>
+                    </dgm:constrLst>
+                  </dgm:if>
+                  <dgm:if name="Name70" func="var" arg="hierBranch" op="equ" val="init">
+                    <dgm:choose name="Name71">
+                      <dgm:if name="Name72" axis="des" func="maxDepth" op="lte" val="1">
+                        <dgm:choose name="Name73">
+                          <dgm:if name="Name74" axis="ch" ptType="asst" func="cnt" op="gte" val="1">
+                            <dgm:alg type="hierRoot">
+                              <dgm:param type="hierAlign" val="tL"/>
+                            </dgm:alg>
+                            <dgm:shape xmlns:r="http://schemas.openxmlformats.org/officeDocument/2006/relationships" r:blip="">
+                              <dgm:adjLst/>
+                            </dgm:shape>
+                            <dgm:presOf/>
+                            <dgm:constrLst>
+                              <dgm:constr type="alignOff" val="0.65"/>
+                            </dgm:constrLst>
+                          </dgm:if>
+                          <dgm:else name="Name75">
+                            <dgm:alg type="hierRoot">
+                              <dgm:param type="hierAlign" val="tL"/>
+                            </dgm:alg>
+                            <dgm:shape xmlns:r="http://schemas.openxmlformats.org/officeDocument/2006/relationships" r:blip="">
+                              <dgm:adjLst/>
+                            </dgm:shape>
+                            <dgm:presOf/>
+                            <dgm:constrLst>
+                              <dgm:constr type="alignOff" val="0.25"/>
+                            </dgm:constrLst>
+                          </dgm:else>
+                        </dgm:choose>
+                      </dgm:if>
+                      <dgm:else name="Name76">
+                        <dgm:alg type="hierRoot"/>
+                        <dgm:shape xmlns:r="http://schemas.openxmlformats.org/officeDocument/2006/relationships" r:blip="">
+                          <dgm:adjLst/>
+                        </dgm:shape>
+                        <dgm:presOf/>
+                        <dgm:constrLst>
+                          <dgm:constr type="alignOff"/>
+                          <dgm:constr type="bendDist" for="des" ptType="parTrans" refType="sp" fact="0.5"/>
+                        </dgm:constrLst>
+                      </dgm:else>
+                    </dgm:choose>
+                  </dgm:if>
+                  <dgm:else name="Name77">
+                    <dgm:alg type="hierRoot"/>
+                    <dgm:shape xmlns:r="http://schemas.openxmlformats.org/officeDocument/2006/relationships" r:blip="">
+                      <dgm:adjLst/>
+                    </dgm:shape>
+                    <dgm:presOf/>
+                    <dgm:constrLst>
+                      <dgm:constr type="alignOff" val="0.65"/>
+                    </dgm:constrLst>
+                  </dgm:else>
+                </dgm:choose>
+                <dgm:ruleLst/>
+                <dgm:layoutNode name="rootComposite">
+                  <dgm:alg type="composite"/>
+                  <dgm:shape xmlns:r="http://schemas.openxmlformats.org/officeDocument/2006/relationships" r:blip="">
+                    <dgm:adjLst/>
+                  </dgm:shape>
+                  <dgm:presOf axis="self" ptType="node" cnt="1"/>
+                  <dgm:choose name="Name78">
+                    <dgm:if name="Name79" func="var" arg="hierBranch" op="equ" val="init">
+                      <dgm:constrLst>
+                        <dgm:constr type="l" for="ch" forName="rootText"/>
+                        <dgm:constr type="t" for="ch" forName="rootText"/>
+                        <dgm:constr type="w" for="ch" forName="rootText" refType="w"/>
+                        <dgm:constr type="h" for="ch" forName="rootText" refType="h"/>
+                        <dgm:constr type="l" for="ch" forName="rootConnector"/>
+                        <dgm:constr type="t" for="ch" forName="rootConnector"/>
+                        <dgm:constr type="w" for="ch" forName="rootConnector" refType="w" refFor="ch" refForName="rootText" fact="0.2"/>
+                        <dgm:constr type="h" for="ch" forName="rootConnector" refType="h" refFor="ch" refForName="rootText"/>
+                      </dgm:constrLst>
+                    </dgm:if>
+                    <dgm:if name="Name80" func="var" arg="hierBranch" op="equ" val="l">
+                      <dgm:constrLst>
+                        <dgm:constr type="l" for="ch" forName="rootText"/>
+                        <dgm:constr type="t" for="ch" forName="rootText"/>
+                        <dgm:constr type="w" for="ch" forName="rootText" refType="w"/>
+                        <dgm:constr type="h" for="ch" forName="rootText" refType="h"/>
+                        <dgm:constr type="r" for="ch" forName="rootConnector" refType="w"/>
+                        <dgm:constr type="t" for="ch" forName="rootConnector"/>
+                        <dgm:constr type="w" for="ch" forName="rootConnector" refType="w" refFor="ch" refForName="rootText" fact="0.2"/>
+                        <dgm:constr type="h" for="ch" forName="rootConnector" refType="h" refFor="ch" refForName="rootText"/>
+                      </dgm:constrLst>
+                    </dgm:if>
+                    <dgm:if name="Name81" func="var" arg="hierBranch" op="equ" val="r">
+                      <dgm:constrLst>
+                        <dgm:constr type="l" for="ch" forName="rootText"/>
+                        <dgm:constr type="t" for="ch" forName="rootText"/>
+                        <dgm:constr type="w" for="ch" forName="rootText" refType="w"/>
+                        <dgm:constr type="h" for="ch" forName="rootText" refType="h"/>
+                        <dgm:constr type="l" for="ch" forName="rootConnector"/>
+                        <dgm:constr type="t" for="ch" forName="rootConnector"/>
+                        <dgm:constr type="w" for="ch" forName="rootConnector" refType="w" refFor="ch" refForName="rootText" fact="0.2"/>
+                        <dgm:constr type="h" for="ch" forName="rootConnector" refType="h" refFor="ch" refForName="rootText"/>
+                      </dgm:constrLst>
+                    </dgm:if>
+                    <dgm:else name="Name82">
+                      <dgm:constrLst>
+                        <dgm:constr type="l" for="ch" forName="rootText"/>
+                        <dgm:constr type="t" for="ch" forName="rootText"/>
+                        <dgm:constr type="w" for="ch" forName="rootText" refType="w"/>
+                        <dgm:constr type="h" for="ch" forName="rootText" refType="h"/>
+                        <dgm:constr type="r" for="ch" forName="rootConnector" refType="w"/>
+                        <dgm:constr type="t" for="ch" forName="rootConnector"/>
+                        <dgm:constr type="w" for="ch" forName="rootConnector" refType="w" refFor="ch" refForName="rootText" fact="0.2"/>
+                        <dgm:constr type="h" for="ch" forName="rootConnector" refType="h" refFor="ch" refForName="rootText"/>
+                      </dgm:constrLst>
+                    </dgm:else>
+                  </dgm:choose>
+                  <dgm:ruleLst/>
+                  <dgm:layoutNode name="rootText">
+                    <dgm:varLst>
+                      <dgm:chPref val="3"/>
+                    </dgm:varLst>
+                    <dgm:alg type="tx"/>
+                    <dgm:shape xmlns:r="http://schemas.openxmlformats.org/officeDocument/2006/relationships" type="rect" r:blip="">
+                      <dgm:adjLst/>
+                    </dgm:shape>
+                    <dgm:presOf axis="self" ptType="node" cnt="1"/>
+                    <dgm:constrLst>
+                      <dgm:constr type="primFontSz" val="65"/>
+                      <dgm:constr type="lMarg" refType="primFontSz" fact="0.05"/>
+                      <dgm:constr type="rMarg" refType="primFontSz" fact="0.05"/>
+                      <dgm:constr type="tMarg" refType="primFontSz" fact="0.05"/>
+                      <dgm:constr type="bMarg" refType="primFontSz" fact="0.05"/>
+                    </dgm:constrLst>
+                    <dgm:ruleLst>
+                      <dgm:rule type="primFontSz" val="5" fact="NaN" max="NaN"/>
+                    </dgm:ruleLst>
+                  </dgm:layoutNode>
+                  <dgm:layoutNode name="rootConnector" moveWith="rootText">
+                    <dgm:alg type="sp"/>
+                    <dgm:shape xmlns:r="http://schemas.openxmlformats.org/officeDocument/2006/relationships" type="rect" r:blip="" hideGeom="1">
+                      <dgm:adjLst/>
+                    </dgm:shape>
+                    <dgm:presOf axis="self" ptType="node" cnt="1"/>
+                    <dgm:constrLst/>
+                    <dgm:ruleLst/>
+                  </dgm:layoutNode>
+                </dgm:layoutNode>
+                <dgm:layoutNode name="hierChild4">
+                  <dgm:choose name="Name83">
+                    <dgm:if name="Name84" func="var" arg="hierBranch" op="equ" val="l">
+                      <dgm:alg type="hierChild">
+                        <dgm:param type="chAlign" val="r"/>
+                        <dgm:param type="linDir" val="fromT"/>
+                      </dgm:alg>
+                    </dgm:if>
+                    <dgm:if name="Name85" func="var" arg="hierBranch" op="equ" val="r">
+                      <dgm:alg type="hierChild">
+                        <dgm:param type="chAlign" val="l"/>
+                        <dgm:param type="linDir" val="fromT"/>
+                      </dgm:alg>
+                    </dgm:if>
+                    <dgm:if name="Name86" func="var" arg="hierBranch" op="equ" val="hang">
+                      <dgm:choose name="Name87">
+                        <dgm:if name="Name88" func="var" arg="dir" op="equ" val="norm">
+                          <dgm:alg type="hierChild">
+                            <dgm:param type="chAlign" val="l"/>
+                            <dgm:param type="linDir" val="fromL"/>
+                            <dgm:param type="secChAlign" val="t"/>
+                            <dgm:param type="secLinDir" val="fromT"/>
+                          </dgm:alg>
+                        </dgm:if>
+                        <dgm:else name="Name89">
+                          <dgm:alg type="hierChild">
+                            <dgm:param type="chAlign" val="l"/>
+                            <dgm:param type="linDir" val="fromR"/>
+                            <dgm:param type="secChAlign" val="t"/>
+                            <dgm:param type="secLinDir" val="fromT"/>
+                          </dgm:alg>
+                        </dgm:else>
+                      </dgm:choose>
+                    </dgm:if>
+                    <dgm:if name="Name90" func="var" arg="hierBranch" op="equ" val="std">
+                      <dgm:choose name="Name91">
+                        <dgm:if name="Name92" func="var" arg="dir" op="equ" val="norm">
+                          <dgm:alg type="hierChild"/>
+                        </dgm:if>
+                        <dgm:else name="Name93">
+                          <dgm:alg type="hierChild">
+                            <dgm:param type="linDir" val="fromR"/>
+                          </dgm:alg>
+                        </dgm:else>
+                      </dgm:choose>
+                    </dgm:if>
+                    <dgm:if name="Name94" func="var" arg="hierBranch" op="equ" val="init">
+                      <dgm:choose name="Name95">
+                        <dgm:if name="Name96" axis="des" func="maxDepth" op="lte" val="1">
+                          <dgm:alg type="hierChild">
+                            <dgm:param type="chAlign" val="l"/>
+                            <dgm:param type="linDir" val="fromT"/>
+                          </dgm:alg>
+                        </dgm:if>
+                        <dgm:else name="Name97">
+                          <dgm:choose name="Name98">
+                            <dgm:if name="Name99" func="var" arg="dir" op="equ" val="norm">
+                              <dgm:alg type="hierChild"/>
+                            </dgm:if>
+                            <dgm:else name="Name100">
+                              <dgm:alg type="hierChild">
+                                <dgm:param type="linDir" val="fromR"/>
+                              </dgm:alg>
+                            </dgm:else>
+                          </dgm:choose>
+                        </dgm:else>
+                      </dgm:choose>
+                    </dgm:if>
+                    <dgm:else name="Name101"/>
+                  </dgm:choose>
+                  <dgm:shape xmlns:r="http://schemas.openxmlformats.org/officeDocument/2006/relationships" r:blip="">
+                    <dgm:adjLst/>
+                  </dgm:shape>
+                  <dgm:presOf/>
+                  <dgm:constrLst/>
+                  <dgm:ruleLst/>
+                  <dgm:forEach name="Name102" ref="rep2a"/>
+                </dgm:layoutNode>
+                <dgm:layoutNode name="hierChild5">
+                  <dgm:choose name="Name103">
+                    <dgm:if name="Name104" func="var" arg="dir" op="equ" val="norm">
+                      <dgm:alg type="hierChild">
+                        <dgm:param type="chAlign" val="l"/>
+                        <dgm:param type="linDir" val="fromL"/>
+                        <dgm:param type="secChAlign" val="t"/>
+                        <dgm:param type="secLinDir" val="fromT"/>
+                      </dgm:alg>
+                    </dgm:if>
+                    <dgm:else name="Name105">
+                      <dgm:alg type="hierChild">
+                        <dgm:param type="chAlign" val="l"/>
+                        <dgm:param type="linDir" val="fromR"/>
+                        <dgm:param type="secChAlign" val="t"/>
+                        <dgm:param type="secLinDir" val="fromT"/>
+                      </dgm:alg>
+                    </dgm:else>
+                  </dgm:choose>
+                  <dgm:shape xmlns:r="http://schemas.openxmlformats.org/officeDocument/2006/relationships" r:blip="">
+                    <dgm:adjLst/>
+                  </dgm:shape>
+                  <dgm:presOf/>
+                  <dgm:constrLst/>
+                  <dgm:ruleLst/>
+                  <dgm:forEach name="Name106" ref="rep2b"/>
+                </dgm:layoutNode>
+              </dgm:layoutNode>
+            </dgm:forEach>
+          </dgm:layoutNode>
+          <dgm:layoutNode name="hierChild3">
+            <dgm:choose name="Name107">
+              <dgm:if name="Name108" func="var" arg="dir" op="equ" val="norm">
+                <dgm:alg type="hierChild">
+                  <dgm:param type="chAlign" val="l"/>
+                  <dgm:param type="linDir" val="fromL"/>
+                  <dgm:param type="secChAlign" val="t"/>
+                  <dgm:param type="secLinDir" val="fromT"/>
+                </dgm:alg>
+              </dgm:if>
+              <dgm:else name="Name109">
+                <dgm:alg type="hierChild">
+                  <dgm:param type="chAlign" val="l"/>
+                  <dgm:param type="linDir" val="fromR"/>
+                  <dgm:param type="secChAlign" val="t"/>
+                  <dgm:param type="secLinDir" val="fromT"/>
+                </dgm:alg>
+              </dgm:else>
+            </dgm:choose>
+            <dgm:shape xmlns:r="http://schemas.openxmlformats.org/officeDocument/2006/relationships" r:blip="">
+              <dgm:adjLst/>
+            </dgm:shape>
+            <dgm:presOf/>
+            <dgm:constrLst/>
+            <dgm:ruleLst/>
+            <dgm:forEach name="rep2b" axis="ch" ptType="asst">
+              <dgm:forEach name="Name110" axis="precedSib" ptType="parTrans" st="-1" cnt="1">
+                <dgm:layoutNode name="Name111">
+                  <dgm:alg type="conn">
+                    <dgm:param type="connRout" val="bend"/>
+                    <dgm:param type="dim" val="1D"/>
+                    <dgm:param type="endSty" val="noArr"/>
+                    <dgm:param type="begPts" val="bCtr"/>
+                    <dgm:param type="endPts" val="midL midR"/>
+                  </dgm:alg>
+                  <dgm:shape xmlns:r="http://schemas.openxmlformats.org/officeDocument/2006/relationships" type="conn" r:blip="" zOrderOff="-99999">
+                    <dgm:adjLst/>
+                  </dgm:shape>
+                  <dgm:presOf axis="self"/>
+                  <dgm:constrLst>
+                    <dgm:constr type="begPad"/>
+                    <dgm:constr type="endPad"/>
+                  </dgm:constrLst>
+                  <dgm:ruleLst/>
+                </dgm:layoutNode>
+              </dgm:forEach>
+              <dgm:layoutNode name="hierRoot3">
+                <dgm:varLst>
+                  <dgm:hierBranch val="init"/>
+                </dgm:varLst>
+                <dgm:choose name="Name112">
+                  <dgm:if name="Name113" func="var" arg="hierBranch" op="equ" val="l">
+                    <dgm:alg type="hierRoot">
+                      <dgm:param type="hierAlign" val="tR"/>
+                    </dgm:alg>
+                    <dgm:shape xmlns:r="http://schemas.openxmlformats.org/officeDocument/2006/relationships" r:blip="">
+                      <dgm:adjLst/>
+                    </dgm:shape>
+                    <dgm:presOf/>
+                    <dgm:constrLst>
+                      <dgm:constr type="alignOff" val="0.65"/>
+                    </dgm:constrLst>
+                  </dgm:if>
+                  <dgm:if name="Name114" func="var" arg="hierBranch" op="equ" val="r">
+                    <dgm:alg type="hierRoot">
+                      <dgm:param type="hierAlign" val="tL"/>
+                    </dgm:alg>
+                    <dgm:shape xmlns:r="http://schemas.openxmlformats.org/officeDocument/2006/relationships" r:blip="">
+                      <dgm:adjLst/>
+                    </dgm:shape>
+                    <dgm:presOf/>
+                    <dgm:constrLst>
+                      <dgm:constr type="alignOff" val="0.65"/>
+                    </dgm:constrLst>
+                  </dgm:if>
+                  <dgm:if name="Name115" func="var" arg="hierBranch" op="equ" val="hang">
+                    <dgm:alg type="hierRoot"/>
+                    <dgm:shape xmlns:r="http://schemas.openxmlformats.org/officeDocument/2006/relationships" r:blip="">
+                      <dgm:adjLst/>
+                    </dgm:shape>
+                    <dgm:presOf/>
+                    <dgm:constrLst>
+                      <dgm:constr type="alignOff" val="0.65"/>
+                    </dgm:constrLst>
+                  </dgm:if>
+                  <dgm:if name="Name116" func="var" arg="hierBranch" op="equ" val="std">
+                    <dgm:alg type="hierRoot"/>
+                    <dgm:shape xmlns:r="http://schemas.openxmlformats.org/officeDocument/2006/relationships" r:blip="">
+                      <dgm:adjLst/>
+                    </dgm:shape>
+                    <dgm:presOf/>
+                    <dgm:constrLst>
+                      <dgm:constr type="alignOff"/>
+                      <dgm:constr type="bendDist" for="des" ptType="parTrans" refType="sp" fact="0.5"/>
+                    </dgm:constrLst>
+                  </dgm:if>
+                  <dgm:if name="Name117" func="var" arg="hierBranch" op="equ" val="init">
+                    <dgm:choose name="Name118">
+                      <dgm:if name="Name119" axis="des" func="maxDepth" op="lte" val="1">
+                        <dgm:alg type="hierRoot">
+                          <dgm:param type="hierAlign" val="tL"/>
+                        </dgm:alg>
+                        <dgm:shape xmlns:r="http://schemas.openxmlformats.org/officeDocument/2006/relationships" r:blip="">
+                          <dgm:adjLst/>
+                        </dgm:shape>
+                        <dgm:presOf/>
+                        <dgm:constrLst>
+                          <dgm:constr type="alignOff" val="0.65"/>
+                        </dgm:constrLst>
+                      </dgm:if>
+                      <dgm:else name="Name120">
+                        <dgm:alg type="hierRoot"/>
+                        <dgm:shape xmlns:r="http://schemas.openxmlformats.org/officeDocument/2006/relationships" r:blip="">
+                          <dgm:adjLst/>
+                        </dgm:shape>
+                        <dgm:presOf/>
+                        <dgm:constrLst>
+                          <dgm:constr type="alignOff"/>
+                          <dgm:constr type="bendDist" for="des" ptType="parTrans" refType="sp" fact="0.5"/>
+                        </dgm:constrLst>
+                      </dgm:else>
+                    </dgm:choose>
+                  </dgm:if>
+                  <dgm:else name="Name121"/>
+                </dgm:choose>
+                <dgm:ruleLst/>
+                <dgm:layoutNode name="rootComposite3">
+                  <dgm:alg type="composite"/>
+                  <dgm:shape xmlns:r="http://schemas.openxmlformats.org/officeDocument/2006/relationships" r:blip="">
+                    <dgm:adjLst/>
+                  </dgm:shape>
+                  <dgm:presOf axis="self" ptType="node" cnt="1"/>
+                  <dgm:choose name="Name122">
+                    <dgm:if name="Name123" func="var" arg="hierBranch" op="equ" val="init">
+                      <dgm:constrLst>
+                        <dgm:constr type="l" for="ch" forName="rootText3"/>
+                        <dgm:constr type="t" for="ch" forName="rootText3"/>
+                        <dgm:constr type="w" for="ch" forName="rootText3" refType="w"/>
+                        <dgm:constr type="h" for="ch" forName="rootText3" refType="h"/>
+                        <dgm:constr type="l" for="ch" forName="rootConnector3"/>
+                        <dgm:constr type="t" for="ch" forName="rootConnector3"/>
+                        <dgm:constr type="w" for="ch" forName="rootConnector3" refType="w" refFor="ch" refForName="rootText3" fact="0.2"/>
+                        <dgm:constr type="h" for="ch" forName="rootConnector3" refType="h" refFor="ch" refForName="rootText3"/>
+                      </dgm:constrLst>
+                    </dgm:if>
+                    <dgm:if name="Name124" func="var" arg="hierBranch" op="equ" val="l">
+                      <dgm:constrLst>
+                        <dgm:constr type="l" for="ch" forName="rootText3"/>
+                        <dgm:constr type="t" for="ch" forName="rootText3"/>
+                        <dgm:constr type="w" for="ch" forName="rootText3" refType="w"/>
+                        <dgm:constr type="h" for="ch" forName="rootText3" refType="h"/>
+                        <dgm:constr type="r" for="ch" forName="rootConnector3" refType="w"/>
+                        <dgm:constr type="t" for="ch" forName="rootConnector3"/>
+                        <dgm:constr type="w" for="ch" forName="rootConnector3" refType="w" refFor="ch" refForName="rootText3" fact="0.2"/>
+                        <dgm:constr type="h" for="ch" forName="rootConnector3" refType="h" refFor="ch" refForName="rootText3"/>
+                      </dgm:constrLst>
+                    </dgm:if>
+                    <dgm:if name="Name125" func="var" arg="hierBranch" op="equ" val="r">
+                      <dgm:constrLst>
+                        <dgm:constr type="l" for="ch" forName="rootText3"/>
+                        <dgm:constr type="t" for="ch" forName="rootText3"/>
+                        <dgm:constr type="w" for="ch" forName="rootText3" refType="w"/>
+                        <dgm:constr type="h" for="ch" forName="rootText3" refType="h"/>
+                        <dgm:constr type="l" for="ch" forName="rootConnector3"/>
+                        <dgm:constr type="t" for="ch" forName="rootConnector3"/>
+                        <dgm:constr type="w" for="ch" forName="rootConnector3" refType="w" refFor="ch" refForName="rootText3" fact="0.2"/>
+                        <dgm:constr type="h" for="ch" forName="rootConnector3" refType="h" refFor="ch" refForName="rootText3"/>
+                      </dgm:constrLst>
+                    </dgm:if>
+                    <dgm:else name="Name126">
+                      <dgm:constrLst>
+                        <dgm:constr type="l" for="ch" forName="rootText3"/>
+                        <dgm:constr type="t" for="ch" forName="rootText3"/>
+                        <dgm:constr type="w" for="ch" forName="rootText3" refType="w"/>
+                        <dgm:constr type="h" for="ch" forName="rootText3" refType="h"/>
+                        <dgm:constr type="r" for="ch" forName="rootConnector3" refType="w"/>
+                        <dgm:constr type="t" for="ch" forName="rootConnector3"/>
+                        <dgm:constr type="w" for="ch" forName="rootConnector3" refType="w" refFor="ch" refForName="rootText3" fact="0.2"/>
+                        <dgm:constr type="h" for="ch" forName="rootConnector3" refType="h" refFor="ch" refForName="rootText3"/>
+                      </dgm:constrLst>
+                    </dgm:else>
+                  </dgm:choose>
+                  <dgm:ruleLst/>
+                  <dgm:layoutNode name="rootText3">
+                    <dgm:varLst>
+                      <dgm:chPref val="3"/>
+                    </dgm:varLst>
+                    <dgm:alg type="tx"/>
+                    <dgm:shape xmlns:r="http://schemas.openxmlformats.org/officeDocument/2006/relationships" type="rect" r:blip="">
+                      <dgm:adjLst/>
+                    </dgm:shape>
+                    <dgm:presOf axis="self" ptType="node" cnt="1"/>
+                    <dgm:constrLst>
+                      <dgm:constr type="primFontSz" val="65"/>
+                      <dgm:constr type="lMarg" refType="primFontSz" fact="0.05"/>
+                      <dgm:constr type="rMarg" refType="primFontSz" fact="0.05"/>
+                      <dgm:constr type="tMarg" refType="primFontSz" fact="0.05"/>
+                      <dgm:constr type="bMarg" refType="primFontSz" fact="0.05"/>
+                    </dgm:constrLst>
+                    <dgm:ruleLst>
+                      <dgm:rule type="primFontSz" val="5" fact="NaN" max="NaN"/>
+                    </dgm:ruleLst>
+                  </dgm:layoutNode>
+                  <dgm:layoutNode name="rootConnector3" moveWith="rootText1">
+                    <dgm:alg type="sp"/>
+                    <dgm:shape xmlns:r="http://schemas.openxmlformats.org/officeDocument/2006/relationships" type="rect" r:blip="" hideGeom="1">
+                      <dgm:adjLst/>
+                    </dgm:shape>
+                    <dgm:presOf axis="self" ptType="node" cnt="1"/>
+                    <dgm:constrLst/>
+                    <dgm:ruleLst/>
+                  </dgm:layoutNode>
+                </dgm:layoutNode>
+                <dgm:layoutNode name="hierChild6">
+                  <dgm:choose name="Name127">
+                    <dgm:if name="Name128" func="var" arg="hierBranch" op="equ" val="l">
+                      <dgm:alg type="hierChild">
+                        <dgm:param type="chAlign" val="r"/>
+                        <dgm:param type="linDir" val="fromT"/>
+                      </dgm:alg>
+                    </dgm:if>
+                    <dgm:if name="Name129" func="var" arg="hierBranch" op="equ" val="r">
+                      <dgm:alg type="hierChild">
+                        <dgm:param type="chAlign" val="l"/>
+                        <dgm:param type="linDir" val="fromT"/>
+                      </dgm:alg>
+                    </dgm:if>
+                    <dgm:if name="Name130" func="var" arg="hierBranch" op="equ" val="hang">
+                      <dgm:choose name="Name131">
+                        <dgm:if name="Name132" func="var" arg="dir" op="equ" val="norm">
+                          <dgm:alg type="hierChild">
+                            <dgm:param type="chAlign" val="l"/>
+                            <dgm:param type="linDir" val="fromL"/>
+                            <dgm:param type="secChAlign" val="t"/>
+                            <dgm:param type="secLinDir" val="fromT"/>
+                          </dgm:alg>
+                        </dgm:if>
+                        <dgm:else name="Name133">
+                          <dgm:alg type="hierChild">
+                            <dgm:param type="chAlign" val="l"/>
+                            <dgm:param type="linDir" val="fromR"/>
+                            <dgm:param type="secChAlign" val="t"/>
+                            <dgm:param type="secLinDir" val="fromT"/>
+                          </dgm:alg>
+                        </dgm:else>
+                      </dgm:choose>
+                    </dgm:if>
+                    <dgm:if name="Name134" func="var" arg="hierBranch" op="equ" val="std">
+                      <dgm:choose name="Name135">
+                        <dgm:if name="Name136" func="var" arg="dir" op="equ" val="norm">
+                          <dgm:alg type="hierChild"/>
+                        </dgm:if>
+                        <dgm:else name="Name137">
+                          <dgm:alg type="hierChild">
+                            <dgm:param type="linDir" val="fromR"/>
+                          </dgm:alg>
+                        </dgm:else>
+                      </dgm:choose>
+                    </dgm:if>
+                    <dgm:if name="Name138" func="var" arg="hierBranch" op="equ" val="init">
+                      <dgm:choose name="Name139">
+                        <dgm:if name="Name140" axis="des" func="maxDepth" op="lte" val="1">
+                          <dgm:alg type="hierChild">
+                            <dgm:param type="chAlign" val="l"/>
+                            <dgm:param type="linDir" val="fromT"/>
+                          </dgm:alg>
+                        </dgm:if>
+                        <dgm:else name="Name141">
+                          <dgm:alg type="hierChild"/>
+                        </dgm:else>
+                      </dgm:choose>
+                    </dgm:if>
+                    <dgm:else name="Name142"/>
+                  </dgm:choose>
+                  <dgm:shape xmlns:r="http://schemas.openxmlformats.org/officeDocument/2006/relationships" r:blip="">
+                    <dgm:adjLst/>
+                  </dgm:shape>
+                  <dgm:presOf/>
+                  <dgm:constrLst/>
+                  <dgm:ruleLst/>
+                  <dgm:forEach name="Name143" ref="rep2a"/>
+                </dgm:layoutNode>
+                <dgm:layoutNode name="hierChild7">
+                  <dgm:choose name="Name144">
+                    <dgm:if name="Name145" func="var" arg="dir" op="equ" val="norm">
+                      <dgm:alg type="hierChild">
+                        <dgm:param type="chAlign" val="l"/>
+                        <dgm:param type="linDir" val="fromL"/>
+                        <dgm:param type="secChAlign" val="t"/>
+                        <dgm:param type="secLinDir" val="fromT"/>
+                      </dgm:alg>
+                    </dgm:if>
+                    <dgm:else name="Name146">
+                      <dgm:alg type="hierChild">
+                        <dgm:param type="chAlign" val="l"/>
+                        <dgm:param type="linDir" val="fromR"/>
+                        <dgm:param type="secChAlign" val="t"/>
+                        <dgm:param type="secLinDir" val="fromT"/>
+                      </dgm:alg>
+                    </dgm:else>
+                  </dgm:choose>
+                  <dgm:shape xmlns:r="http://schemas.openxmlformats.org/officeDocument/2006/relationships" r:blip="">
+                    <dgm:adjLst/>
+                  </dgm:shape>
+                  <dgm:presOf/>
+                  <dgm:constrLst/>
+                  <dgm:ruleLst/>
+                  <dgm:forEach name="Name147" ref="rep2b"/>
+                </dgm:layoutNode>
+              </dgm:layoutNode>
+            </dgm:forEach>
+          </dgm:layoutNode>
+        </dgm:layoutNode>
+      </dgm:forEach>
+    </dgm:forEach>
+  </dgm:layoutNode>
+</dgm:layoutDef>
+</file>
+
 <file path=ppt/diagrams/quickStyle1.xml><?xml version="1.0" encoding="utf-8"?>
+<dgm:styleDef xmlns:dgm="http://schemas.openxmlformats.org/drawingml/2006/diagram" xmlns:a="http://schemas.openxmlformats.org/drawingml/2006/main" uniqueId="urn:microsoft.com/office/officeart/2005/8/quickstyle/simple1">
+  <dgm:title val=""/>
+  <dgm:desc val=""/>
+  <dgm:catLst>
+    <dgm:cat type="simple" pri="10100"/>
+  </dgm:catLst>
+  <dgm:scene3d>
+    <a:camera prst="orthographicFront"/>
+    <a:lightRig rig="threePt" dir="t"/>
+  </dgm:scene3d>
+  <dgm:styleLbl name="node0">
+    <dgm:scene3d>
+      <a:camera prst="orthographicFront"/>
+      <a:lightRig rig="threePt" dir="t"/>
+    </dgm:scene3d>
+    <dgm:sp3d/>
+    <dgm:txPr/>
+    <dgm:style>
+      <a:lnRef idx="2">
+        <a:scrgbClr r="0" g="0" b="0"/>
+      </a:lnRef>
+      <a:fillRef idx="1">
+        <a:scrgbClr r="0" g="0" b="0"/>
+      </a:fillRef>
+      <a:effectRef idx="0">
+        <a:scrgbClr r="0" g="0" b="0"/>
+      </a:effectRef>
+      <a:fontRef idx="minor">
+        <a:schemeClr val="lt1"/>
+      </a:fontRef>
+    </dgm:style>
+  </dgm:styleLbl>
+  <dgm:styleLbl name="lnNode1">
+    <dgm:scene3d>
+      <a:camera prst="orthographicFront"/>
+      <a:lightRig rig="threePt" dir="t"/>
+    </dgm:scene3d>
+    <dgm:sp3d/>
+    <dgm:txPr/>
+    <dgm:style>
+      <a:lnRef idx="2">
+        <a:scrgbClr r="0" g="0" b="0"/>
+      </a:lnRef>
+      <a:fillRef idx="1">
+        <a:scrgbClr r="0" g="0" b="0"/>
+      </a:fillRef>
+      <a:effectRef idx="0">
+        <a:scrgbClr r="0" g="0" b="0"/>
+      </a:effectRef>
+      <a:fontRef idx="minor">
+        <a:schemeClr val="lt1"/>
+      </a:fontRef>
+    </dgm:style>
+  </dgm:styleLbl>
+  <dgm:styleLbl name="vennNode1">
+    <dgm:scene3d>
+      <a:camera prst="orthographicFront"/>
+      <a:lightRig rig="threePt" dir="t"/>
+    </dgm:scene3d>
+    <dgm:sp3d/>
+    <dgm:txPr/>
+    <dgm:style>
+      <a:lnRef idx="2">
+        <a:scrgbClr r="0" g="0" b="0"/>
+      </a:lnRef>
+      <a:fillRef idx="1">
+        <a:scrgbClr r="0" g="0" b="0"/>
+      </a:fillRef>
+      <a:effectRef idx="0">
+        <a:scrgbClr r="0" g="0" b="0"/>
+      </a:effectRef>
+      <a:fontRef idx="minor">
+        <a:schemeClr val="tx1"/>
+      </a:fontRef>
+    </dgm:style>
+  </dgm:styleLbl>
+  <dgm:styleLbl name="alignNode1">
+    <dgm:scene3d>
+      <a:camera prst="orthographicFront"/>
+      <a:lightRig rig="threePt" dir="t"/>
+    </dgm:scene3d>
+    <dgm:sp3d/>
+    <dgm:txPr/>
+    <dgm:style>
+      <a:lnRef idx="2">
+        <a:scrgbClr r="0" g="0" b="0"/>
+      </a:lnRef>
+      <a:fillRef idx="1">
+        <a:scrgbClr r="0" g="0" b="0"/>
+      </a:fillRef>
+      <a:effectRef idx="0">
+        <a:scrgbClr r="0" g="0" b="0"/>
+      </a:effectRef>
+      <a:fontRef idx="minor">
+        <a:schemeClr val="lt1"/>
+      </a:fontRef>
+    </dgm:style>
+  </dgm:styleLbl>
+  <dgm:styleLbl name="node1">
+    <dgm:scene3d>
+      <a:camera prst="orthographicFront"/>
+      <a:lightRig rig="threePt" dir="t"/>
+    </dgm:scene3d>
+    <dgm:sp3d/>
+    <dgm:txPr/>
+    <dgm:style>
+      <a:lnRef idx="2">
+        <a:scrgbClr r="0" g="0" b="0"/>
+      </a:lnRef>
+      <a:fillRef idx="1">
+        <a:scrgbClr r="0" g="0" b="0"/>
+      </a:fillRef>
+      <a:effectRef idx="0">
+        <a:scrgbClr r="0" g="0" b="0"/>
+      </a:effectRef>
+      <a:fontRef idx="minor">
+        <a:schemeClr val="lt1"/>
+      </a:fontRef>
+    </dgm:style>
+  </dgm:styleLbl>
+  <dgm:styleLbl name="node2">
+    <dgm:scene3d>
+      <a:camera prst="orthographicFront"/>
+      <a:lightRig rig="threePt" dir="t"/>
+    </dgm:scene3d>
+    <dgm:sp3d/>
+    <dgm:txPr/>
+    <dgm:style>
+      <a:lnRef idx="2">
+        <a:scrgbClr r="0" g="0" b="0"/>
+      </a:lnRef>
+      <a:fillRef idx="1">
+        <a:scrgbClr r="0" g="0" b="0"/>
+      </a:fillRef>
+      <a:effectRef idx="0">
+        <a:scrgbClr r="0" g="0" b="0"/>
+      </a:effectRef>
+      <a:fontRef idx="minor">
+        <a:schemeClr val="lt1"/>
+      </a:fontRef>
+    </dgm:style>
+  </dgm:styleLbl>
+  <dgm:styleLbl name="node3">
+    <dgm:scene3d>
+      <a:camera prst="orthographicFront"/>
+      <a:lightRig rig="threePt" dir="t"/>
+    </dgm:scene3d>
+    <dgm:sp3d/>
+    <dgm:txPr/>
+    <dgm:style>
+      <a:lnRef idx="2">
+        <a:scrgbClr r="0" g="0" b="0"/>
+      </a:lnRef>
+      <a:fillRef idx="1">
+        <a:scrgbClr r="0" g="0" b="0"/>
+      </a:fillRef>
+      <a:effectRef idx="0">
+        <a:scrgbClr r="0" g="0" b="0"/>
+      </a:effectRef>
+      <a:fontRef idx="minor">
+        <a:schemeClr val="lt1"/>
+      </a:fontRef>
+    </dgm:style>
+  </dgm:styleLbl>
+  <dgm:styleLbl name="node4">
+    <dgm:scene3d>
+      <a:camera prst="orthographicFront"/>
+      <a:lightRig rig="threePt" dir="t"/>
+    </dgm:scene3d>
+    <dgm:sp3d/>
+    <dgm:txPr/>
+    <dgm:style>
+      <a:lnRef idx="2">
+        <a:scrgbClr r="0" g="0" b="0"/>
+      </a:lnRef>
+      <a:fillRef idx="1">
+        <a:scrgbClr r="0" g="0" b="0"/>
+      </a:fillRef>
+      <a:effectRef idx="0">
+        <a:scrgbClr r="0" g="0" b="0"/>
+      </a:effectRef>
+      <a:fontRef idx="minor">
+        <a:schemeClr val="lt1"/>
+      </a:fontRef>
+    </dgm:style>
+  </dgm:styleLbl>
+  <dgm:styleLbl name="fgImgPlace1">
+    <dgm:scene3d>
+      <a:camera prst="orthographicFront"/>
+      <a:lightRig rig="threePt" dir="t"/>
+    </dgm:scene3d>
+    <dgm:sp3d/>
+    <dgm:txPr/>
+    <dgm:style>
+      <a:lnRef idx="2">
+        <a:scrgbClr r="0" g="0" b="0"/>
+      </a:lnRef>
+      <a:fillRef idx="1">
+        <a:scrgbClr r="0" g="0" b="0"/>
+      </a:fillRef>
+      <a:effectRef idx="0">
+        <a:scrgbClr r="0" g="0" b="0"/>
+      </a:effectRef>
+      <a:fontRef idx="minor"/>
+    </dgm:style>
+  </dgm:styleLbl>
+  <dgm:styleLbl name="alignImgPlace1">
+    <dgm:scene3d>
+      <a:camera prst="orthographicFront"/>
+      <a:lightRig rig="threePt" dir="t"/>
+    </dgm:scene3d>
+    <dgm:sp3d/>
+    <dgm:txPr/>
+    <dgm:style>
+      <a:lnRef idx="2">
+        <a:scrgbClr r="0" g="0" b="0"/>
+      </a:lnRef>
+      <a:fillRef idx="1">
+        <a:scrgbClr r="0" g="0" b="0"/>
+      </a:fillRef>
+      <a:effectRef idx="0">
+        <a:scrgbClr r="0" g="0" b="0"/>
+      </a:effectRef>
+      <a:fontRef idx="minor"/>
+    </dgm:style>
+  </dgm:styleLbl>
+  <dgm:styleLbl name="bgImgPlace1">
+    <dgm:scene3d>
+      <a:camera prst="orthographicFront"/>
+      <a:lightRig rig="threePt" dir="t"/>
+    </dgm:scene3d>
+    <dgm:sp3d/>
+    <dgm:txPr/>
+    <dgm:style>
+      <a:lnRef idx="2">
+        <a:scrgbClr r="0" g="0" b="0"/>
+      </a:lnRef>
+      <a:fillRef idx="1">
+        <a:scrgbClr r="0" g="0" b="0"/>
+      </a:fillRef>
+      <a:effectRef idx="0">
+        <a:scrgbClr r="0" g="0" b="0"/>
+      </a:effectRef>
+      <a:fontRef idx="minor"/>
+    </dgm:style>
+  </dgm:styleLbl>
+  <dgm:styleLbl name="sibTrans2D1">
+    <dgm:scene3d>
+      <a:camera prst="orthographicFront"/>
+      <a:lightRig rig="threePt" dir="t"/>
+    </dgm:scene3d>
+    <dgm:sp3d/>
+    <dgm:txPr/>
+    <dgm:style>
+      <a:lnRef idx="0">
+        <a:scrgbClr r="0" g="0" b="0"/>
+      </a:lnRef>
+      <a:fillRef idx="1">
+        <a:scrgbClr r="0" g="0" b="0"/>
+      </a:fillRef>
+      <a:effectRef idx="0">
+        <a:scrgbClr r="0" g="0" b="0"/>
+      </a:effectRef>
+      <a:fontRef idx="minor">
+        <a:schemeClr val="lt1"/>
+      </a:fontRef>
+    </dgm:style>
+  </dgm:styleLbl>
+  <dgm:styleLbl name="fgSibTrans2D1">
+    <dgm:scene3d>
+      <a:camera prst="orthographicFront"/>
+      <a:lightRig rig="threePt" dir="t"/>
+    </dgm:scene3d>
+    <dgm:sp3d/>
+    <dgm:txPr/>
+    <dgm:style>
+      <a:lnRef idx="0">
+        <a:scrgbClr r="0" g="0" b="0"/>
+      </a:lnRef>
+      <a:fillRef idx="1">
+        <a:scrgbClr r="0" g="0" b="0"/>
+      </a:fillRef>
+      <a:effectRef idx="0">
+        <a:scrgbClr r="0" g="0" b="0"/>
+      </a:effectRef>
+      <a:fontRef idx="minor">
+        <a:schemeClr val="lt1"/>
+      </a:fontRef>
+    </dgm:style>
+  </dgm:styleLbl>
+  <dgm:styleLbl name="bgSibTrans2D1">
+    <dgm:scene3d>
+      <a:camera prst="orthographicFront"/>
+      <a:lightRig rig="threePt" dir="t"/>
+    </dgm:scene3d>
+    <dgm:sp3d/>
+    <dgm:txPr/>
+    <dgm:style>
+      <a:lnRef idx="0">
+        <a:scrgbClr r="0" g="0" b="0"/>
+      </a:lnRef>
+      <a:fillRef idx="1">
+        <a:scrgbClr r="0" g="0" b="0"/>
+      </a:fillRef>
+      <a:effectRef idx="0">
+        <a:scrgbClr r="0" g="0" b="0"/>
+      </a:effectRef>
+      <a:fontRef idx="minor">
+        <a:schemeClr val="lt1"/>
+      </a:fontRef>
+    </dgm:style>
+  </dgm:styleLbl>
+  <dgm:styleLbl name="sibTrans1D1">
+    <dgm:scene3d>
+      <a:camera prst="orthographicFront"/>
+      <a:lightRig rig="threePt" dir="t"/>
+    </dgm:scene3d>
+    <dgm:sp3d/>
+    <dgm:txPr/>
+    <dgm:style>
+      <a:lnRef idx="1">
+        <a:scrgbClr r="0" g="0" b="0"/>
+      </a:lnRef>
+      <a:fillRef idx="0">
+        <a:scrgbClr r="0" g="0" b="0"/>
+      </a:fillRef>
+      <a:effectRef idx="0">
+        <a:scrgbClr r="0" g="0" b="0"/>
+      </a:effectRef>
+      <a:fontRef idx="minor"/>
+    </dgm:style>
+  </dgm:styleLbl>
+  <dgm:styleLbl name="callout">
+    <dgm:scene3d>
+      <a:camera prst="orthographicFront"/>
+      <a:lightRig rig="threePt" dir="t"/>
+    </dgm:scene3d>
+    <dgm:sp3d/>
+    <dgm:txPr/>
+    <dgm:style>
+      <a:lnRef idx="2">
+        <a:scrgbClr r="0" g="0" b="0"/>
+      </a:lnRef>
+      <a:fillRef idx="1">
+        <a:scrgbClr r="0" g="0" b="0"/>
+      </a:fillRef>
+      <a:effectRef idx="0">
+        <a:scrgbClr r="0" g="0" b="0"/>
+      </a:effectRef>
+      <a:fontRef idx="minor"/>
+    </dgm:style>
+  </dgm:styleLbl>
+  <dgm:styleLbl name="asst0">
+    <dgm:scene3d>
+      <a:camera prst="orthographicFront"/>
+      <a:lightRig rig="threePt" dir="t"/>
+    </dgm:scene3d>
+    <dgm:sp3d/>
+    <dgm:txPr/>
+    <dgm:style>
+      <a:lnRef idx="2">
+        <a:scrgbClr r="0" g="0" b="0"/>
+      </a:lnRef>
+      <a:fillRef idx="1">
+        <a:scrgbClr r="0" g="0" b="0"/>
+      </a:fillRef>
+      <a:effectRef idx="0">
+        <a:scrgbClr r="0" g="0" b="0"/>
+      </a:effectRef>
+      <a:fontRef idx="minor">
+        <a:schemeClr val="lt1"/>
+      </a:fontRef>
+    </dgm:style>
+  </dgm:styleLbl>
+  <dgm:styleLbl name="asst1">
+    <dgm:scene3d>
+      <a:camera prst="orthographicFront"/>
+      <a:lightRig rig="threePt" dir="t"/>
+    </dgm:scene3d>
+    <dgm:sp3d/>
+    <dgm:txPr/>
+    <dgm:style>
+      <a:lnRef idx="2">
+        <a:scrgbClr r="0" g="0" b="0"/>
+      </a:lnRef>
+      <a:fillRef idx="1">
+        <a:scrgbClr r="0" g="0" b="0"/>
+      </a:fillRef>
+      <a:effectRef idx="0">
+        <a:scrgbClr r="0" g="0" b="0"/>
+      </a:effectRef>
+      <a:fontRef idx="minor">
+        <a:schemeClr val="lt1"/>
+      </a:fontRef>
+    </dgm:style>
+  </dgm:styleLbl>
+  <dgm:styleLbl name="asst2">
+    <dgm:scene3d>
+      <a:camera prst="orthographicFront"/>
+      <a:lightRig rig="threePt" dir="t"/>
+    </dgm:scene3d>
+    <dgm:sp3d/>
+    <dgm:txPr/>
+    <dgm:style>
+      <a:lnRef idx="2">
+        <a:scrgbClr r="0" g="0" b="0"/>
+      </a:lnRef>
+      <a:fillRef idx="1">
+        <a:scrgbClr r="0" g="0" b="0"/>
+      </a:fillRef>
+      <a:effectRef idx="0">
+        <a:scrgbClr r="0" g="0" b="0"/>
+      </a:effectRef>
+      <a:fontRef idx="minor">
+        <a:schemeClr val="lt1"/>
+      </a:fontRef>
+    </dgm:style>
+  </dgm:styleLbl>
+  <dgm:styleLbl name="asst3">
+    <dgm:scene3d>
+      <a:camera prst="orthographicFront"/>
+      <a:lightRig rig="threePt" dir="t"/>
+    </dgm:scene3d>
+    <dgm:sp3d/>
+    <dgm:txPr/>
+    <dgm:style>
+      <a:lnRef idx="2">
+        <a:scrgbClr r="0" g="0" b="0"/>
+      </a:lnRef>
+      <a:fillRef idx="1">
+        <a:scrgbClr r="0" g="0" b="0"/>
+      </a:fillRef>
+      <a:effectRef idx="0">
+        <a:scrgbClr r="0" g="0" b="0"/>
+      </a:effectRef>
+      <a:fontRef idx="minor">
+        <a:schemeClr val="lt1"/>
+      </a:fontRef>
+    </dgm:style>
+  </dgm:styleLbl>
+  <dgm:styleLbl name="asst4">
+    <dgm:scene3d>
+      <a:camera prst="orthographicFront"/>
+      <a:lightRig rig="threePt" dir="t"/>
+    </dgm:scene3d>
+    <dgm:sp3d/>
+    <dgm:txPr/>
+    <dgm:style>
+      <a:lnRef idx="2">
+        <a:scrgbClr r="0" g="0" b="0"/>
+      </a:lnRef>
+      <a:fillRef idx="1">
+        <a:scrgbClr r="0" g="0" b="0"/>
+      </a:fillRef>
+      <a:effectRef idx="0">
+        <a:scrgbClr r="0" g="0" b="0"/>
+      </a:effectRef>
+      <a:fontRef idx="minor">
+        <a:schemeClr val="lt1"/>
+      </a:fontRef>
+    </dgm:style>
+  </dgm:styleLbl>
+  <dgm:styleLbl name="parChTrans2D1">
+    <dgm:scene3d>
+      <a:camera prst="orthographicFront"/>
+      <a:lightRig rig="threePt" dir="t"/>
+    </dgm:scene3d>
+    <dgm:sp3d/>
+    <dgm:txPr/>
+    <dgm:style>
+      <a:lnRef idx="2">
+        <a:scrgbClr r="0" g="0" b="0"/>
+      </a:lnRef>
+      <a:fillRef idx="1">
+        <a:scrgbClr r="0" g="0" b="0"/>
+      </a:fillRef>
+      <a:effectRef idx="0">
+        <a:scrgbClr r="0" g="0" b="0"/>
+      </a:effectRef>
+      <a:fontRef idx="minor">
+        <a:schemeClr val="lt1"/>
+      </a:fontRef>
+    </dgm:style>
+  </dgm:styleLbl>
+  <dgm:styleLbl name="parChTrans2D2">
+    <dgm:scene3d>
+      <a:camera prst="orthographicFront"/>
+      <a:lightRig rig="threePt" dir="t"/>
+    </dgm:scene3d>
+    <dgm:sp3d/>
+    <dgm:txPr/>
+    <dgm:style>
+      <a:lnRef idx="2">
+        <a:scrgbClr r="0" g="0" b="0"/>
+      </a:lnRef>
+      <a:fillRef idx="1">
+        <a:scrgbClr r="0" g="0" b="0"/>
+      </a:fillRef>
+      <a:effectRef idx="0">
+        <a:scrgbClr r="0" g="0" b="0"/>
+      </a:effectRef>
+      <a:fontRef idx="minor">
+        <a:schemeClr val="lt1"/>
+      </a:fontRef>
+    </dgm:style>
+  </dgm:styleLbl>
+  <dgm:styleLbl name="parChTrans2D3">
+    <dgm:scene3d>
+      <a:camera prst="orthographicFront"/>
+      <a:lightRig rig="threePt" dir="t"/>
+    </dgm:scene3d>
+    <dgm:sp3d/>
+    <dgm:txPr/>
+    <dgm:style>
+      <a:lnRef idx="2">
+        <a:scrgbClr r="0" g="0" b="0"/>
+      </a:lnRef>
+      <a:fillRef idx="1">
+        <a:scrgbClr r="0" g="0" b="0"/>
+      </a:fillRef>
+      <a:effectRef idx="0">
+        <a:scrgbClr r="0" g="0" b="0"/>
+      </a:effectRef>
+      <a:fontRef idx="minor">
+        <a:schemeClr val="lt1"/>
+      </a:fontRef>
+    </dgm:style>
+  </dgm:styleLbl>
+  <dgm:styleLbl name="parChTrans2D4">
+    <dgm:scene3d>
+      <a:camera prst="orthographicFront"/>
+      <a:lightRig rig="threePt" dir="t"/>
+    </dgm:scene3d>
+    <dgm:sp3d/>
+    <dgm:txPr/>
+    <dgm:style>
+      <a:lnRef idx="2">
+        <a:scrgbClr r="0" g="0" b="0"/>
+      </a:lnRef>
+      <a:fillRef idx="1">
+        <a:scrgbClr r="0" g="0" b="0"/>
+      </a:fillRef>
+      <a:effectRef idx="0">
+        <a:scrgbClr r="0" g="0" b="0"/>
+      </a:effectRef>
+      <a:fontRef idx="minor">
+        <a:schemeClr val="lt1"/>
+      </a:fontRef>
+    </dgm:style>
+  </dgm:styleLbl>
+  <dgm:styleLbl name="parChTrans1D1">
+    <dgm:scene3d>
+      <a:camera prst="orthographicFront"/>
+      <a:lightRig rig="threePt" dir="t"/>
+    </dgm:scene3d>
+    <dgm:sp3d/>
+    <dgm:txPr/>
+    <dgm:style>
+      <a:lnRef idx="2">
+        <a:scrgbClr r="0" g="0" b="0"/>
+      </a:lnRef>
+      <a:fillRef idx="0">
+        <a:scrgbClr r="0" g="0" b="0"/>
+      </a:fillRef>
+      <a:effectRef idx="0">
+        <a:scrgbClr r="0" g="0" b="0"/>
+      </a:effectRef>
+      <a:fontRef idx="minor"/>
+    </dgm:style>
+  </dgm:styleLbl>
+  <dgm:styleLbl name="parChTrans1D2">
+    <dgm:scene3d>
+      <a:camera prst="orthographicFront"/>
+      <a:lightRig rig="threePt" dir="t"/>
+    </dgm:scene3d>
+    <dgm:sp3d/>
+    <dgm:txPr/>
+    <dgm:style>
+      <a:lnRef idx="2">
+        <a:scrgbClr r="0" g="0" b="0"/>
+      </a:lnRef>
+      <a:fillRef idx="0">
+        <a:scrgbClr r="0" g="0" b="0"/>
+      </a:fillRef>
+      <a:effectRef idx="0">
+        <a:scrgbClr r="0" g="0" b="0"/>
+      </a:effectRef>
+      <a:fontRef idx="minor"/>
+    </dgm:style>
+  </dgm:styleLbl>
+  <dgm:styleLbl name="parChTrans1D3">
+    <dgm:scene3d>
+      <a:camera prst="orthographicFront"/>
+      <a:lightRig rig="threePt" dir="t"/>
+    </dgm:scene3d>
+    <dgm:sp3d/>
+    <dgm:txPr/>
+    <dgm:style>
+      <a:lnRef idx="2">
+        <a:scrgbClr r="0" g="0" b="0"/>
+      </a:lnRef>
+      <a:fillRef idx="0">
+        <a:scrgbClr r="0" g="0" b="0"/>
+      </a:fillRef>
+      <a:effectRef idx="0">
+        <a:scrgbClr r="0" g="0" b="0"/>
+      </a:effectRef>
+      <a:fontRef idx="minor"/>
+    </dgm:style>
+  </dgm:styleLbl>
+  <dgm:styleLbl name="parChTrans1D4">
+    <dgm:scene3d>
+      <a:camera prst="orthographicFront"/>
+      <a:lightRig rig="threePt" dir="t"/>
+    </dgm:scene3d>
+    <dgm:sp3d/>
+    <dgm:txPr/>
+    <dgm:style>
+      <a:lnRef idx="2">
+        <a:scrgbClr r="0" g="0" b="0"/>
+      </a:lnRef>
+      <a:fillRef idx="0">
+        <a:scrgbClr r="0" g="0" b="0"/>
+      </a:fillRef>
+      <a:effectRef idx="0">
+        <a:scrgbClr r="0" g="0" b="0"/>
+      </a:effectRef>
+      <a:fontRef idx="minor"/>
+    </dgm:style>
+  </dgm:styleLbl>
+  <dgm:styleLbl name="fgAcc1">
+    <dgm:scene3d>
+      <a:camera prst="orthographicFront"/>
+      <a:lightRig rig="threePt" dir="t"/>
+    </dgm:scene3d>
+    <dgm:sp3d/>
+    <dgm:txPr/>
+    <dgm:style>
+      <a:lnRef idx="2">
+        <a:scrgbClr r="0" g="0" b="0"/>
+      </a:lnRef>
+      <a:fillRef idx="1">
+        <a:scrgbClr r="0" g="0" b="0"/>
+      </a:fillRef>
+      <a:effectRef idx="0">
+        <a:scrgbClr r="0" g="0" b="0"/>
+      </a:effectRef>
+      <a:fontRef idx="minor"/>
+    </dgm:style>
+  </dgm:styleLbl>
+  <dgm:styleLbl name="conFgAcc1">
+    <dgm:scene3d>
+      <a:camera prst="orthographicFront"/>
+      <a:lightRig rig="threePt" dir="t"/>
+    </dgm:scene3d>
+    <dgm:sp3d/>
+    <dgm:txPr/>
+    <dgm:style>
+      <a:lnRef idx="2">
+        <a:scrgbClr r="0" g="0" b="0"/>
+      </a:lnRef>
+      <a:fillRef idx="1">
+        <a:scrgbClr r="0" g="0" b="0"/>
+      </a:fillRef>
+      <a:effectRef idx="0">
+        <a:scrgbClr r="0" g="0" b="0"/>
+      </a:effectRef>
+      <a:fontRef idx="minor"/>
+    </dgm:style>
+  </dgm:styleLbl>
+  <dgm:styleLbl name="alignAcc1">
+    <dgm:scene3d>
+      <a:camera prst="orthographicFront"/>
+      <a:lightRig rig="threePt" dir="t"/>
+    </dgm:scene3d>
+    <dgm:sp3d/>
+    <dgm:txPr/>
+    <dgm:style>
+      <a:lnRef idx="2">
+        <a:scrgbClr r="0" g="0" b="0"/>
+      </a:lnRef>
+      <a:fillRef idx="1">
+        <a:scrgbClr r="0" g="0" b="0"/>
+      </a:fillRef>
+      <a:effectRef idx="0">
+        <a:scrgbClr r="0" g="0" b="0"/>
+      </a:effectRef>
+      <a:fontRef idx="minor"/>
+    </dgm:style>
+  </dgm:styleLbl>
+  <dgm:styleLbl name="trAlignAcc1">
+    <dgm:scene3d>
+      <a:camera prst="orthographicFront"/>
+      <a:lightRig rig="threePt" dir="t"/>
+    </dgm:scene3d>
+    <dgm:sp3d/>
+    <dgm:txPr/>
+    <dgm:style>
+      <a:lnRef idx="1">
+        <a:scrgbClr r="0" g="0" b="0"/>
+      </a:lnRef>
+      <a:fillRef idx="1">
+        <a:scrgbClr r="0" g="0" b="0"/>
+      </a:fillRef>
+      <a:effectRef idx="0">
+        <a:scrgbClr r="0" g="0" b="0"/>
+      </a:effectRef>
+      <a:fontRef idx="minor"/>
+    </dgm:style>
+  </dgm:styleLbl>
+  <dgm:styleLbl name="bgAcc1">
+    <dgm:scene3d>
+      <a:camera prst="orthographicFront"/>
+      <a:lightRig rig="threePt" dir="t"/>
+    </dgm:scene3d>
+    <dgm:sp3d/>
+    <dgm:txPr/>
+    <dgm:style>
+      <a:lnRef idx="2">
+        <a:scrgbClr r="0" g="0" b="0"/>
+      </a:lnRef>
+      <a:fillRef idx="1">
+        <a:scrgbClr r="0" g="0" b="0"/>
+      </a:fillRef>
+      <a:effectRef idx="0">
+        <a:scrgbClr r="0" g="0" b="0"/>
+      </a:effectRef>
+      <a:fontRef idx="minor"/>
+    </dgm:style>
+  </dgm:styleLbl>
+  <dgm:styleLbl name="solidFgAcc1">
+    <dgm:scene3d>
+      <a:camera prst="orthographicFront"/>
+      <a:lightRig rig="threePt" dir="t"/>
+    </dgm:scene3d>
+    <dgm:sp3d/>
+    <dgm:txPr/>
+    <dgm:style>
+      <a:lnRef idx="2">
+        <a:scrgbClr r="0" g="0" b="0"/>
+      </a:lnRef>
+      <a:fillRef idx="1">
+        <a:scrgbClr r="0" g="0" b="0"/>
+      </a:fillRef>
+      <a:effectRef idx="0">
+        <a:scrgbClr r="0" g="0" b="0"/>
+      </a:effectRef>
+      <a:fontRef idx="minor"/>
+    </dgm:style>
+  </dgm:styleLbl>
+  <dgm:styleLbl name="solidAlignAcc1">
+    <dgm:scene3d>
+      <a:camera prst="orthographicFront"/>
+      <a:lightRig rig="threePt" dir="t"/>
+    </dgm:scene3d>
+    <dgm:sp3d/>
+    <dgm:txPr/>
+    <dgm:style>
+      <a:lnRef idx="2">
+        <a:scrgbClr r="0" g="0" b="0"/>
+      </a:lnRef>
+      <a:fillRef idx="1">
+        <a:scrgbClr r="0" g="0" b="0"/>
+      </a:fillRef>
+      <a:effectRef idx="0">
+        <a:scrgbClr r="0" g="0" b="0"/>
+      </a:effectRef>
+      <a:fontRef idx="minor"/>
+    </dgm:style>
+  </dgm:styleLbl>
+  <dgm:styleLbl name="solidBgAcc1">
+    <dgm:scene3d>
+      <a:camera prst="orthographicFront"/>
+      <a:lightRig rig="threePt" dir="t"/>
+    </dgm:scene3d>
+    <dgm:sp3d/>
+    <dgm:txPr/>
+    <dgm:style>
+      <a:lnRef idx="2">
+        <a:scrgbClr r="0" g="0" b="0"/>
+      </a:lnRef>
+      <a:fillRef idx="1">
+        <a:scrgbClr r="0" g="0" b="0"/>
+      </a:fillRef>
+      <a:effectRef idx="0">
+        <a:scrgbClr r="0" g="0" b="0"/>
+      </a:effectRef>
+      <a:fontRef idx="minor"/>
+    </dgm:style>
+  </dgm:styleLbl>
+  <dgm:styleLbl name="fgAccFollowNode1">
+    <dgm:scene3d>
+      <a:camera prst="orthographicFront"/>
+      <a:lightRig rig="threePt" dir="t"/>
+    </dgm:scene3d>
+    <dgm:sp3d/>
+    <dgm:txPr/>
+    <dgm:style>
+      <a:lnRef idx="2">
+        <a:scrgbClr r="0" g="0" b="0"/>
+      </a:lnRef>
+      <a:fillRef idx="1">
+        <a:scrgbClr r="0" g="0" b="0"/>
+      </a:fillRef>
+      <a:effectRef idx="0">
+        <a:scrgbClr r="0" g="0" b="0"/>
+      </a:effectRef>
+      <a:fontRef idx="minor"/>
+    </dgm:style>
+  </dgm:styleLbl>
+  <dgm:styleLbl name="alignAccFollowNode1">
+    <dgm:scene3d>
+      <a:camera prst="orthographicFront"/>
+      <a:lightRig rig="threePt" dir="t"/>
+    </dgm:scene3d>
+    <dgm:sp3d/>
+    <dgm:txPr/>
+    <dgm:style>
+      <a:lnRef idx="2">
+        <a:scrgbClr r="0" g="0" b="0"/>
+      </a:lnRef>
+      <a:fillRef idx="1">
+        <a:scrgbClr r="0" g="0" b="0"/>
+      </a:fillRef>
+      <a:effectRef idx="0">
+        <a:scrgbClr r="0" g="0" b="0"/>
+      </a:effectRef>
+      <a:fontRef idx="minor"/>
+    </dgm:style>
+  </dgm:styleLbl>
+  <dgm:styleLbl name="bgAccFollowNode1">
+    <dgm:scene3d>
+      <a:camera prst="orthographicFront"/>
+      <a:lightRig rig="threePt" dir="t"/>
+    </dgm:scene3d>
+    <dgm:sp3d/>
+    <dgm:txPr/>
+    <dgm:style>
+      <a:lnRef idx="2">
+        <a:scrgbClr r="0" g="0" b="0"/>
+      </a:lnRef>
+      <a:fillRef idx="1">
+        <a:scrgbClr r="0" g="0" b="0"/>
+      </a:fillRef>
+      <a:effectRef idx="0">
+        <a:scrgbClr r="0" g="0" b="0"/>
+      </a:effectRef>
+      <a:fontRef idx="minor"/>
+    </dgm:style>
+  </dgm:styleLbl>
+  <dgm:styleLbl name="fgAcc0">
+    <dgm:scene3d>
+      <a:camera prst="orthographicFront"/>
+      <a:lightRig rig="threePt" dir="t"/>
+    </dgm:scene3d>
+    <dgm:sp3d/>
+    <dgm:txPr/>
+    <dgm:style>
+      <a:lnRef idx="2">
+        <a:scrgbClr r="0" g="0" b="0"/>
+      </a:lnRef>
+      <a:fillRef idx="1">
+        <a:scrgbClr r="0" g="0" b="0"/>
+      </a:fillRef>
+      <a:effectRef idx="0">
+        <a:scrgbClr r="0" g="0" b="0"/>
+      </a:effectRef>
+      <a:fontRef idx="minor"/>
+    </dgm:style>
+  </dgm:styleLbl>
+  <dgm:styleLbl name="fgAcc2">
+    <dgm:scene3d>
+      <a:camera prst="orthographicFront"/>
+      <a:lightRig rig="threePt" dir="t"/>
+    </dgm:scene3d>
+    <dgm:sp3d/>
+    <dgm:txPr/>
+    <dgm:style>
+      <a:lnRef idx="2">
+        <a:scrgbClr r="0" g="0" b="0"/>
+      </a:lnRef>
+      <a:fillRef idx="1">
+        <a:scrgbClr r="0" g="0" b="0"/>
+      </a:fillRef>
+      <a:effectRef idx="0">
+        <a:scrgbClr r="0" g="0" b="0"/>
+      </a:effectRef>
+      <a:fontRef idx="minor"/>
+    </dgm:style>
+  </dgm:styleLbl>
+  <dgm:styleLbl name="fgAcc3">
+    <dgm:scene3d>
+      <a:camera prst="orthographicFront"/>
+      <a:lightRig rig="threePt" dir="t"/>
+    </dgm:scene3d>
+    <dgm:sp3d/>
+    <dgm:txPr/>
+    <dgm:style>
+      <a:lnRef idx="2">
+        <a:scrgbClr r="0" g="0" b="0"/>
+      </a:lnRef>
+      <a:fillRef idx="1">
+        <a:scrgbClr r="0" g="0" b="0"/>
+      </a:fillRef>
+      <a:effectRef idx="0">
+        <a:scrgbClr r="0" g="0" b="0"/>
+      </a:effectRef>
+      <a:fontRef idx="minor"/>
+    </dgm:style>
+  </dgm:styleLbl>
+  <dgm:styleLbl name="fgAcc4">
+    <dgm:scene3d>
+      <a:camera prst="orthographicFront"/>
+      <a:lightRig rig="threePt" dir="t"/>
+    </dgm:scene3d>
+    <dgm:sp3d/>
+    <dgm:txPr/>
+    <dgm:style>
+      <a:lnRef idx="2">
+        <a:scrgbClr r="0" g="0" b="0"/>
+      </a:lnRef>
+      <a:fillRef idx="1">
+        <a:scrgbClr r="0" g="0" b="0"/>
+      </a:fillRef>
+      <a:effectRef idx="0">
+        <a:scrgbClr r="0" g="0" b="0"/>
+      </a:effectRef>
+      <a:fontRef idx="minor"/>
+    </dgm:style>
+  </dgm:styleLbl>
+  <dgm:styleLbl name="bgShp">
+    <dgm:scene3d>
+      <a:camera prst="orthographicFront"/>
+      <a:lightRig rig="threePt" dir="t"/>
+    </dgm:scene3d>
+    <dgm:sp3d/>
+    <dgm:txPr/>
+    <dgm:style>
+      <a:lnRef idx="0">
+        <a:scrgbClr r="0" g="0" b="0"/>
+      </a:lnRef>
+      <a:fillRef idx="1">
+        <a:scrgbClr r="0" g="0" b="0"/>
+      </a:fillRef>
+      <a:effectRef idx="0">
+        <a:scrgbClr r="0" g="0" b="0"/>
+      </a:effectRef>
+      <a:fontRef idx="minor"/>
+    </dgm:style>
+  </dgm:styleLbl>
+  <dgm:styleLbl name="dkBgShp">
+    <dgm:scene3d>
+      <a:camera prst="orthographicFront"/>
+      <a:lightRig rig="threePt" dir="t"/>
+    </dgm:scene3d>
+    <dgm:sp3d/>
+    <dgm:txPr/>
+    <dgm:style>
+      <a:lnRef idx="0">
+        <a:scrgbClr r="0" g="0" b="0"/>
+      </a:lnRef>
+      <a:fillRef idx="1">
+        <a:scrgbClr r="0" g="0" b="0"/>
+      </a:fillRef>
+      <a:effectRef idx="0">
+        <a:scrgbClr r="0" g="0" b="0"/>
+      </a:effectRef>
+      <a:fontRef idx="minor"/>
+    </dgm:style>
+  </dgm:styleLbl>
+  <dgm:styleLbl name="trBgShp">
+    <dgm:scene3d>
+      <a:camera prst="orthographicFront"/>
+      <a:lightRig rig="threePt" dir="t"/>
+    </dgm:scene3d>
+    <dgm:sp3d/>
+    <dgm:txPr/>
+    <dgm:style>
+      <a:lnRef idx="0">
+        <a:scrgbClr r="0" g="0" b="0"/>
+      </a:lnRef>
+      <a:fillRef idx="1">
+        <a:scrgbClr r="0" g="0" b="0"/>
+      </a:fillRef>
+      <a:effectRef idx="0">
+        <a:scrgbClr r="0" g="0" b="0"/>
+      </a:effectRef>
+      <a:fontRef idx="minor"/>
+    </dgm:style>
+  </dgm:styleLbl>
+  <dgm:styleLbl name="fgShp">
+    <dgm:scene3d>
+      <a:camera prst="orthographicFront"/>
+      <a:lightRig rig="threePt" dir="t"/>
+    </dgm:scene3d>
+    <dgm:sp3d/>
+    <dgm:txPr/>
+    <dgm:style>
+      <a:lnRef idx="2">
+        <a:scrgbClr r="0" g="0" b="0"/>
+      </a:lnRef>
+      <a:fillRef idx="1">
+        <a:scrgbClr r="0" g="0" b="0"/>
+      </a:fillRef>
+      <a:effectRef idx="0">
+        <a:scrgbClr r="0" g="0" b="0"/>
+      </a:effectRef>
+      <a:fontRef idx="minor"/>
+    </dgm:style>
+  </dgm:styleLbl>
+  <dgm:styleLbl name="revTx">
+    <dgm:scene3d>
+      <a:camera prst="orthographicFront"/>
+      <a:lightRig rig="threePt" dir="t"/>
+    </dgm:scene3d>
+    <dgm:sp3d/>
+    <dgm:txPr/>
+    <dgm:style>
+      <a:lnRef idx="0">
+        <a:scrgbClr r="0" g="0" b="0"/>
+      </a:lnRef>
+      <a:fillRef idx="0">
+        <a:scrgbClr r="0" g="0" b="0"/>
+      </a:fillRef>
+      <a:effectRef idx="0">
+        <a:scrgbClr r="0" g="0" b="0"/>
+      </a:effectRef>
+      <a:fontRef idx="minor"/>
+    </dgm:style>
+  </dgm:styleLbl>
+</dgm:styleDef>
+</file>
+
+<file path=ppt/diagrams/quickStyle2.xml><?xml version="1.0" encoding="utf-8"?>
 <dgm:styleDef xmlns:dgm="http://schemas.openxmlformats.org/drawingml/2006/diagram" xmlns:a="http://schemas.openxmlformats.org/drawingml/2006/main" uniqueId="urn:microsoft.com/office/officeart/2005/8/quickstyle/simple1">
   <dgm:title val=""/>
   <dgm:desc val=""/>
@@ -9895,6 +15747,64 @@
 </p:sld>
 </file>
 
+<file path=ppt/slides/slide2.xml><?xml version="1.0" encoding="utf-8"?>
+<p:sld xmlns:a="http://schemas.openxmlformats.org/drawingml/2006/main" xmlns:r="http://schemas.openxmlformats.org/officeDocument/2006/relationships" xmlns:p="http://schemas.openxmlformats.org/presentationml/2006/main">
+  <p:cSld>
+    <p:spTree>
+      <p:nvGrpSpPr>
+        <p:cNvPr id="1" name=""/>
+        <p:cNvGrpSpPr/>
+        <p:nvPr/>
+      </p:nvGrpSpPr>
+      <p:grpSpPr>
+        <a:xfrm>
+          <a:off x="0" y="0"/>
+          <a:ext cx="0" cy="0"/>
+          <a:chOff x="0" y="0"/>
+          <a:chExt cx="0" cy="0"/>
+        </a:xfrm>
+      </p:grpSpPr>
+      <p:graphicFrame>
+        <p:nvGraphicFramePr>
+          <p:cNvPr id="19" name="Diagram 18">
+            <a:extLst>
+              <a:ext uri="{FF2B5EF4-FFF2-40B4-BE49-F238E27FC236}">
+                <a16:creationId xmlns:a16="http://schemas.microsoft.com/office/drawing/2014/main" id="{5BF09880-6327-4DC2-8921-DE3480A9F54C}"/>
+              </a:ext>
+            </a:extLst>
+          </p:cNvPr>
+          <p:cNvGraphicFramePr/>
+          <p:nvPr>
+            <p:extLst>
+              <p:ext uri="{D42A27DB-BD31-4B8C-83A1-F6EECF244321}">
+                <p14:modId xmlns:p14="http://schemas.microsoft.com/office/powerpoint/2010/main" val="1460056235"/>
+              </p:ext>
+            </p:extLst>
+          </p:nvPr>
+        </p:nvGraphicFramePr>
+        <p:xfrm>
+          <a:off x="345989" y="304800"/>
+          <a:ext cx="11425881" cy="6244281"/>
+        </p:xfrm>
+        <a:graphic>
+          <a:graphicData uri="http://schemas.openxmlformats.org/drawingml/2006/diagram">
+            <dgm:relIds xmlns:dgm="http://schemas.openxmlformats.org/drawingml/2006/diagram" xmlns:r="http://schemas.openxmlformats.org/officeDocument/2006/relationships" r:dm="rId2" r:lo="rId3" r:qs="rId4" r:cs="rId5"/>
+          </a:graphicData>
+        </a:graphic>
+      </p:graphicFrame>
+    </p:spTree>
+    <p:extLst>
+      <p:ext uri="{BB962C8B-B14F-4D97-AF65-F5344CB8AC3E}">
+        <p14:creationId xmlns:p14="http://schemas.microsoft.com/office/powerpoint/2010/main" val="3597992087"/>
+      </p:ext>
+    </p:extLst>
+  </p:cSld>
+  <p:clrMapOvr>
+    <a:masterClrMapping/>
+  </p:clrMapOvr>
+</p:sld>
+</file>
+
 <file path=ppt/theme/theme1.xml><?xml version="1.0" encoding="utf-8"?>
 <a:theme xmlns:a="http://schemas.openxmlformats.org/drawingml/2006/main" name="Office Theme">
   <a:themeElements>
